--- a/PyCrimes_Final/PyCrimes_Presentation.pptx
+++ b/PyCrimes_Final/PyCrimes_Presentation.pptx
@@ -5,10 +5,10 @@
     <p:sldMasterId id="2147483658" r:id="rId4"/>
   </p:sldMasterIdLst>
   <p:notesMasterIdLst>
-    <p:notesMasterId r:id="rId23"/>
+    <p:notesMasterId r:id="rId24"/>
   </p:notesMasterIdLst>
   <p:handoutMasterIdLst>
-    <p:handoutMasterId r:id="rId24"/>
+    <p:handoutMasterId r:id="rId25"/>
   </p:handoutMasterIdLst>
   <p:sldIdLst>
     <p:sldId id="350" r:id="rId5"/>
@@ -25,10 +25,11 @@
     <p:sldId id="397" r:id="rId16"/>
     <p:sldId id="399" r:id="rId17"/>
     <p:sldId id="389" r:id="rId18"/>
-    <p:sldId id="384" r:id="rId19"/>
-    <p:sldId id="388" r:id="rId20"/>
-    <p:sldId id="374" r:id="rId21"/>
-    <p:sldId id="343" r:id="rId22"/>
+    <p:sldId id="400" r:id="rId19"/>
+    <p:sldId id="384" r:id="rId20"/>
+    <p:sldId id="388" r:id="rId21"/>
+    <p:sldId id="374" r:id="rId22"/>
+    <p:sldId id="343" r:id="rId23"/>
   </p:sldIdLst>
   <p:sldSz cx="12192000" cy="6858000"/>
   <p:notesSz cx="6858000" cy="9144000"/>
@@ -384,7 +385,7 @@
           <a:p>
             <a:fld id="{6EE7A52F-9D89-7442-A8E9-48D1527B5F6B}" type="datetimeFigureOut">
               <a:rPr lang="en-US" smtClean="0"/>
-              <a:t>9/24/2023</a:t>
+              <a:t>9/25/2023</a:t>
             </a:fld>
             <a:endParaRPr lang="en-US" dirty="0"/>
           </a:p>
@@ -760,21 +761,7 @@
                 <a:effectLst/>
                 <a:latin typeface="Calibri" panose="020F0502020204030204" pitchFamily="34" charset="0"/>
               </a:rPr>
-              <a:t>, our team is </a:t>
-            </a:r>
-            <a:r>
-              <a:rPr lang="en-US" sz="1800" dirty="0" err="1">
-                <a:effectLst/>
-                <a:latin typeface="Calibri" panose="020F0502020204030204" pitchFamily="34" charset="0"/>
-              </a:rPr>
-              <a:t>PyCrimes</a:t>
-            </a:r>
-            <a:r>
-              <a:rPr lang="en-US" sz="1800" dirty="0">
-                <a:effectLst/>
-                <a:latin typeface="Calibri" panose="020F0502020204030204" pitchFamily="34" charset="0"/>
-              </a:rPr>
-              <a:t> and Misdemeanors.</a:t>
+              <a:t>, our team is PyCrimes and Misdemeanors.</a:t>
             </a:r>
           </a:p>
           <a:p>
@@ -964,159 +951,64 @@
           <a:bodyPr/>
           <a:lstStyle/>
           <a:p>
-            <a:pPr algn="l"/>
-            <a:r>
-              <a:rPr lang="en-US" b="0" i="0" dirty="0">
-                <a:solidFill>
-                  <a:srgbClr val="1D1C1D"/>
-                </a:solidFill>
-                <a:effectLst/>
-                <a:latin typeface="Arial" panose="020B0604020202020204" pitchFamily="34" charset="0"/>
-              </a:rPr>
-              <a:t>Analysis 3:</a:t>
-            </a:r>
-            <a:endParaRPr lang="en-US" b="0" i="0" dirty="0">
-              <a:solidFill>
-                <a:srgbClr val="1D1C1D"/>
-              </a:solidFill>
-              <a:effectLst/>
-              <a:latin typeface="Slack-Lato"/>
-            </a:endParaRPr>
-          </a:p>
-          <a:p>
-            <a:pPr algn="l"/>
-            <a:endParaRPr lang="en-US" b="0" i="0" dirty="0">
-              <a:solidFill>
-                <a:srgbClr val="1D1C1D"/>
-              </a:solidFill>
-              <a:effectLst/>
-              <a:latin typeface="Arial" panose="020B0604020202020204" pitchFamily="34" charset="0"/>
-            </a:endParaRPr>
-          </a:p>
-          <a:p>
-            <a:pPr algn="l"/>
-            <a:r>
-              <a:rPr lang="en-US" b="0" i="0" dirty="0">
-                <a:solidFill>
-                  <a:srgbClr val="1D1C1D"/>
-                </a:solidFill>
-                <a:effectLst/>
-                <a:latin typeface="Arial" panose="020B0604020202020204" pitchFamily="34" charset="0"/>
-              </a:rPr>
-              <a:t>Question: What relation can we identify at each state at a more granular level?</a:t>
-            </a:r>
-            <a:br>
-              <a:rPr lang="en-US" b="0" i="0" dirty="0">
-                <a:solidFill>
-                  <a:srgbClr val="1D1C1D"/>
-                </a:solidFill>
-                <a:effectLst/>
-                <a:latin typeface="Slack-Lato"/>
-              </a:rPr>
-            </a:br>
-            <a:endParaRPr lang="en-US" b="0" i="0" dirty="0">
-              <a:solidFill>
-                <a:srgbClr val="1D1C1D"/>
-              </a:solidFill>
-              <a:effectLst/>
-              <a:latin typeface="Slack-Lato"/>
-            </a:endParaRPr>
-          </a:p>
-          <a:p>
-            <a:pPr algn="l"/>
-            <a:r>
-              <a:rPr lang="en-US" b="0" i="0" dirty="0">
-                <a:solidFill>
-                  <a:srgbClr val="1D1C1D"/>
-                </a:solidFill>
-                <a:effectLst/>
-                <a:latin typeface="Arial" panose="020B0604020202020204" pitchFamily="34" charset="0"/>
-              </a:rPr>
-              <a:t>Analysis: Visualize law enforcement employees per capita by state sorted in descending </a:t>
-            </a:r>
-            <a:br>
-              <a:rPr lang="en-US" b="0" i="0" dirty="0">
-                <a:solidFill>
-                  <a:srgbClr val="1D1C1D"/>
-                </a:solidFill>
-                <a:effectLst/>
-                <a:latin typeface="Slack-Lato"/>
-              </a:rPr>
-            </a:br>
-            <a:r>
-              <a:rPr lang="en-US" b="0" i="0" dirty="0">
-                <a:solidFill>
-                  <a:srgbClr val="1D1C1D"/>
-                </a:solidFill>
-                <a:effectLst/>
-                <a:latin typeface="Arial" panose="020B0604020202020204" pitchFamily="34" charset="0"/>
-              </a:rPr>
-              <a:t>order in bar scatter chart providing with the median value. Visualize arrest per capita by </a:t>
-            </a:r>
-            <a:br>
-              <a:rPr lang="en-US" b="0" i="0" dirty="0">
-                <a:solidFill>
-                  <a:srgbClr val="1D1C1D"/>
-                </a:solidFill>
-                <a:effectLst/>
-                <a:latin typeface="Slack-Lato"/>
-              </a:rPr>
-            </a:br>
-            <a:r>
-              <a:rPr lang="en-US" b="0" i="0" dirty="0">
-                <a:solidFill>
-                  <a:srgbClr val="1D1C1D"/>
-                </a:solidFill>
-                <a:effectLst/>
-                <a:latin typeface="Arial" panose="020B0604020202020204" pitchFamily="34" charset="0"/>
-              </a:rPr>
-              <a:t>keeping the same sorted order with the same method.</a:t>
-            </a:r>
-            <a:endParaRPr lang="en-US" b="0" i="0" dirty="0">
-              <a:solidFill>
-                <a:srgbClr val="1D1C1D"/>
-              </a:solidFill>
-              <a:effectLst/>
-              <a:latin typeface="Slack-Lato"/>
-            </a:endParaRPr>
-          </a:p>
-          <a:p>
-            <a:pPr algn="l"/>
-            <a:endParaRPr lang="en-US" b="0" i="0" dirty="0">
-              <a:solidFill>
-                <a:srgbClr val="1D1C1D"/>
-              </a:solidFill>
-              <a:effectLst/>
-              <a:latin typeface="Arial" panose="020B0604020202020204" pitchFamily="34" charset="0"/>
-            </a:endParaRPr>
-          </a:p>
-          <a:p>
-            <a:pPr algn="l"/>
-            <a:r>
-              <a:rPr lang="en-US" b="0" i="0" dirty="0">
-                <a:solidFill>
-                  <a:srgbClr val="1D1C1D"/>
-                </a:solidFill>
-                <a:effectLst/>
-                <a:latin typeface="Arial" panose="020B0604020202020204" pitchFamily="34" charset="0"/>
-              </a:rPr>
-              <a:t>Finding: Identified the law enforcement labor force efficiency in the arrest counts. </a:t>
-            </a:r>
-            <a:endParaRPr lang="en-US" b="0" i="0" dirty="0">
-              <a:solidFill>
-                <a:srgbClr val="1D1C1D"/>
-              </a:solidFill>
-              <a:effectLst/>
-              <a:latin typeface="Slack-Lato"/>
-            </a:endParaRPr>
-          </a:p>
-          <a:p>
-            <a:br>
-              <a:rPr lang="en-US" dirty="0"/>
-            </a:br>
-            <a:br>
-              <a:rPr lang="en-US" dirty="0"/>
-            </a:br>
+            <a:pPr algn="just">
+              <a:lnSpc>
+                <a:spcPct val="100000"/>
+              </a:lnSpc>
+              <a:spcBef>
+                <a:spcPts val="0"/>
+              </a:spcBef>
+            </a:pPr>
+            <a:r>
+              <a:rPr lang="en-US" sz="1200" dirty="0"/>
+              <a:t>This is our heatmap of total arrests in the US between 2010 and 2020.  </a:t>
+            </a:r>
+          </a:p>
+          <a:p>
+            <a:pPr algn="just">
+              <a:lnSpc>
+                <a:spcPct val="100000"/>
+              </a:lnSpc>
+              <a:spcBef>
+                <a:spcPts val="0"/>
+              </a:spcBef>
+            </a:pPr>
+            <a:endParaRPr lang="en-US" sz="1200" dirty="0"/>
+          </a:p>
+          <a:p>
+            <a:pPr algn="just">
+              <a:lnSpc>
+                <a:spcPct val="100000"/>
+              </a:lnSpc>
+              <a:spcBef>
+                <a:spcPts val="0"/>
+              </a:spcBef>
+            </a:pPr>
+            <a:r>
+              <a:rPr lang="en-US" sz="1200" dirty="0"/>
+              <a:t>We took the average of each state’s arrests and used </a:t>
+            </a:r>
+            <a:r>
+              <a:rPr lang="en-US" sz="1200" dirty="0" err="1"/>
+              <a:t>hvplot</a:t>
+            </a:r>
+            <a:r>
+              <a:rPr lang="en-US" sz="1200" dirty="0"/>
+              <a:t> to give a color gauge to our map to illustrate the areas with the greatest concentration of arrets.</a:t>
+            </a:r>
+          </a:p>
+          <a:p>
+            <a:pPr algn="just">
+              <a:lnSpc>
+                <a:spcPct val="100000"/>
+              </a:lnSpc>
+              <a:spcBef>
+                <a:spcPts val="0"/>
+              </a:spcBef>
+            </a:pPr>
+            <a:endParaRPr lang="en-US" sz="1200" dirty="0"/>
+          </a:p>
+          <a:p>
             <a:endParaRPr lang="en-US" dirty="0"/>
           </a:p>
         </p:txBody>
@@ -1138,7 +1030,7 @@
           <a:p>
             <a:fld id="{A89C7E07-3C67-C64C-8DA0-0404F6303970}" type="slidenum">
               <a:rPr lang="en-US" smtClean="0"/>
-              <a:t>15</a:t>
+              <a:t>10</a:t>
             </a:fld>
             <a:endParaRPr lang="en-US" dirty="0"/>
           </a:p>
@@ -1147,7 +1039,7 @@
     </p:spTree>
     <p:extLst>
       <p:ext uri="{BB962C8B-B14F-4D97-AF65-F5344CB8AC3E}">
-        <p14:creationId xmlns:p14="http://schemas.microsoft.com/office/powerpoint/2010/main" val="2210698135"/>
+        <p14:creationId xmlns:p14="http://schemas.microsoft.com/office/powerpoint/2010/main" val="2644135202"/>
       </p:ext>
     </p:extLst>
   </p:cSld>
@@ -1201,151 +1093,57 @@
           <a:bodyPr/>
           <a:lstStyle/>
           <a:p>
-            <a:pPr algn="l"/>
-            <a:r>
-              <a:rPr lang="en-US" b="0" i="0" dirty="0">
-                <a:solidFill>
-                  <a:srgbClr val="1D1C1D"/>
-                </a:solidFill>
-                <a:effectLst/>
-                <a:latin typeface="Arial" panose="020B0604020202020204" pitchFamily="34" charset="0"/>
-              </a:rPr>
-              <a:t>Analysis 3:</a:t>
-            </a:r>
-            <a:endParaRPr lang="en-US" b="0" i="0" dirty="0">
-              <a:solidFill>
-                <a:srgbClr val="1D1C1D"/>
-              </a:solidFill>
-              <a:effectLst/>
-              <a:latin typeface="Slack-Lato"/>
-            </a:endParaRPr>
-          </a:p>
-          <a:p>
-            <a:pPr algn="l"/>
-            <a:endParaRPr lang="en-US" b="0" i="0" dirty="0">
-              <a:solidFill>
-                <a:srgbClr val="1D1C1D"/>
-              </a:solidFill>
-              <a:effectLst/>
-              <a:latin typeface="Arial" panose="020B0604020202020204" pitchFamily="34" charset="0"/>
-            </a:endParaRPr>
-          </a:p>
-          <a:p>
-            <a:pPr algn="l"/>
-            <a:r>
-              <a:rPr lang="en-US" b="0" i="0" dirty="0">
-                <a:solidFill>
-                  <a:srgbClr val="1D1C1D"/>
-                </a:solidFill>
-                <a:effectLst/>
-                <a:latin typeface="Arial" panose="020B0604020202020204" pitchFamily="34" charset="0"/>
-              </a:rPr>
-              <a:t>Question: What relation can we identify at each state at a more granular level?</a:t>
-            </a:r>
-            <a:br>
-              <a:rPr lang="en-US" b="0" i="0" dirty="0">
-                <a:solidFill>
-                  <a:srgbClr val="1D1C1D"/>
-                </a:solidFill>
-                <a:effectLst/>
-                <a:latin typeface="Slack-Lato"/>
-              </a:rPr>
-            </a:br>
-            <a:endParaRPr lang="en-US" b="0" i="0" dirty="0">
-              <a:solidFill>
-                <a:srgbClr val="1D1C1D"/>
-              </a:solidFill>
-              <a:effectLst/>
-              <a:latin typeface="Slack-Lato"/>
-            </a:endParaRPr>
-          </a:p>
-          <a:p>
-            <a:pPr algn="l"/>
-            <a:r>
-              <a:rPr lang="en-US" b="0" i="0" dirty="0">
-                <a:solidFill>
-                  <a:srgbClr val="1D1C1D"/>
-                </a:solidFill>
-                <a:effectLst/>
-                <a:latin typeface="Arial" panose="020B0604020202020204" pitchFamily="34" charset="0"/>
-              </a:rPr>
-              <a:t>Analysis: Visualize law enforcement employees per capita by state sorted in descending </a:t>
-            </a:r>
-            <a:br>
-              <a:rPr lang="en-US" b="0" i="0" dirty="0">
-                <a:solidFill>
-                  <a:srgbClr val="1D1C1D"/>
-                </a:solidFill>
-                <a:effectLst/>
-                <a:latin typeface="Slack-Lato"/>
-              </a:rPr>
-            </a:br>
-            <a:r>
-              <a:rPr lang="en-US" b="0" i="0" dirty="0">
-                <a:solidFill>
-                  <a:srgbClr val="1D1C1D"/>
-                </a:solidFill>
-                <a:effectLst/>
-                <a:latin typeface="Arial" panose="020B0604020202020204" pitchFamily="34" charset="0"/>
-              </a:rPr>
-              <a:t>order in bar scatter chart providing with the median value. Visualize arrest per capita by </a:t>
-            </a:r>
-            <a:br>
-              <a:rPr lang="en-US" b="0" i="0" dirty="0">
-                <a:solidFill>
-                  <a:srgbClr val="1D1C1D"/>
-                </a:solidFill>
-                <a:effectLst/>
-                <a:latin typeface="Slack-Lato"/>
-              </a:rPr>
-            </a:br>
-            <a:r>
-              <a:rPr lang="en-US" b="0" i="0" dirty="0">
-                <a:solidFill>
-                  <a:srgbClr val="1D1C1D"/>
-                </a:solidFill>
-                <a:effectLst/>
-                <a:latin typeface="Arial" panose="020B0604020202020204" pitchFamily="34" charset="0"/>
-              </a:rPr>
-              <a:t>keeping the same sorted order with the same method.</a:t>
-            </a:r>
-            <a:endParaRPr lang="en-US" b="0" i="0" dirty="0">
-              <a:solidFill>
-                <a:srgbClr val="1D1C1D"/>
-              </a:solidFill>
-              <a:effectLst/>
-              <a:latin typeface="Slack-Lato"/>
-            </a:endParaRPr>
-          </a:p>
-          <a:p>
-            <a:pPr algn="l"/>
-            <a:endParaRPr lang="en-US" b="0" i="0" dirty="0">
-              <a:solidFill>
-                <a:srgbClr val="1D1C1D"/>
-              </a:solidFill>
-              <a:effectLst/>
-              <a:latin typeface="Arial" panose="020B0604020202020204" pitchFamily="34" charset="0"/>
-            </a:endParaRPr>
-          </a:p>
-          <a:p>
-            <a:pPr algn="l"/>
-            <a:r>
-              <a:rPr lang="en-US" b="0" i="0" dirty="0">
-                <a:solidFill>
-                  <a:srgbClr val="1D1C1D"/>
-                </a:solidFill>
-                <a:effectLst/>
-                <a:latin typeface="Arial" panose="020B0604020202020204" pitchFamily="34" charset="0"/>
-              </a:rPr>
-              <a:t>Finding: Identified the law enforcement labor force efficiency in the arrest counts. </a:t>
-            </a:r>
-            <a:endParaRPr lang="en-US" b="0" i="0" dirty="0">
-              <a:solidFill>
-                <a:srgbClr val="1D1C1D"/>
-              </a:solidFill>
-              <a:effectLst/>
-              <a:latin typeface="Slack-Lato"/>
-            </a:endParaRPr>
+            <a:pPr algn="just">
+              <a:lnSpc>
+                <a:spcPct val="100000"/>
+              </a:lnSpc>
+              <a:spcBef>
+                <a:spcPts val="0"/>
+              </a:spcBef>
+            </a:pPr>
+            <a:r>
+              <a:rPr lang="en-US" sz="1200" dirty="0"/>
+              <a:t>This map tells a different story.</a:t>
+            </a:r>
+          </a:p>
+          <a:p>
+            <a:pPr algn="just">
+              <a:lnSpc>
+                <a:spcPct val="100000"/>
+              </a:lnSpc>
+              <a:spcBef>
+                <a:spcPts val="0"/>
+              </a:spcBef>
+            </a:pPr>
+            <a:r>
+              <a:rPr lang="en-US" sz="1200" dirty="0"/>
+              <a:t>We adjusted the arrest numbers per capita, to visualize the Arrest Rate. </a:t>
+            </a:r>
+          </a:p>
+          <a:p>
+            <a:pPr algn="just">
+              <a:lnSpc>
+                <a:spcPct val="100000"/>
+              </a:lnSpc>
+              <a:spcBef>
+                <a:spcPts val="0"/>
+              </a:spcBef>
+            </a:pPr>
+            <a:r>
+              <a:rPr lang="en-US" sz="1200" dirty="0"/>
+              <a:t>What we see is arrest rates are more normalized and that the hot spots are no longer just the population centers.</a:t>
+            </a:r>
+          </a:p>
+          <a:p>
+            <a:pPr algn="just">
+              <a:lnSpc>
+                <a:spcPct val="100000"/>
+              </a:lnSpc>
+              <a:spcBef>
+                <a:spcPts val="0"/>
+              </a:spcBef>
+            </a:pPr>
+            <a:endParaRPr lang="en-US" sz="1200" dirty="0"/>
           </a:p>
           <a:p>
             <a:endParaRPr lang="en-US" dirty="0"/>
@@ -1369,7 +1167,7 @@
           <a:p>
             <a:fld id="{A89C7E07-3C67-C64C-8DA0-0404F6303970}" type="slidenum">
               <a:rPr lang="en-US" smtClean="0"/>
-              <a:t>16</a:t>
+              <a:t>11</a:t>
             </a:fld>
             <a:endParaRPr lang="en-US" dirty="0"/>
           </a:p>
@@ -1378,7 +1176,7 @@
     </p:spTree>
     <p:extLst>
       <p:ext uri="{BB962C8B-B14F-4D97-AF65-F5344CB8AC3E}">
-        <p14:creationId xmlns:p14="http://schemas.microsoft.com/office/powerpoint/2010/main" val="4238956756"/>
+        <p14:creationId xmlns:p14="http://schemas.microsoft.com/office/powerpoint/2010/main" val="31985741"/>
       </p:ext>
     </p:extLst>
   </p:cSld>
@@ -1432,28 +1230,8 @@
           <a:bodyPr/>
           <a:lstStyle/>
           <a:p>
-            <a:r>
-              <a:rPr lang="en-US" dirty="0"/>
-              <a:t>There are plenty of other factors that would feed into a fuller understanding of the US crime rate.  Some of those were either outside the scope or would require additional time, effort, and funding.</a:t>
-            </a:r>
-          </a:p>
-          <a:p>
-            <a:r>
-              <a:rPr lang="en-US" dirty="0"/>
-              <a:t>- We purposely omitted violent crime, but that data would be easily accessible using our methods.</a:t>
-            </a:r>
-          </a:p>
-          <a:p>
-            <a:r>
-              <a:rPr lang="en-US" dirty="0"/>
-              <a:t>- We were also interested in investigating education and economic drivers behind the numbers we were seeing.</a:t>
-            </a:r>
-          </a:p>
-          <a:p>
-            <a:r>
-              <a:rPr lang="en-US" dirty="0"/>
-              <a:t>- As our data is mostly based on Arrest records, following up, and comparing our data to conviction and incarceration rates would also tell us more.</a:t>
-            </a:r>
+            <a:pPr algn="l"/>
+            <a:endParaRPr lang="en-US" dirty="0"/>
           </a:p>
         </p:txBody>
       </p:sp>
@@ -1474,7 +1252,7 @@
           <a:p>
             <a:fld id="{A89C7E07-3C67-C64C-8DA0-0404F6303970}" type="slidenum">
               <a:rPr lang="en-US" smtClean="0"/>
-              <a:t>17</a:t>
+              <a:t>12</a:t>
             </a:fld>
             <a:endParaRPr lang="en-US" dirty="0"/>
           </a:p>
@@ -1483,7 +1261,7 @@
     </p:spTree>
     <p:extLst>
       <p:ext uri="{BB962C8B-B14F-4D97-AF65-F5344CB8AC3E}">
-        <p14:creationId xmlns:p14="http://schemas.microsoft.com/office/powerpoint/2010/main" val="4104591926"/>
+        <p14:creationId xmlns:p14="http://schemas.microsoft.com/office/powerpoint/2010/main" val="4089196155"/>
       </p:ext>
     </p:extLst>
   </p:cSld>
@@ -1537,10 +1315,8 @@
           <a:bodyPr/>
           <a:lstStyle/>
           <a:p>
-            <a:r>
-              <a:rPr lang="en-US" dirty="0"/>
-              <a:t>Thank you all very much for your time. </a:t>
-            </a:r>
+            <a:pPr algn="l"/>
+            <a:endParaRPr lang="en-US" dirty="0"/>
           </a:p>
         </p:txBody>
       </p:sp>
@@ -1561,7 +1337,1029 @@
           <a:p>
             <a:fld id="{A89C7E07-3C67-C64C-8DA0-0404F6303970}" type="slidenum">
               <a:rPr lang="en-US" smtClean="0"/>
+              <a:t>13</a:t>
+            </a:fld>
+            <a:endParaRPr lang="en-US" dirty="0"/>
+          </a:p>
+        </p:txBody>
+      </p:sp>
+    </p:spTree>
+    <p:extLst>
+      <p:ext uri="{BB962C8B-B14F-4D97-AF65-F5344CB8AC3E}">
+        <p14:creationId xmlns:p14="http://schemas.microsoft.com/office/powerpoint/2010/main" val="2710436051"/>
+      </p:ext>
+    </p:extLst>
+  </p:cSld>
+  <p:clrMapOvr>
+    <a:masterClrMapping/>
+  </p:clrMapOvr>
+</p:notes>
+</file>
+
+<file path=ppt/notesSlides/notesSlide14.xml><?xml version="1.0" encoding="utf-8"?>
+<p:notes xmlns:a="http://schemas.openxmlformats.org/drawingml/2006/main" xmlns:r="http://schemas.openxmlformats.org/officeDocument/2006/relationships" xmlns:p="http://schemas.openxmlformats.org/presentationml/2006/main">
+  <p:cSld>
+    <p:spTree>
+      <p:nvGrpSpPr>
+        <p:cNvPr id="1" name=""/>
+        <p:cNvGrpSpPr/>
+        <p:nvPr/>
+      </p:nvGrpSpPr>
+      <p:grpSpPr>
+        <a:xfrm>
+          <a:off x="0" y="0"/>
+          <a:ext cx="0" cy="0"/>
+          <a:chOff x="0" y="0"/>
+          <a:chExt cx="0" cy="0"/>
+        </a:xfrm>
+      </p:grpSpPr>
+      <p:sp>
+        <p:nvSpPr>
+          <p:cNvPr id="2" name="Slide Image Placeholder 1"/>
+          <p:cNvSpPr>
+            <a:spLocks noGrp="1" noRot="1" noChangeAspect="1"/>
+          </p:cNvSpPr>
+          <p:nvPr>
+            <p:ph type="sldImg"/>
+          </p:nvPr>
+        </p:nvSpPr>
+        <p:spPr/>
+      </p:sp>
+      <p:sp>
+        <p:nvSpPr>
+          <p:cNvPr id="3" name="Notes Placeholder 2"/>
+          <p:cNvSpPr>
+            <a:spLocks noGrp="1"/>
+          </p:cNvSpPr>
+          <p:nvPr>
+            <p:ph type="body" idx="1"/>
+          </p:nvPr>
+        </p:nvSpPr>
+        <p:spPr/>
+        <p:txBody>
+          <a:bodyPr/>
+          <a:lstStyle/>
+          <a:p>
+            <a:r>
+              <a:rPr lang="en-US" b="0" i="0" dirty="0">
+                <a:effectLst/>
+                <a:latin typeface="Arial" panose="020B0604020202020204" pitchFamily="34" charset="0"/>
+              </a:rPr>
+              <a:t>Analysis 1:</a:t>
+            </a:r>
+            <a:br>
+              <a:rPr lang="en-US" dirty="0"/>
+            </a:br>
+            <a:endParaRPr lang="en-US" b="0" i="0" dirty="0">
+              <a:effectLst/>
+              <a:latin typeface="Arial" panose="020B0604020202020204" pitchFamily="34" charset="0"/>
+            </a:endParaRPr>
+          </a:p>
+          <a:p>
+            <a:r>
+              <a:rPr lang="en-US" b="0" i="0" dirty="0">
+                <a:effectLst/>
+                <a:latin typeface="Arial" panose="020B0604020202020204" pitchFamily="34" charset="0"/>
+              </a:rPr>
+              <a:t>Question: Is there a correlation between the number of arrests and law enforcement </a:t>
+            </a:r>
+            <a:br>
+              <a:rPr lang="en-US" dirty="0"/>
+            </a:br>
+            <a:r>
+              <a:rPr lang="en-US" b="0" i="0" dirty="0">
+                <a:effectLst/>
+                <a:latin typeface="Arial" panose="020B0604020202020204" pitchFamily="34" charset="0"/>
+              </a:rPr>
+              <a:t>employees in aggregate?</a:t>
+            </a:r>
+          </a:p>
+          <a:p>
+            <a:br>
+              <a:rPr lang="en-US" dirty="0"/>
+            </a:br>
+            <a:r>
+              <a:rPr lang="en-US" b="0" i="0" dirty="0">
+                <a:effectLst/>
+                <a:latin typeface="Arial" panose="020B0604020202020204" pitchFamily="34" charset="0"/>
+              </a:rPr>
+              <a:t>Analysis: Compared number of arrests to number of the law enforcement employees at </a:t>
+            </a:r>
+            <a:br>
+              <a:rPr lang="en-US" dirty="0"/>
+            </a:br>
+            <a:r>
+              <a:rPr lang="en-US" b="0" i="0" dirty="0">
+                <a:effectLst/>
+                <a:latin typeface="Arial" panose="020B0604020202020204" pitchFamily="34" charset="0"/>
+              </a:rPr>
+              <a:t>national level in scatter plot.</a:t>
+            </a:r>
+          </a:p>
+          <a:p>
+            <a:endParaRPr lang="en-US" b="0" i="0" dirty="0">
+              <a:effectLst/>
+              <a:latin typeface="Arial" panose="020B0604020202020204" pitchFamily="34" charset="0"/>
+            </a:endParaRPr>
+          </a:p>
+          <a:p>
+            <a:r>
+              <a:rPr lang="en-US" b="0" i="0" dirty="0">
+                <a:effectLst/>
+                <a:latin typeface="Arial" panose="020B0604020202020204" pitchFamily="34" charset="0"/>
+              </a:rPr>
+              <a:t>Finding: A linear relationship as the number of arrests follows the increase in the number of law</a:t>
+            </a:r>
+            <a:br>
+              <a:rPr lang="en-US" dirty="0"/>
+            </a:br>
+            <a:r>
+              <a:rPr lang="en-US" b="0" i="0" dirty="0">
+                <a:effectLst/>
+                <a:latin typeface="Arial" panose="020B0604020202020204" pitchFamily="34" charset="0"/>
+              </a:rPr>
+              <a:t>enforcement employees.</a:t>
+            </a:r>
+            <a:br>
+              <a:rPr lang="en-US" dirty="0"/>
+            </a:br>
+            <a:endParaRPr lang="en-US" dirty="0"/>
+          </a:p>
+          <a:p>
+            <a:r>
+              <a:rPr lang="en-US" b="0" i="0" dirty="0">
+                <a:effectLst/>
+                <a:latin typeface="Arial" panose="020B0604020202020204" pitchFamily="34" charset="0"/>
+              </a:rPr>
+              <a:t>Analysis 2:</a:t>
+            </a:r>
+            <a:br>
+              <a:rPr lang="en-US" dirty="0"/>
+            </a:br>
+            <a:r>
+              <a:rPr lang="en-US" b="0" i="0" dirty="0">
+                <a:effectLst/>
+                <a:latin typeface="Arial" panose="020B0604020202020204" pitchFamily="34" charset="0"/>
+              </a:rPr>
+              <a:t>Question: Can we normalize Analysis 1 finding in a more comparable measurement?</a:t>
+            </a:r>
+            <a:br>
+              <a:rPr lang="en-US" dirty="0"/>
+            </a:br>
+            <a:endParaRPr lang="en-US" dirty="0"/>
+          </a:p>
+          <a:p>
+            <a:r>
+              <a:rPr lang="en-US" b="0" i="0" dirty="0">
+                <a:effectLst/>
+                <a:latin typeface="Arial" panose="020B0604020202020204" pitchFamily="34" charset="0"/>
+              </a:rPr>
+              <a:t>Analysis: Compared the arrests per capita to the law enforcement employees per capita in the </a:t>
+            </a:r>
+            <a:br>
+              <a:rPr lang="en-US" dirty="0"/>
+            </a:br>
+            <a:r>
+              <a:rPr lang="en-US" b="0" i="0" dirty="0">
+                <a:effectLst/>
+                <a:latin typeface="Arial" panose="020B0604020202020204" pitchFamily="34" charset="0"/>
+              </a:rPr>
+              <a:t>same method.</a:t>
+            </a:r>
+            <a:br>
+              <a:rPr lang="en-US" dirty="0"/>
+            </a:br>
+            <a:endParaRPr lang="en-US" dirty="0"/>
+          </a:p>
+          <a:p>
+            <a:r>
+              <a:rPr lang="en-US" b="0" i="0" dirty="0">
+                <a:effectLst/>
+                <a:latin typeface="Arial" panose="020B0604020202020204" pitchFamily="34" charset="0"/>
+              </a:rPr>
+              <a:t>Finding: No material linear relationship identified in per capita analysis.</a:t>
+            </a:r>
+            <a:br>
+              <a:rPr lang="en-US" dirty="0"/>
+            </a:br>
+            <a:endParaRPr lang="en-US" dirty="0"/>
+          </a:p>
+        </p:txBody>
+      </p:sp>
+      <p:sp>
+        <p:nvSpPr>
+          <p:cNvPr id="4" name="Slide Number Placeholder 3"/>
+          <p:cNvSpPr>
+            <a:spLocks noGrp="1"/>
+          </p:cNvSpPr>
+          <p:nvPr>
+            <p:ph type="sldNum" sz="quarter" idx="5"/>
+          </p:nvPr>
+        </p:nvSpPr>
+        <p:spPr/>
+        <p:txBody>
+          <a:bodyPr/>
+          <a:lstStyle/>
+          <a:p>
+            <a:fld id="{A89C7E07-3C67-C64C-8DA0-0404F6303970}" type="slidenum">
+              <a:rPr lang="en-US" smtClean="0"/>
+              <a:t>14</a:t>
+            </a:fld>
+            <a:endParaRPr lang="en-US" dirty="0"/>
+          </a:p>
+        </p:txBody>
+      </p:sp>
+    </p:spTree>
+    <p:extLst>
+      <p:ext uri="{BB962C8B-B14F-4D97-AF65-F5344CB8AC3E}">
+        <p14:creationId xmlns:p14="http://schemas.microsoft.com/office/powerpoint/2010/main" val="233801715"/>
+      </p:ext>
+    </p:extLst>
+  </p:cSld>
+  <p:clrMapOvr>
+    <a:masterClrMapping/>
+  </p:clrMapOvr>
+</p:notes>
+</file>
+
+<file path=ppt/notesSlides/notesSlide15.xml><?xml version="1.0" encoding="utf-8"?>
+<p:notes xmlns:a="http://schemas.openxmlformats.org/drawingml/2006/main" xmlns:r="http://schemas.openxmlformats.org/officeDocument/2006/relationships" xmlns:p="http://schemas.openxmlformats.org/presentationml/2006/main">
+  <p:cSld>
+    <p:spTree>
+      <p:nvGrpSpPr>
+        <p:cNvPr id="1" name=""/>
+        <p:cNvGrpSpPr/>
+        <p:nvPr/>
+      </p:nvGrpSpPr>
+      <p:grpSpPr>
+        <a:xfrm>
+          <a:off x="0" y="0"/>
+          <a:ext cx="0" cy="0"/>
+          <a:chOff x="0" y="0"/>
+          <a:chExt cx="0" cy="0"/>
+        </a:xfrm>
+      </p:grpSpPr>
+      <p:sp>
+        <p:nvSpPr>
+          <p:cNvPr id="2" name="Slide Image Placeholder 1"/>
+          <p:cNvSpPr>
+            <a:spLocks noGrp="1" noRot="1" noChangeAspect="1"/>
+          </p:cNvSpPr>
+          <p:nvPr>
+            <p:ph type="sldImg"/>
+          </p:nvPr>
+        </p:nvSpPr>
+        <p:spPr/>
+      </p:sp>
+      <p:sp>
+        <p:nvSpPr>
+          <p:cNvPr id="3" name="Notes Placeholder 2"/>
+          <p:cNvSpPr>
+            <a:spLocks noGrp="1"/>
+          </p:cNvSpPr>
+          <p:nvPr>
+            <p:ph type="body" idx="1"/>
+          </p:nvPr>
+        </p:nvSpPr>
+        <p:spPr/>
+        <p:txBody>
+          <a:bodyPr/>
+          <a:lstStyle/>
+          <a:p>
+            <a:pPr marL="285750" indent="-285750">
+              <a:spcBef>
+                <a:spcPts val="600"/>
+              </a:spcBef>
+              <a:buFont typeface="Arial" panose="020B0604020202020204" pitchFamily="34" charset="0"/>
+              <a:buChar char="•"/>
+            </a:pPr>
+            <a:r>
+              <a:rPr lang="en-US" sz="1200" dirty="0"/>
+              <a:t>The chart on the left shows population vs total arrests.  The trendline shows a strong relation between population and overall arrest numbers.  </a:t>
+            </a:r>
+          </a:p>
+          <a:p>
+            <a:pPr marL="285750" indent="-285750">
+              <a:spcBef>
+                <a:spcPts val="600"/>
+              </a:spcBef>
+              <a:buFont typeface="Arial" panose="020B0604020202020204" pitchFamily="34" charset="0"/>
+              <a:buChar char="•"/>
+            </a:pPr>
+            <a:r>
+              <a:rPr lang="en-US" sz="1200" dirty="0"/>
+              <a:t>On the right, we see what happens when we adjust the population per capita.  The trendline shows us that arrest rates shift downward slightly as population grows.  This suggests an </a:t>
+            </a:r>
+            <a:r>
+              <a:rPr lang="en-US" sz="1200" b="1" dirty="0"/>
+              <a:t>Arrest Rate </a:t>
+            </a:r>
+            <a:r>
+              <a:rPr lang="en-US" sz="1200" dirty="0"/>
+              <a:t>which remains relatively steady, regardless of total population.</a:t>
+            </a:r>
+          </a:p>
+          <a:p>
+            <a:endParaRPr lang="en-US" dirty="0"/>
+          </a:p>
+        </p:txBody>
+      </p:sp>
+      <p:sp>
+        <p:nvSpPr>
+          <p:cNvPr id="4" name="Slide Number Placeholder 3"/>
+          <p:cNvSpPr>
+            <a:spLocks noGrp="1"/>
+          </p:cNvSpPr>
+          <p:nvPr>
+            <p:ph type="sldNum" sz="quarter" idx="5"/>
+          </p:nvPr>
+        </p:nvSpPr>
+        <p:spPr/>
+        <p:txBody>
+          <a:bodyPr/>
+          <a:lstStyle/>
+          <a:p>
+            <a:fld id="{A89C7E07-3C67-C64C-8DA0-0404F6303970}" type="slidenum">
+              <a:rPr lang="en-US" smtClean="0"/>
+              <a:t>15</a:t>
+            </a:fld>
+            <a:endParaRPr lang="en-US" dirty="0"/>
+          </a:p>
+        </p:txBody>
+      </p:sp>
+    </p:spTree>
+    <p:extLst>
+      <p:ext uri="{BB962C8B-B14F-4D97-AF65-F5344CB8AC3E}">
+        <p14:creationId xmlns:p14="http://schemas.microsoft.com/office/powerpoint/2010/main" val="32029696"/>
+      </p:ext>
+    </p:extLst>
+  </p:cSld>
+  <p:clrMapOvr>
+    <a:masterClrMapping/>
+  </p:clrMapOvr>
+</p:notes>
+</file>
+
+<file path=ppt/notesSlides/notesSlide16.xml><?xml version="1.0" encoding="utf-8"?>
+<p:notes xmlns:a="http://schemas.openxmlformats.org/drawingml/2006/main" xmlns:r="http://schemas.openxmlformats.org/officeDocument/2006/relationships" xmlns:p="http://schemas.openxmlformats.org/presentationml/2006/main">
+  <p:cSld>
+    <p:spTree>
+      <p:nvGrpSpPr>
+        <p:cNvPr id="1" name=""/>
+        <p:cNvGrpSpPr/>
+        <p:nvPr/>
+      </p:nvGrpSpPr>
+      <p:grpSpPr>
+        <a:xfrm>
+          <a:off x="0" y="0"/>
+          <a:ext cx="0" cy="0"/>
+          <a:chOff x="0" y="0"/>
+          <a:chExt cx="0" cy="0"/>
+        </a:xfrm>
+      </p:grpSpPr>
+      <p:sp>
+        <p:nvSpPr>
+          <p:cNvPr id="2" name="Slide Image Placeholder 1"/>
+          <p:cNvSpPr>
+            <a:spLocks noGrp="1" noRot="1" noChangeAspect="1"/>
+          </p:cNvSpPr>
+          <p:nvPr>
+            <p:ph type="sldImg"/>
+          </p:nvPr>
+        </p:nvSpPr>
+        <p:spPr/>
+      </p:sp>
+      <p:sp>
+        <p:nvSpPr>
+          <p:cNvPr id="3" name="Notes Placeholder 2"/>
+          <p:cNvSpPr>
+            <a:spLocks noGrp="1"/>
+          </p:cNvSpPr>
+          <p:nvPr>
+            <p:ph type="body" idx="1"/>
+          </p:nvPr>
+        </p:nvSpPr>
+        <p:spPr/>
+        <p:txBody>
+          <a:bodyPr/>
+          <a:lstStyle/>
+          <a:p>
+            <a:pPr algn="l"/>
+            <a:r>
+              <a:rPr lang="en-US" b="0" i="0" dirty="0">
+                <a:solidFill>
+                  <a:srgbClr val="1D1C1D"/>
+                </a:solidFill>
+                <a:effectLst/>
+                <a:latin typeface="Arial" panose="020B0604020202020204" pitchFamily="34" charset="0"/>
+              </a:rPr>
+              <a:t>Analysis 3:</a:t>
+            </a:r>
+            <a:endParaRPr lang="en-US" b="0" i="0" dirty="0">
+              <a:solidFill>
+                <a:srgbClr val="1D1C1D"/>
+              </a:solidFill>
+              <a:effectLst/>
+              <a:latin typeface="Slack-Lato"/>
+            </a:endParaRPr>
+          </a:p>
+          <a:p>
+            <a:pPr algn="l"/>
+            <a:endParaRPr lang="en-US" b="0" i="0" dirty="0">
+              <a:solidFill>
+                <a:srgbClr val="1D1C1D"/>
+              </a:solidFill>
+              <a:effectLst/>
+              <a:latin typeface="Arial" panose="020B0604020202020204" pitchFamily="34" charset="0"/>
+            </a:endParaRPr>
+          </a:p>
+          <a:p>
+            <a:pPr algn="l"/>
+            <a:r>
+              <a:rPr lang="en-US" b="0" i="0" dirty="0">
+                <a:solidFill>
+                  <a:srgbClr val="1D1C1D"/>
+                </a:solidFill>
+                <a:effectLst/>
+                <a:latin typeface="Arial" panose="020B0604020202020204" pitchFamily="34" charset="0"/>
+              </a:rPr>
+              <a:t>Question: What relation can we identify at each state at a more granular level?</a:t>
+            </a:r>
+            <a:br>
+              <a:rPr lang="en-US" b="0" i="0" dirty="0">
+                <a:solidFill>
+                  <a:srgbClr val="1D1C1D"/>
+                </a:solidFill>
+                <a:effectLst/>
+                <a:latin typeface="Slack-Lato"/>
+              </a:rPr>
+            </a:br>
+            <a:endParaRPr lang="en-US" b="0" i="0" dirty="0">
+              <a:solidFill>
+                <a:srgbClr val="1D1C1D"/>
+              </a:solidFill>
+              <a:effectLst/>
+              <a:latin typeface="Slack-Lato"/>
+            </a:endParaRPr>
+          </a:p>
+          <a:p>
+            <a:pPr algn="l"/>
+            <a:r>
+              <a:rPr lang="en-US" b="0" i="0" dirty="0">
+                <a:solidFill>
+                  <a:srgbClr val="1D1C1D"/>
+                </a:solidFill>
+                <a:effectLst/>
+                <a:latin typeface="Arial" panose="020B0604020202020204" pitchFamily="34" charset="0"/>
+              </a:rPr>
+              <a:t>Analysis: Visualize law enforcement employees per capita by state sorted in descending </a:t>
+            </a:r>
+            <a:br>
+              <a:rPr lang="en-US" b="0" i="0" dirty="0">
+                <a:solidFill>
+                  <a:srgbClr val="1D1C1D"/>
+                </a:solidFill>
+                <a:effectLst/>
+                <a:latin typeface="Slack-Lato"/>
+              </a:rPr>
+            </a:br>
+            <a:r>
+              <a:rPr lang="en-US" b="0" i="0" dirty="0">
+                <a:solidFill>
+                  <a:srgbClr val="1D1C1D"/>
+                </a:solidFill>
+                <a:effectLst/>
+                <a:latin typeface="Arial" panose="020B0604020202020204" pitchFamily="34" charset="0"/>
+              </a:rPr>
+              <a:t>order in bar scatter chart providing with the median value. Visualize arrest per capita by </a:t>
+            </a:r>
+            <a:br>
+              <a:rPr lang="en-US" b="0" i="0" dirty="0">
+                <a:solidFill>
+                  <a:srgbClr val="1D1C1D"/>
+                </a:solidFill>
+                <a:effectLst/>
+                <a:latin typeface="Slack-Lato"/>
+              </a:rPr>
+            </a:br>
+            <a:r>
+              <a:rPr lang="en-US" b="0" i="0" dirty="0">
+                <a:solidFill>
+                  <a:srgbClr val="1D1C1D"/>
+                </a:solidFill>
+                <a:effectLst/>
+                <a:latin typeface="Arial" panose="020B0604020202020204" pitchFamily="34" charset="0"/>
+              </a:rPr>
+              <a:t>keeping the same sorted order with the same method.</a:t>
+            </a:r>
+            <a:endParaRPr lang="en-US" b="0" i="0" dirty="0">
+              <a:solidFill>
+                <a:srgbClr val="1D1C1D"/>
+              </a:solidFill>
+              <a:effectLst/>
+              <a:latin typeface="Slack-Lato"/>
+            </a:endParaRPr>
+          </a:p>
+          <a:p>
+            <a:pPr algn="l"/>
+            <a:endParaRPr lang="en-US" b="0" i="0" dirty="0">
+              <a:solidFill>
+                <a:srgbClr val="1D1C1D"/>
+              </a:solidFill>
+              <a:effectLst/>
+              <a:latin typeface="Arial" panose="020B0604020202020204" pitchFamily="34" charset="0"/>
+            </a:endParaRPr>
+          </a:p>
+          <a:p>
+            <a:pPr algn="l"/>
+            <a:r>
+              <a:rPr lang="en-US" b="0" i="0" dirty="0">
+                <a:solidFill>
+                  <a:srgbClr val="1D1C1D"/>
+                </a:solidFill>
+                <a:effectLst/>
+                <a:latin typeface="Arial" panose="020B0604020202020204" pitchFamily="34" charset="0"/>
+              </a:rPr>
+              <a:t>Finding: Identified the law enforcement labor force efficiency in the arrest counts. </a:t>
+            </a:r>
+            <a:endParaRPr lang="en-US" b="0" i="0" dirty="0">
+              <a:solidFill>
+                <a:srgbClr val="1D1C1D"/>
+              </a:solidFill>
+              <a:effectLst/>
+              <a:latin typeface="Slack-Lato"/>
+            </a:endParaRPr>
+          </a:p>
+          <a:p>
+            <a:br>
+              <a:rPr lang="en-US" dirty="0"/>
+            </a:br>
+            <a:br>
+              <a:rPr lang="en-US" dirty="0"/>
+            </a:br>
+            <a:endParaRPr lang="en-US" dirty="0"/>
+          </a:p>
+        </p:txBody>
+      </p:sp>
+      <p:sp>
+        <p:nvSpPr>
+          <p:cNvPr id="4" name="Slide Number Placeholder 3"/>
+          <p:cNvSpPr>
+            <a:spLocks noGrp="1"/>
+          </p:cNvSpPr>
+          <p:nvPr>
+            <p:ph type="sldNum" sz="quarter" idx="5"/>
+          </p:nvPr>
+        </p:nvSpPr>
+        <p:spPr/>
+        <p:txBody>
+          <a:bodyPr/>
+          <a:lstStyle/>
+          <a:p>
+            <a:fld id="{A89C7E07-3C67-C64C-8DA0-0404F6303970}" type="slidenum">
+              <a:rPr lang="en-US" smtClean="0"/>
+              <a:t>16</a:t>
+            </a:fld>
+            <a:endParaRPr lang="en-US" dirty="0"/>
+          </a:p>
+        </p:txBody>
+      </p:sp>
+    </p:spTree>
+    <p:extLst>
+      <p:ext uri="{BB962C8B-B14F-4D97-AF65-F5344CB8AC3E}">
+        <p14:creationId xmlns:p14="http://schemas.microsoft.com/office/powerpoint/2010/main" val="2210698135"/>
+      </p:ext>
+    </p:extLst>
+  </p:cSld>
+  <p:clrMapOvr>
+    <a:masterClrMapping/>
+  </p:clrMapOvr>
+</p:notes>
+</file>
+
+<file path=ppt/notesSlides/notesSlide17.xml><?xml version="1.0" encoding="utf-8"?>
+<p:notes xmlns:a="http://schemas.openxmlformats.org/drawingml/2006/main" xmlns:r="http://schemas.openxmlformats.org/officeDocument/2006/relationships" xmlns:p="http://schemas.openxmlformats.org/presentationml/2006/main">
+  <p:cSld>
+    <p:spTree>
+      <p:nvGrpSpPr>
+        <p:cNvPr id="1" name=""/>
+        <p:cNvGrpSpPr/>
+        <p:nvPr/>
+      </p:nvGrpSpPr>
+      <p:grpSpPr>
+        <a:xfrm>
+          <a:off x="0" y="0"/>
+          <a:ext cx="0" cy="0"/>
+          <a:chOff x="0" y="0"/>
+          <a:chExt cx="0" cy="0"/>
+        </a:xfrm>
+      </p:grpSpPr>
+      <p:sp>
+        <p:nvSpPr>
+          <p:cNvPr id="2" name="Slide Image Placeholder 1"/>
+          <p:cNvSpPr>
+            <a:spLocks noGrp="1" noRot="1" noChangeAspect="1"/>
+          </p:cNvSpPr>
+          <p:nvPr>
+            <p:ph type="sldImg"/>
+          </p:nvPr>
+        </p:nvSpPr>
+        <p:spPr/>
+      </p:sp>
+      <p:sp>
+        <p:nvSpPr>
+          <p:cNvPr id="3" name="Notes Placeholder 2"/>
+          <p:cNvSpPr>
+            <a:spLocks noGrp="1"/>
+          </p:cNvSpPr>
+          <p:nvPr>
+            <p:ph type="body" idx="1"/>
+          </p:nvPr>
+        </p:nvSpPr>
+        <p:spPr/>
+        <p:txBody>
+          <a:bodyPr/>
+          <a:lstStyle/>
+          <a:p>
+            <a:pPr algn="l"/>
+            <a:r>
+              <a:rPr lang="en-US" b="0" i="0" dirty="0">
+                <a:solidFill>
+                  <a:srgbClr val="1D1C1D"/>
+                </a:solidFill>
+                <a:effectLst/>
+                <a:latin typeface="Arial" panose="020B0604020202020204" pitchFamily="34" charset="0"/>
+              </a:rPr>
+              <a:t>Analysis 3:</a:t>
+            </a:r>
+            <a:endParaRPr lang="en-US" b="0" i="0" dirty="0">
+              <a:solidFill>
+                <a:srgbClr val="1D1C1D"/>
+              </a:solidFill>
+              <a:effectLst/>
+              <a:latin typeface="Slack-Lato"/>
+            </a:endParaRPr>
+          </a:p>
+          <a:p>
+            <a:pPr algn="l"/>
+            <a:endParaRPr lang="en-US" b="0" i="0" dirty="0">
+              <a:solidFill>
+                <a:srgbClr val="1D1C1D"/>
+              </a:solidFill>
+              <a:effectLst/>
+              <a:latin typeface="Arial" panose="020B0604020202020204" pitchFamily="34" charset="0"/>
+            </a:endParaRPr>
+          </a:p>
+          <a:p>
+            <a:pPr algn="l"/>
+            <a:r>
+              <a:rPr lang="en-US" b="0" i="0" dirty="0">
+                <a:solidFill>
+                  <a:srgbClr val="1D1C1D"/>
+                </a:solidFill>
+                <a:effectLst/>
+                <a:latin typeface="Arial" panose="020B0604020202020204" pitchFamily="34" charset="0"/>
+              </a:rPr>
+              <a:t>Question: What relation can we identify at each state at a more granular level?</a:t>
+            </a:r>
+            <a:br>
+              <a:rPr lang="en-US" b="0" i="0" dirty="0">
+                <a:solidFill>
+                  <a:srgbClr val="1D1C1D"/>
+                </a:solidFill>
+                <a:effectLst/>
+                <a:latin typeface="Slack-Lato"/>
+              </a:rPr>
+            </a:br>
+            <a:endParaRPr lang="en-US" b="0" i="0" dirty="0">
+              <a:solidFill>
+                <a:srgbClr val="1D1C1D"/>
+              </a:solidFill>
+              <a:effectLst/>
+              <a:latin typeface="Slack-Lato"/>
+            </a:endParaRPr>
+          </a:p>
+          <a:p>
+            <a:pPr algn="l"/>
+            <a:r>
+              <a:rPr lang="en-US" b="0" i="0" dirty="0">
+                <a:solidFill>
+                  <a:srgbClr val="1D1C1D"/>
+                </a:solidFill>
+                <a:effectLst/>
+                <a:latin typeface="Arial" panose="020B0604020202020204" pitchFamily="34" charset="0"/>
+              </a:rPr>
+              <a:t>Analysis: Visualize law enforcement employees per capita by state sorted in descending </a:t>
+            </a:r>
+            <a:br>
+              <a:rPr lang="en-US" b="0" i="0" dirty="0">
+                <a:solidFill>
+                  <a:srgbClr val="1D1C1D"/>
+                </a:solidFill>
+                <a:effectLst/>
+                <a:latin typeface="Slack-Lato"/>
+              </a:rPr>
+            </a:br>
+            <a:r>
+              <a:rPr lang="en-US" b="0" i="0" dirty="0">
+                <a:solidFill>
+                  <a:srgbClr val="1D1C1D"/>
+                </a:solidFill>
+                <a:effectLst/>
+                <a:latin typeface="Arial" panose="020B0604020202020204" pitchFamily="34" charset="0"/>
+              </a:rPr>
+              <a:t>order in bar scatter chart providing with the median value. Visualize arrest per capita by </a:t>
+            </a:r>
+            <a:br>
+              <a:rPr lang="en-US" b="0" i="0" dirty="0">
+                <a:solidFill>
+                  <a:srgbClr val="1D1C1D"/>
+                </a:solidFill>
+                <a:effectLst/>
+                <a:latin typeface="Slack-Lato"/>
+              </a:rPr>
+            </a:br>
+            <a:r>
+              <a:rPr lang="en-US" b="0" i="0" dirty="0">
+                <a:solidFill>
+                  <a:srgbClr val="1D1C1D"/>
+                </a:solidFill>
+                <a:effectLst/>
+                <a:latin typeface="Arial" panose="020B0604020202020204" pitchFamily="34" charset="0"/>
+              </a:rPr>
+              <a:t>keeping the same sorted order with the same method.</a:t>
+            </a:r>
+            <a:endParaRPr lang="en-US" b="0" i="0" dirty="0">
+              <a:solidFill>
+                <a:srgbClr val="1D1C1D"/>
+              </a:solidFill>
+              <a:effectLst/>
+              <a:latin typeface="Slack-Lato"/>
+            </a:endParaRPr>
+          </a:p>
+          <a:p>
+            <a:pPr algn="l"/>
+            <a:endParaRPr lang="en-US" b="0" i="0" dirty="0">
+              <a:solidFill>
+                <a:srgbClr val="1D1C1D"/>
+              </a:solidFill>
+              <a:effectLst/>
+              <a:latin typeface="Arial" panose="020B0604020202020204" pitchFamily="34" charset="0"/>
+            </a:endParaRPr>
+          </a:p>
+          <a:p>
+            <a:pPr algn="l"/>
+            <a:r>
+              <a:rPr lang="en-US" b="0" i="0" dirty="0">
+                <a:solidFill>
+                  <a:srgbClr val="1D1C1D"/>
+                </a:solidFill>
+                <a:effectLst/>
+                <a:latin typeface="Arial" panose="020B0604020202020204" pitchFamily="34" charset="0"/>
+              </a:rPr>
+              <a:t>Finding: Identified the law enforcement labor force efficiency in the arrest counts. </a:t>
+            </a:r>
+            <a:endParaRPr lang="en-US" b="0" i="0" dirty="0">
+              <a:solidFill>
+                <a:srgbClr val="1D1C1D"/>
+              </a:solidFill>
+              <a:effectLst/>
+              <a:latin typeface="Slack-Lato"/>
+            </a:endParaRPr>
+          </a:p>
+          <a:p>
+            <a:endParaRPr lang="en-US" dirty="0"/>
+          </a:p>
+        </p:txBody>
+      </p:sp>
+      <p:sp>
+        <p:nvSpPr>
+          <p:cNvPr id="4" name="Slide Number Placeholder 3"/>
+          <p:cNvSpPr>
+            <a:spLocks noGrp="1"/>
+          </p:cNvSpPr>
+          <p:nvPr>
+            <p:ph type="sldNum" sz="quarter" idx="5"/>
+          </p:nvPr>
+        </p:nvSpPr>
+        <p:spPr/>
+        <p:txBody>
+          <a:bodyPr/>
+          <a:lstStyle/>
+          <a:p>
+            <a:fld id="{A89C7E07-3C67-C64C-8DA0-0404F6303970}" type="slidenum">
+              <a:rPr lang="en-US" smtClean="0"/>
+              <a:t>17</a:t>
+            </a:fld>
+            <a:endParaRPr lang="en-US" dirty="0"/>
+          </a:p>
+        </p:txBody>
+      </p:sp>
+    </p:spTree>
+    <p:extLst>
+      <p:ext uri="{BB962C8B-B14F-4D97-AF65-F5344CB8AC3E}">
+        <p14:creationId xmlns:p14="http://schemas.microsoft.com/office/powerpoint/2010/main" val="4238956756"/>
+      </p:ext>
+    </p:extLst>
+  </p:cSld>
+  <p:clrMapOvr>
+    <a:masterClrMapping/>
+  </p:clrMapOvr>
+</p:notes>
+</file>
+
+<file path=ppt/notesSlides/notesSlide18.xml><?xml version="1.0" encoding="utf-8"?>
+<p:notes xmlns:a="http://schemas.openxmlformats.org/drawingml/2006/main" xmlns:r="http://schemas.openxmlformats.org/officeDocument/2006/relationships" xmlns:p="http://schemas.openxmlformats.org/presentationml/2006/main">
+  <p:cSld>
+    <p:spTree>
+      <p:nvGrpSpPr>
+        <p:cNvPr id="1" name=""/>
+        <p:cNvGrpSpPr/>
+        <p:nvPr/>
+      </p:nvGrpSpPr>
+      <p:grpSpPr>
+        <a:xfrm>
+          <a:off x="0" y="0"/>
+          <a:ext cx="0" cy="0"/>
+          <a:chOff x="0" y="0"/>
+          <a:chExt cx="0" cy="0"/>
+        </a:xfrm>
+      </p:grpSpPr>
+      <p:sp>
+        <p:nvSpPr>
+          <p:cNvPr id="2" name="Slide Image Placeholder 1"/>
+          <p:cNvSpPr>
+            <a:spLocks noGrp="1" noRot="1" noChangeAspect="1"/>
+          </p:cNvSpPr>
+          <p:nvPr>
+            <p:ph type="sldImg"/>
+          </p:nvPr>
+        </p:nvSpPr>
+        <p:spPr/>
+      </p:sp>
+      <p:sp>
+        <p:nvSpPr>
+          <p:cNvPr id="3" name="Notes Placeholder 2"/>
+          <p:cNvSpPr>
+            <a:spLocks noGrp="1"/>
+          </p:cNvSpPr>
+          <p:nvPr>
+            <p:ph type="body" idx="1"/>
+          </p:nvPr>
+        </p:nvSpPr>
+        <p:spPr/>
+        <p:txBody>
+          <a:bodyPr/>
+          <a:lstStyle/>
+          <a:p>
+            <a:r>
+              <a:rPr lang="en-US" dirty="0"/>
+              <a:t>There are plenty of other factors that would feed into a fuller understanding of the US crime rate.  Some of those were either outside the scope or would require additional time, effort, and funding.</a:t>
+            </a:r>
+          </a:p>
+          <a:p>
+            <a:endParaRPr lang="en-US" dirty="0"/>
+          </a:p>
+          <a:p>
+            <a:r>
+              <a:rPr lang="en-US" dirty="0"/>
+              <a:t>- We purposely omitted violent crime, but that data would be easily accessible using our methods.</a:t>
+            </a:r>
+          </a:p>
+          <a:p>
+            <a:endParaRPr lang="en-US" dirty="0"/>
+          </a:p>
+          <a:p>
+            <a:r>
+              <a:rPr lang="en-US" dirty="0"/>
+              <a:t>- We were also interested in investigating education and economic drivers behind the numbers we were seeing.</a:t>
+            </a:r>
+          </a:p>
+          <a:p>
+            <a:endParaRPr lang="en-US" dirty="0"/>
+          </a:p>
+          <a:p>
+            <a:r>
+              <a:rPr lang="en-US" dirty="0"/>
+              <a:t>- As our data is mostly based on Arrest records, following up, and comparing our data to conviction and incarceration rates would also tell us more.</a:t>
+            </a:r>
+          </a:p>
+        </p:txBody>
+      </p:sp>
+      <p:sp>
+        <p:nvSpPr>
+          <p:cNvPr id="4" name="Slide Number Placeholder 3"/>
+          <p:cNvSpPr>
+            <a:spLocks noGrp="1"/>
+          </p:cNvSpPr>
+          <p:nvPr>
+            <p:ph type="sldNum" sz="quarter" idx="5"/>
+          </p:nvPr>
+        </p:nvSpPr>
+        <p:spPr/>
+        <p:txBody>
+          <a:bodyPr/>
+          <a:lstStyle/>
+          <a:p>
+            <a:fld id="{A89C7E07-3C67-C64C-8DA0-0404F6303970}" type="slidenum">
+              <a:rPr lang="en-US" smtClean="0"/>
               <a:t>18</a:t>
+            </a:fld>
+            <a:endParaRPr lang="en-US" dirty="0"/>
+          </a:p>
+        </p:txBody>
+      </p:sp>
+    </p:spTree>
+    <p:extLst>
+      <p:ext uri="{BB962C8B-B14F-4D97-AF65-F5344CB8AC3E}">
+        <p14:creationId xmlns:p14="http://schemas.microsoft.com/office/powerpoint/2010/main" val="4104591926"/>
+      </p:ext>
+    </p:extLst>
+  </p:cSld>
+  <p:clrMapOvr>
+    <a:masterClrMapping/>
+  </p:clrMapOvr>
+</p:notes>
+</file>
+
+<file path=ppt/notesSlides/notesSlide19.xml><?xml version="1.0" encoding="utf-8"?>
+<p:notes xmlns:a="http://schemas.openxmlformats.org/drawingml/2006/main" xmlns:r="http://schemas.openxmlformats.org/officeDocument/2006/relationships" xmlns:p="http://schemas.openxmlformats.org/presentationml/2006/main">
+  <p:cSld>
+    <p:spTree>
+      <p:nvGrpSpPr>
+        <p:cNvPr id="1" name=""/>
+        <p:cNvGrpSpPr/>
+        <p:nvPr/>
+      </p:nvGrpSpPr>
+      <p:grpSpPr>
+        <a:xfrm>
+          <a:off x="0" y="0"/>
+          <a:ext cx="0" cy="0"/>
+          <a:chOff x="0" y="0"/>
+          <a:chExt cx="0" cy="0"/>
+        </a:xfrm>
+      </p:grpSpPr>
+      <p:sp>
+        <p:nvSpPr>
+          <p:cNvPr id="2" name="Slide Image Placeholder 1"/>
+          <p:cNvSpPr>
+            <a:spLocks noGrp="1" noRot="1" noChangeAspect="1"/>
+          </p:cNvSpPr>
+          <p:nvPr>
+            <p:ph type="sldImg"/>
+          </p:nvPr>
+        </p:nvSpPr>
+        <p:spPr/>
+      </p:sp>
+      <p:sp>
+        <p:nvSpPr>
+          <p:cNvPr id="3" name="Notes Placeholder 2"/>
+          <p:cNvSpPr>
+            <a:spLocks noGrp="1"/>
+          </p:cNvSpPr>
+          <p:nvPr>
+            <p:ph type="body" idx="1"/>
+          </p:nvPr>
+        </p:nvSpPr>
+        <p:spPr/>
+        <p:txBody>
+          <a:bodyPr/>
+          <a:lstStyle/>
+          <a:p>
+            <a:r>
+              <a:rPr lang="en-US" dirty="0"/>
+              <a:t>Thank you all very much for your time. </a:t>
+            </a:r>
+          </a:p>
+          <a:p>
+            <a:endParaRPr lang="en-US" dirty="0"/>
+          </a:p>
+          <a:p>
+            <a:r>
+              <a:rPr lang="en-US" dirty="0"/>
+              <a:t>We have been PyCrimes and Misdemeanors</a:t>
+            </a:r>
+          </a:p>
+        </p:txBody>
+      </p:sp>
+      <p:sp>
+        <p:nvSpPr>
+          <p:cNvPr id="4" name="Slide Number Placeholder 3"/>
+          <p:cNvSpPr>
+            <a:spLocks noGrp="1"/>
+          </p:cNvSpPr>
+          <p:nvPr>
+            <p:ph type="sldNum" sz="quarter" idx="5"/>
+          </p:nvPr>
+        </p:nvSpPr>
+        <p:spPr/>
+        <p:txBody>
+          <a:bodyPr/>
+          <a:lstStyle/>
+          <a:p>
+            <a:fld id="{A89C7E07-3C67-C64C-8DA0-0404F6303970}" type="slidenum">
+              <a:rPr lang="en-US" smtClean="0"/>
+              <a:t>19</a:t>
             </a:fld>
             <a:endParaRPr lang="en-US" dirty="0"/>
           </a:p>
@@ -1777,7 +2575,7 @@
                 <a:effectLst/>
                 <a:latin typeface="Calibri" panose="020F0502020204030204" pitchFamily="34" charset="0"/>
               </a:rPr>
-              <a:t>And then, the main event.  We will go into our actual findings.  That may sound like we're going to bore you with a bunch of charts…. well, yes, we are going to do that.  But not before we hit you with a little audience participation portion to keep you awake….   THEN we'll bore you with our charts.</a:t>
+              <a:t>And then, the main event.  We will go into our actual findings.  That may sound like we're going to bore you with a bunch of charts…. well, yes, we are going to do that.  But first we will wow you with some interesting trivia and factoids to hopefully keep you awake…   THEN we'll bore you with our charts.</a:t>
             </a:r>
           </a:p>
           <a:p>
@@ -3376,7 +4174,85 @@
           <a:bodyPr/>
           <a:lstStyle/>
           <a:p>
+            <a:r>
+              <a:rPr lang="en-US" dirty="0"/>
+              <a:t>We were going to make this audience participation and have you all guess, but we probably don’t have time for that. So, we’re just going to rapid fire some facts at you…</a:t>
+            </a:r>
+          </a:p>
+          <a:p>
             <a:endParaRPr lang="en-US" dirty="0"/>
+          </a:p>
+          <a:p>
+            <a:r>
+              <a:rPr lang="en-US" dirty="0"/>
+              <a:t>So, these are the states with the most arrests for specific crimes… and remember, these are arrests, not convictions.</a:t>
+            </a:r>
+          </a:p>
+          <a:p>
+            <a:endParaRPr lang="en-US" dirty="0"/>
+          </a:p>
+          <a:p>
+            <a:r>
+              <a:rPr lang="en-US" dirty="0"/>
+              <a:t>First, Arson…</a:t>
+            </a:r>
+          </a:p>
+          <a:p>
+            <a:r>
+              <a:rPr lang="en-US" dirty="0"/>
+              <a:t>The state with the most Arson Arrests…</a:t>
+            </a:r>
+          </a:p>
+          <a:p>
+            <a:r>
+              <a:rPr lang="en-US" dirty="0"/>
+              <a:t>California, with 2051 arrests</a:t>
+            </a:r>
+          </a:p>
+          <a:p>
+            <a:endParaRPr lang="en-US" dirty="0"/>
+          </a:p>
+          <a:p>
+            <a:r>
+              <a:rPr lang="en-US" dirty="0"/>
+              <a:t>Next, Larceny, which is stealing property without breaking in</a:t>
+            </a:r>
+          </a:p>
+          <a:p>
+            <a:r>
+              <a:rPr lang="en-US" dirty="0"/>
+              <a:t>- Texas with 115,252 arrests</a:t>
+            </a:r>
+          </a:p>
+          <a:p>
+            <a:endParaRPr lang="en-US" dirty="0"/>
+          </a:p>
+          <a:p>
+            <a:r>
+              <a:rPr lang="en-US" dirty="0"/>
+              <a:t>Next, Embezzlement (that’s robbing from Companies, Charities, or from people have your trust, so like a client)</a:t>
+            </a:r>
+          </a:p>
+          <a:p>
+            <a:r>
+              <a:rPr lang="en-US" dirty="0"/>
+              <a:t>- Virginia with 1,676 arrests</a:t>
+            </a:r>
+          </a:p>
+          <a:p>
+            <a:endParaRPr lang="en-US" dirty="0"/>
+          </a:p>
+          <a:p>
+            <a:r>
+              <a:rPr lang="en-US" dirty="0"/>
+              <a:t>And one more… Fraud, which is stealing with words – lying to get people to give you money or stuff</a:t>
+            </a:r>
+          </a:p>
+          <a:p>
+            <a:r>
+              <a:rPr lang="en-US" dirty="0"/>
+              <a:t>- and the winner is, North Carolina with 18,242 arrests</a:t>
+            </a:r>
           </a:p>
         </p:txBody>
       </p:sp>
@@ -3460,8 +4336,82 @@
           <a:bodyPr/>
           <a:lstStyle/>
           <a:p>
-            <a:pPr algn="l"/>
+            <a:r>
+              <a:rPr lang="en-US" dirty="0"/>
+              <a:t>And just a couple more…</a:t>
+            </a:r>
+          </a:p>
+          <a:p>
             <a:endParaRPr lang="en-US" dirty="0"/>
+          </a:p>
+          <a:p>
+            <a:r>
+              <a:rPr lang="en-US" dirty="0"/>
+              <a:t>First, the state with the Highest Rate of Arrest (Per Capita) was…</a:t>
+            </a:r>
+          </a:p>
+          <a:p>
+            <a:r>
+              <a:rPr lang="en-US" dirty="0"/>
+              <a:t>Delaware</a:t>
+            </a:r>
+          </a:p>
+          <a:p>
+            <a:r>
+              <a:rPr lang="en-US" dirty="0"/>
+              <a:t>- With an average of 1031 arrests per capita</a:t>
+            </a:r>
+          </a:p>
+          <a:p>
+            <a:r>
+              <a:rPr lang="en-US" dirty="0"/>
+              <a:t>- Tennessee was second with 832</a:t>
+            </a:r>
+          </a:p>
+          <a:p>
+            <a:r>
+              <a:rPr lang="en-US" dirty="0"/>
+              <a:t>- Also, in 2012, Delaware had the highest single year arrest rate, nationwide,, with 1214 arrests per capita.</a:t>
+            </a:r>
+          </a:p>
+          <a:p>
+            <a:endParaRPr lang="en-US" dirty="0"/>
+          </a:p>
+          <a:p>
+            <a:r>
+              <a:rPr lang="en-US" dirty="0"/>
+              <a:t>And who had the lowest?</a:t>
+            </a:r>
+          </a:p>
+          <a:p>
+            <a:r>
+              <a:rPr lang="en-US" dirty="0"/>
+              <a:t>- Sorry, its hared to find an icon for ‘not getting arrested’</a:t>
+            </a:r>
+          </a:p>
+          <a:p>
+            <a:r>
+              <a:rPr lang="en-US" dirty="0"/>
+              <a:t>Illinois</a:t>
+            </a:r>
+          </a:p>
+          <a:p>
+            <a:r>
+              <a:rPr lang="en-US" dirty="0"/>
+              <a:t>- Averaged 125 arrests per capita</a:t>
+            </a:r>
+          </a:p>
+          <a:p>
+            <a:r>
+              <a:rPr lang="en-US" dirty="0"/>
+              <a:t>- Washington DC was in our data with an average 30 arrests per capita, but they aren’t a state yet.</a:t>
+            </a:r>
+          </a:p>
+          <a:p>
+            <a:r>
+              <a:rPr lang="en-US" dirty="0"/>
+              <a:t>- In 2020, Pennsylvania had the single lowest reported arrest rate at 3.5 arrests per capita.  That seems very low, and could be a function of the lockdowns, or an issue of reporting, but it wasn’t a massive outlier in the data.</a:t>
+            </a:r>
           </a:p>
         </p:txBody>
       </p:sp>
@@ -3482,7 +4432,7 @@
           <a:p>
             <a:fld id="{A89C7E07-3C67-C64C-8DA0-0404F6303970}" type="slidenum">
               <a:rPr lang="en-US" smtClean="0"/>
-              <a:t>12</a:t>
+              <a:t>7</a:t>
             </a:fld>
             <a:endParaRPr lang="en-US" dirty="0"/>
           </a:p>
@@ -3491,7 +4441,7 @@
     </p:spTree>
     <p:extLst>
       <p:ext uri="{BB962C8B-B14F-4D97-AF65-F5344CB8AC3E}">
-        <p14:creationId xmlns:p14="http://schemas.microsoft.com/office/powerpoint/2010/main" val="4089196155"/>
+        <p14:creationId xmlns:p14="http://schemas.microsoft.com/office/powerpoint/2010/main" val="2197032358"/>
       </p:ext>
     </p:extLst>
   </p:cSld>
@@ -3545,7 +4495,216 @@
           <a:bodyPr/>
           <a:lstStyle/>
           <a:p>
-            <a:pPr algn="l"/>
+            <a:pPr algn="just">
+              <a:lnSpc>
+                <a:spcPct val="100000"/>
+              </a:lnSpc>
+              <a:spcBef>
+                <a:spcPts val="0"/>
+              </a:spcBef>
+            </a:pPr>
+            <a:r>
+              <a:rPr lang="en-US" sz="1400" dirty="0"/>
+              <a:t>One of our first findings was a significant and steady downward trend in reported property crime arrests.</a:t>
+            </a:r>
+          </a:p>
+          <a:p>
+            <a:pPr marL="0" indent="0" algn="just">
+              <a:lnSpc>
+                <a:spcPct val="100000"/>
+              </a:lnSpc>
+              <a:spcBef>
+                <a:spcPts val="0"/>
+              </a:spcBef>
+              <a:buNone/>
+            </a:pPr>
+            <a:r>
+              <a:rPr lang="en-US" sz="1400" dirty="0"/>
+              <a:t> </a:t>
+            </a:r>
+          </a:p>
+          <a:p>
+            <a:pPr algn="just">
+              <a:lnSpc>
+                <a:spcPct val="100000"/>
+              </a:lnSpc>
+              <a:spcBef>
+                <a:spcPts val="0"/>
+              </a:spcBef>
+            </a:pPr>
+            <a:r>
+              <a:rPr lang="en-US" sz="1400" dirty="0"/>
+              <a:t>The numbers shown here are an aggregate of arrests across all states, for all offenses classified by the FBI as </a:t>
+            </a:r>
+            <a:r>
+              <a:rPr lang="en-US" sz="1400" b="1" i="1" dirty="0"/>
+              <a:t>Property Crimes</a:t>
+            </a:r>
+            <a:r>
+              <a:rPr lang="en-US" sz="1400" dirty="0"/>
+              <a:t>, which are:</a:t>
+            </a:r>
+          </a:p>
+          <a:p>
+            <a:pPr lvl="1" algn="just">
+              <a:lnSpc>
+                <a:spcPct val="100000"/>
+              </a:lnSpc>
+              <a:spcBef>
+                <a:spcPts val="0"/>
+              </a:spcBef>
+            </a:pPr>
+            <a:r>
+              <a:rPr lang="en-US" sz="1400" dirty="0"/>
+              <a:t>Arson</a:t>
+            </a:r>
+          </a:p>
+          <a:p>
+            <a:pPr lvl="1" algn="just">
+              <a:lnSpc>
+                <a:spcPct val="100000"/>
+              </a:lnSpc>
+              <a:spcBef>
+                <a:spcPts val="0"/>
+              </a:spcBef>
+            </a:pPr>
+            <a:r>
+              <a:rPr lang="en-US" sz="1400" dirty="0"/>
+              <a:t>Larceny – Theft</a:t>
+            </a:r>
+          </a:p>
+          <a:p>
+            <a:pPr lvl="1" algn="just">
+              <a:lnSpc>
+                <a:spcPct val="100000"/>
+              </a:lnSpc>
+              <a:spcBef>
+                <a:spcPts val="0"/>
+              </a:spcBef>
+            </a:pPr>
+            <a:r>
+              <a:rPr lang="en-US" sz="1400" dirty="0"/>
+              <a:t>Vehicle Theft</a:t>
+            </a:r>
+          </a:p>
+          <a:p>
+            <a:pPr lvl="1" algn="just">
+              <a:lnSpc>
+                <a:spcPct val="100000"/>
+              </a:lnSpc>
+              <a:spcBef>
+                <a:spcPts val="0"/>
+              </a:spcBef>
+            </a:pPr>
+            <a:r>
+              <a:rPr lang="en-US" sz="1400" dirty="0"/>
+              <a:t>Burglary</a:t>
+            </a:r>
+          </a:p>
+          <a:p>
+            <a:pPr lvl="1" algn="just">
+              <a:lnSpc>
+                <a:spcPct val="100000"/>
+              </a:lnSpc>
+              <a:spcBef>
+                <a:spcPts val="0"/>
+              </a:spcBef>
+            </a:pPr>
+            <a:r>
+              <a:rPr lang="en-US" sz="1400" dirty="0"/>
+              <a:t>Embezzlement</a:t>
+            </a:r>
+          </a:p>
+          <a:p>
+            <a:pPr lvl="1" algn="just">
+              <a:lnSpc>
+                <a:spcPct val="100000"/>
+              </a:lnSpc>
+              <a:spcBef>
+                <a:spcPts val="0"/>
+              </a:spcBef>
+            </a:pPr>
+            <a:r>
+              <a:rPr lang="en-US" sz="1400" dirty="0"/>
+              <a:t>Forgery &amp; Counterfeiting</a:t>
+            </a:r>
+          </a:p>
+          <a:p>
+            <a:pPr lvl="1" algn="just">
+              <a:lnSpc>
+                <a:spcPct val="100000"/>
+              </a:lnSpc>
+              <a:spcBef>
+                <a:spcPts val="0"/>
+              </a:spcBef>
+            </a:pPr>
+            <a:r>
+              <a:rPr lang="en-US" sz="1400" dirty="0"/>
+              <a:t>Fraud</a:t>
+            </a:r>
+          </a:p>
+          <a:p>
+            <a:pPr lvl="1" algn="just">
+              <a:lnSpc>
+                <a:spcPct val="100000"/>
+              </a:lnSpc>
+              <a:spcBef>
+                <a:spcPts val="0"/>
+              </a:spcBef>
+            </a:pPr>
+            <a:r>
+              <a:rPr lang="en-US" sz="1400" dirty="0"/>
+              <a:t>Vandalism</a:t>
+            </a:r>
+          </a:p>
+          <a:p>
+            <a:pPr lvl="1" algn="just">
+              <a:lnSpc>
+                <a:spcPct val="100000"/>
+              </a:lnSpc>
+              <a:spcBef>
+                <a:spcPts val="0"/>
+              </a:spcBef>
+            </a:pPr>
+            <a:r>
+              <a:rPr lang="en-US" sz="1400" dirty="0"/>
+              <a:t>Dealing in Stolen Property</a:t>
+            </a:r>
+          </a:p>
+          <a:p>
+            <a:pPr algn="just">
+              <a:lnSpc>
+                <a:spcPct val="100000"/>
+              </a:lnSpc>
+              <a:spcBef>
+                <a:spcPts val="0"/>
+              </a:spcBef>
+            </a:pPr>
+            <a:endParaRPr lang="en-US" sz="1400" dirty="0"/>
+          </a:p>
+          <a:p>
+            <a:pPr algn="just">
+              <a:lnSpc>
+                <a:spcPct val="100000"/>
+              </a:lnSpc>
+              <a:spcBef>
+                <a:spcPts val="0"/>
+              </a:spcBef>
+            </a:pPr>
+            <a:endParaRPr lang="en-US" sz="1400" dirty="0"/>
+          </a:p>
+          <a:p>
+            <a:pPr algn="just">
+              <a:lnSpc>
+                <a:spcPct val="100000"/>
+              </a:lnSpc>
+              <a:spcBef>
+                <a:spcPts val="0"/>
+              </a:spcBef>
+            </a:pPr>
+            <a:endParaRPr lang="en-US" sz="1400" dirty="0"/>
+          </a:p>
+          <a:p>
             <a:endParaRPr lang="en-US" dirty="0"/>
           </a:p>
         </p:txBody>
@@ -3567,7 +4726,7 @@
           <a:p>
             <a:fld id="{A89C7E07-3C67-C64C-8DA0-0404F6303970}" type="slidenum">
               <a:rPr lang="en-US" smtClean="0"/>
-              <a:t>13</a:t>
+              <a:t>8</a:t>
             </a:fld>
             <a:endParaRPr lang="en-US" dirty="0"/>
           </a:p>
@@ -3576,7 +4735,7 @@
     </p:spTree>
     <p:extLst>
       <p:ext uri="{BB962C8B-B14F-4D97-AF65-F5344CB8AC3E}">
-        <p14:creationId xmlns:p14="http://schemas.microsoft.com/office/powerpoint/2010/main" val="2710436051"/>
+        <p14:creationId xmlns:p14="http://schemas.microsoft.com/office/powerpoint/2010/main" val="3184694347"/>
       </p:ext>
     </p:extLst>
   </p:cSld>
@@ -3630,148 +4789,43 @@
           <a:bodyPr/>
           <a:lstStyle/>
           <a:p>
-            <a:r>
-              <a:rPr lang="en-US" b="0" i="0" dirty="0">
-                <a:effectLst/>
-                <a:latin typeface="Arial" panose="020B0604020202020204" pitchFamily="34" charset="0"/>
-              </a:rPr>
-              <a:t>Analysis 1:</a:t>
-            </a:r>
-            <a:br>
+            <a:pPr marL="285750" indent="-285750">
+              <a:buFont typeface="Arial" panose="020B0604020202020204" pitchFamily="34" charset="0"/>
+              <a:buChar char="•"/>
+            </a:pPr>
+            <a:r>
               <a:rPr lang="en-US" dirty="0"/>
-            </a:br>
-            <a:endParaRPr lang="en-US" b="0" i="0" dirty="0">
-              <a:effectLst/>
-              <a:latin typeface="Arial" panose="020B0604020202020204" pitchFamily="34" charset="0"/>
-            </a:endParaRPr>
-          </a:p>
-          <a:p>
-            <a:r>
-              <a:rPr lang="en-US" b="0" i="0" dirty="0">
-                <a:effectLst/>
-                <a:latin typeface="Arial" panose="020B0604020202020204" pitchFamily="34" charset="0"/>
-              </a:rPr>
-              <a:t>Question: Is there a correlation between the number of arrests and law enforcement </a:t>
-            </a:r>
-            <a:br>
+              <a:t>These charts show that the number of agencies reporting to the Crime Data Explorer and the number of law enforcement personnel remained relatively stable throughout the subject period.</a:t>
+            </a:r>
+          </a:p>
+          <a:p>
+            <a:pPr marL="285750" indent="-285750">
+              <a:buFont typeface="Arial" panose="020B0604020202020204" pitchFamily="34" charset="0"/>
+              <a:buChar char="•"/>
+            </a:pPr>
+            <a:endParaRPr lang="en-US" dirty="0"/>
+          </a:p>
+          <a:p>
+            <a:pPr marL="285750" indent="-285750">
+              <a:buFont typeface="Arial" panose="020B0604020202020204" pitchFamily="34" charset="0"/>
+              <a:buChar char="•"/>
+            </a:pPr>
+            <a:r>
               <a:rPr lang="en-US" dirty="0"/>
-            </a:br>
-            <a:r>
-              <a:rPr lang="en-US" b="0" i="0" dirty="0">
-                <a:effectLst/>
-                <a:latin typeface="Arial" panose="020B0604020202020204" pitchFamily="34" charset="0"/>
-              </a:rPr>
-              <a:t>employees in aggregate?</a:t>
-            </a:r>
-          </a:p>
-          <a:p>
-            <a:br>
+              <a:t>This provides added context to our overall arrest data, which shows a steady downward trend.  </a:t>
+            </a:r>
+          </a:p>
+          <a:p>
+            <a:pPr marL="285750" indent="-285750">
+              <a:buFont typeface="Arial" panose="020B0604020202020204" pitchFamily="34" charset="0"/>
+              <a:buChar char="•"/>
+            </a:pPr>
+            <a:r>
               <a:rPr lang="en-US" dirty="0"/>
-            </a:br>
-            <a:r>
-              <a:rPr lang="en-US" b="0" i="0" dirty="0">
-                <a:effectLst/>
-                <a:latin typeface="Arial" panose="020B0604020202020204" pitchFamily="34" charset="0"/>
-              </a:rPr>
-              <a:t>Analysis: Compared number of arrests to number of the law enforcement employees at </a:t>
-            </a:r>
-            <a:br>
-              <a:rPr lang="en-US" dirty="0"/>
-            </a:br>
-            <a:r>
-              <a:rPr lang="en-US" b="0" i="0" dirty="0">
-                <a:effectLst/>
-                <a:latin typeface="Arial" panose="020B0604020202020204" pitchFamily="34" charset="0"/>
-              </a:rPr>
-              <a:t>national level in scatter plot.</a:t>
-            </a:r>
-          </a:p>
-          <a:p>
-            <a:endParaRPr lang="en-US" b="0" i="0" dirty="0">
-              <a:effectLst/>
-              <a:latin typeface="Arial" panose="020B0604020202020204" pitchFamily="34" charset="0"/>
-            </a:endParaRPr>
-          </a:p>
-          <a:p>
-            <a:r>
-              <a:rPr lang="en-US" b="0" i="0" dirty="0">
-                <a:effectLst/>
-                <a:latin typeface="Arial" panose="020B0604020202020204" pitchFamily="34" charset="0"/>
-              </a:rPr>
-              <a:t>Finding: A linear relationship as the number of arrests follows the increase in the number of law</a:t>
-            </a:r>
-            <a:br>
-              <a:rPr lang="en-US" dirty="0"/>
-            </a:br>
-            <a:r>
-              <a:rPr lang="en-US" b="0" i="0" dirty="0">
-                <a:effectLst/>
-                <a:latin typeface="Arial" panose="020B0604020202020204" pitchFamily="34" charset="0"/>
-              </a:rPr>
-              <a:t>enforcement employees.</a:t>
-            </a:r>
-            <a:br>
-              <a:rPr lang="en-US" dirty="0"/>
-            </a:br>
-            <a:endParaRPr lang="en-US" dirty="0"/>
-          </a:p>
-          <a:p>
-            <a:r>
-              <a:rPr lang="en-US" b="0" i="0" dirty="0">
-                <a:effectLst/>
-                <a:latin typeface="Arial" panose="020B0604020202020204" pitchFamily="34" charset="0"/>
-              </a:rPr>
-              <a:t>Analysis 2:</a:t>
-            </a:r>
-            <a:br>
-              <a:rPr lang="en-US" dirty="0"/>
-            </a:br>
-            <a:r>
-              <a:rPr lang="en-US" b="0" i="0" dirty="0">
-                <a:effectLst/>
-                <a:latin typeface="Arial" panose="020B0604020202020204" pitchFamily="34" charset="0"/>
-              </a:rPr>
-              <a:t>Question: Can we normalize Analysis 1 finding in a more comparable measurement?</a:t>
-            </a:r>
-            <a:br>
-              <a:rPr lang="en-US" dirty="0"/>
-            </a:br>
-            <a:endParaRPr lang="en-US" dirty="0"/>
-          </a:p>
-          <a:p>
-            <a:r>
-              <a:rPr lang="en-US" b="0" i="0" dirty="0">
-                <a:effectLst/>
-                <a:latin typeface="Arial" panose="020B0604020202020204" pitchFamily="34" charset="0"/>
-              </a:rPr>
-              <a:t>Analysis: Compared the arrests per capita to the law enforcement employees per capita in the </a:t>
-            </a:r>
-            <a:br>
-              <a:rPr lang="en-US" dirty="0"/>
-            </a:br>
-            <a:r>
-              <a:rPr lang="en-US" b="0" i="0" dirty="0">
-                <a:effectLst/>
-                <a:latin typeface="Arial" panose="020B0604020202020204" pitchFamily="34" charset="0"/>
-              </a:rPr>
-              <a:t>same method.</a:t>
-            </a:r>
-            <a:br>
-              <a:rPr lang="en-US" dirty="0"/>
-            </a:br>
-            <a:endParaRPr lang="en-US" dirty="0"/>
-          </a:p>
-          <a:p>
-            <a:r>
-              <a:rPr lang="en-US" b="0" i="0" dirty="0">
-                <a:effectLst/>
-                <a:latin typeface="Arial" panose="020B0604020202020204" pitchFamily="34" charset="0"/>
-              </a:rPr>
-              <a:t>Finding: No material linear relationship identified in per capita analysis.</a:t>
-            </a:r>
-            <a:br>
-              <a:rPr lang="en-US" dirty="0"/>
-            </a:br>
+              <a:t>If these charts showed drops in reporting agencies or in law enforcement officers, those could be possible outside factors that influenced the drop in reported arrests, but that does not appear to be the case.</a:t>
+            </a:r>
+          </a:p>
+          <a:p>
             <a:endParaRPr lang="en-US" dirty="0"/>
           </a:p>
         </p:txBody>
@@ -3793,7 +4847,7 @@
           <a:p>
             <a:fld id="{A89C7E07-3C67-C64C-8DA0-0404F6303970}" type="slidenum">
               <a:rPr lang="en-US" smtClean="0"/>
-              <a:t>14</a:t>
+              <a:t>9</a:t>
             </a:fld>
             <a:endParaRPr lang="en-US" dirty="0"/>
           </a:p>
@@ -3802,7 +4856,7 @@
     </p:spTree>
     <p:extLst>
       <p:ext uri="{BB962C8B-B14F-4D97-AF65-F5344CB8AC3E}">
-        <p14:creationId xmlns:p14="http://schemas.microsoft.com/office/powerpoint/2010/main" val="233801715"/>
+        <p14:creationId xmlns:p14="http://schemas.microsoft.com/office/powerpoint/2010/main" val="64397459"/>
       </p:ext>
     </p:extLst>
   </p:cSld>
@@ -5348,12 +6402,8 @@
           </a:lstStyle>
           <a:p>
             <a:r>
-              <a:rPr lang="en-US" dirty="0" err="1"/>
-              <a:t>PyCrimes</a:t>
-            </a:r>
-            <a:r>
               <a:rPr lang="en-US" dirty="0"/>
-              <a:t> and Misdemeanors</a:t>
+              <a:t>PyCrimes and Misdemeanors</a:t>
             </a:r>
           </a:p>
         </p:txBody>
@@ -6772,12 +7822,8 @@
           </a:lstStyle>
           <a:p>
             <a:r>
-              <a:rPr lang="en-US" dirty="0" err="1"/>
-              <a:t>PyCrimes</a:t>
-            </a:r>
-            <a:r>
               <a:rPr lang="en-US" dirty="0"/>
-              <a:t> and Misdemeanors</a:t>
+              <a:t>PyCrimes and Misdemeanors</a:t>
             </a:r>
           </a:p>
         </p:txBody>
@@ -7580,12 +8626,8 @@
           </a:lstStyle>
           <a:p>
             <a:r>
-              <a:rPr lang="en-US" dirty="0" err="1"/>
-              <a:t>PyCrimes</a:t>
-            </a:r>
-            <a:r>
               <a:rPr lang="en-US" dirty="0"/>
-              <a:t> and Misdemeanors</a:t>
+              <a:t>PyCrimes and Misdemeanors</a:t>
             </a:r>
           </a:p>
         </p:txBody>
@@ -9003,12 +10045,8 @@
           </a:lstStyle>
           <a:p>
             <a:r>
-              <a:rPr lang="en-US" dirty="0" err="1"/>
-              <a:t>PyCrimes</a:t>
-            </a:r>
-            <a:r>
               <a:rPr lang="en-US" dirty="0"/>
-              <a:t> and Misdemeanors</a:t>
+              <a:t>PyCrimes and Misdemeanors</a:t>
             </a:r>
           </a:p>
         </p:txBody>
@@ -9965,12 +11003,8 @@
           </a:lstStyle>
           <a:p>
             <a:r>
-              <a:rPr lang="en-US" dirty="0" err="1"/>
-              <a:t>PyCrimes</a:t>
-            </a:r>
-            <a:r>
               <a:rPr lang="en-US" dirty="0"/>
-              <a:t> and Misdemeanors</a:t>
+              <a:t>PyCrimes and Misdemeanors</a:t>
             </a:r>
           </a:p>
         </p:txBody>
@@ -11042,12 +12076,8 @@
           </a:lstStyle>
           <a:p>
             <a:r>
-              <a:rPr lang="en-US" dirty="0" err="1"/>
-              <a:t>PyCrimes</a:t>
-            </a:r>
-            <a:r>
               <a:rPr lang="en-US" dirty="0"/>
-              <a:t> and Misdemeanors</a:t>
+              <a:t>PyCrimes and Misdemeanors</a:t>
             </a:r>
           </a:p>
         </p:txBody>
@@ -12968,12 +13998,8 @@
           </a:lstStyle>
           <a:p>
             <a:r>
-              <a:rPr lang="en-US" dirty="0" err="1"/>
-              <a:t>PyCrimes</a:t>
-            </a:r>
-            <a:r>
               <a:rPr lang="en-US" dirty="0"/>
-              <a:t> and Misdemeanors</a:t>
+              <a:t>PyCrimes and Misdemeanors</a:t>
             </a:r>
           </a:p>
         </p:txBody>
@@ -13863,12 +14889,8 @@
           </a:lstStyle>
           <a:p>
             <a:r>
-              <a:rPr lang="en-US" dirty="0" err="1"/>
-              <a:t>PyCrimes</a:t>
-            </a:r>
-            <a:r>
               <a:rPr lang="en-US" dirty="0"/>
-              <a:t> and Misdemeanors</a:t>
+              <a:t>PyCrimes and Misdemeanors</a:t>
             </a:r>
           </a:p>
         </p:txBody>
@@ -14870,12 +15892,8 @@
           </a:lstStyle>
           <a:p>
             <a:r>
-              <a:rPr lang="en-US" dirty="0" err="1"/>
-              <a:t>PyCrimes</a:t>
-            </a:r>
-            <a:r>
               <a:rPr lang="en-US" dirty="0"/>
-              <a:t> and Misdemeanors</a:t>
+              <a:t>PyCrimes and Misdemeanors</a:t>
             </a:r>
           </a:p>
         </p:txBody>
@@ -15404,12 +16422,8 @@
           </a:lstStyle>
           <a:p>
             <a:r>
-              <a:rPr lang="en-US" dirty="0" err="1"/>
-              <a:t>PyCrimes</a:t>
-            </a:r>
-            <a:r>
               <a:rPr lang="en-US" dirty="0"/>
-              <a:t> and Misdemeanors</a:t>
+              <a:t>PyCrimes and Misdemeanors</a:t>
             </a:r>
           </a:p>
         </p:txBody>
@@ -15959,12 +16973,8 @@
           </a:lstStyle>
           <a:p>
             <a:r>
-              <a:rPr lang="en-US" dirty="0" err="1"/>
-              <a:t>PyCrimes</a:t>
-            </a:r>
-            <a:r>
               <a:rPr lang="en-US" dirty="0"/>
-              <a:t> and Misdemeanors</a:t>
+              <a:t>PyCrimes and Misdemeanors</a:t>
             </a:r>
           </a:p>
         </p:txBody>
@@ -17451,12 +18461,8 @@
           </a:lstStyle>
           <a:p>
             <a:r>
-              <a:rPr lang="en-US" dirty="0" err="1"/>
-              <a:t>PyCrimes</a:t>
-            </a:r>
-            <a:r>
               <a:rPr lang="en-US" dirty="0"/>
-              <a:t> and Misdemeanors</a:t>
+              <a:t>PyCrimes and Misdemeanors</a:t>
             </a:r>
           </a:p>
         </p:txBody>
@@ -19591,12 +20597,8 @@
           </a:lstStyle>
           <a:p>
             <a:r>
-              <a:rPr lang="en-US" dirty="0" err="1"/>
-              <a:t>PyCrimes</a:t>
-            </a:r>
-            <a:r>
               <a:rPr lang="en-US" dirty="0"/>
-              <a:t> and Misdemeanors</a:t>
+              <a:t>PyCrimes and Misdemeanors</a:t>
             </a:r>
           </a:p>
         </p:txBody>
@@ -21071,12 +22073,8 @@
           </a:lstStyle>
           <a:p>
             <a:r>
-              <a:rPr lang="en-US" dirty="0" err="1"/>
-              <a:t>PyCrimes</a:t>
-            </a:r>
-            <a:r>
               <a:rPr lang="en-US" dirty="0"/>
-              <a:t> and Misdemeanors</a:t>
+              <a:t>PyCrimes and Misdemeanors</a:t>
             </a:r>
           </a:p>
         </p:txBody>
@@ -22060,12 +23058,8 @@
           <a:lstStyle/>
           <a:p>
             <a:r>
-              <a:rPr lang="en-US" dirty="0" err="1"/>
-              <a:t>PyCrimes</a:t>
-            </a:r>
-            <a:r>
               <a:rPr lang="en-US" dirty="0"/>
-              <a:t> and Misdemeanors</a:t>
+              <a:t>PyCrimes and Misdemeanors</a:t>
             </a:r>
           </a:p>
         </p:txBody>
@@ -22251,6 +23245,108 @@
           <a:chExt cx="0" cy="0"/>
         </a:xfrm>
       </p:grpSpPr>
+      <p:pic>
+        <p:nvPicPr>
+          <p:cNvPr id="5" name="Picture 4">
+            <a:extLst>
+              <a:ext uri="{FF2B5EF4-FFF2-40B4-BE49-F238E27FC236}">
+                <a16:creationId xmlns:a16="http://schemas.microsoft.com/office/drawing/2014/main" id="{6C42EA70-2F3E-59D6-8449-4B77FD253197}"/>
+              </a:ext>
+            </a:extLst>
+          </p:cNvPr>
+          <p:cNvPicPr>
+            <a:picLocks noGrp="1" noRot="1" noChangeAspect="1" noMove="1" noResize="1" noEditPoints="1" noAdjustHandles="1" noChangeArrowheads="1" noChangeShapeType="1" noCrop="1"/>
+          </p:cNvPicPr>
+          <p:nvPr/>
+        </p:nvPicPr>
+        <p:blipFill>
+          <a:blip r:embed="rId3"/>
+          <a:stretch>
+            <a:fillRect/>
+          </a:stretch>
+        </p:blipFill>
+        <p:spPr>
+          <a:xfrm>
+            <a:off x="9446499" y="-12032"/>
+            <a:ext cx="2762636" cy="2724530"/>
+          </a:xfrm>
+          <a:prstGeom prst="rect">
+            <a:avLst/>
+          </a:prstGeom>
+        </p:spPr>
+      </p:pic>
+      <p:sp>
+        <p:nvSpPr>
+          <p:cNvPr id="11" name="TextBox 10">
+            <a:extLst>
+              <a:ext uri="{FF2B5EF4-FFF2-40B4-BE49-F238E27FC236}">
+                <a16:creationId xmlns:a16="http://schemas.microsoft.com/office/drawing/2014/main" id="{411913D7-04A9-C2FE-46F4-4A38897DCD93}"/>
+              </a:ext>
+            </a:extLst>
+          </p:cNvPr>
+          <p:cNvSpPr txBox="1">
+            <a:spLocks noGrp="1" noRot="1" noMove="1" noResize="1" noEditPoints="1" noAdjustHandles="1" noChangeArrowheads="1" noChangeShapeType="1"/>
+          </p:cNvSpPr>
+          <p:nvPr/>
+        </p:nvSpPr>
+        <p:spPr>
+          <a:xfrm>
+            <a:off x="10587789" y="839294"/>
+            <a:ext cx="1614292" cy="2966807"/>
+          </a:xfrm>
+          <a:prstGeom prst="rect">
+            <a:avLst/>
+          </a:prstGeom>
+          <a:solidFill>
+            <a:schemeClr val="tx1"/>
+          </a:solidFill>
+        </p:spPr>
+        <p:txBody>
+          <a:bodyPr wrap="square" rtlCol="0">
+            <a:spAutoFit/>
+          </a:bodyPr>
+          <a:lstStyle/>
+          <a:p>
+            <a:endParaRPr lang="en-US" dirty="0"/>
+          </a:p>
+        </p:txBody>
+      </p:sp>
+      <p:sp>
+        <p:nvSpPr>
+          <p:cNvPr id="3" name="TextBox 2">
+            <a:extLst>
+              <a:ext uri="{FF2B5EF4-FFF2-40B4-BE49-F238E27FC236}">
+                <a16:creationId xmlns:a16="http://schemas.microsoft.com/office/drawing/2014/main" id="{CAEA922E-2E61-9F80-3BE0-3AF74CAF6A56}"/>
+              </a:ext>
+            </a:extLst>
+          </p:cNvPr>
+          <p:cNvSpPr txBox="1">
+            <a:spLocks noGrp="1" noRot="1" noMove="1" noResize="1" noEditPoints="1" noAdjustHandles="1" noChangeArrowheads="1" noChangeShapeType="1"/>
+          </p:cNvSpPr>
+          <p:nvPr/>
+        </p:nvSpPr>
+        <p:spPr>
+          <a:xfrm>
+            <a:off x="-1" y="2876364"/>
+            <a:ext cx="2183907" cy="2966807"/>
+          </a:xfrm>
+          <a:prstGeom prst="rect">
+            <a:avLst/>
+          </a:prstGeom>
+          <a:solidFill>
+            <a:schemeClr val="tx1"/>
+          </a:solidFill>
+        </p:spPr>
+        <p:txBody>
+          <a:bodyPr wrap="square" rtlCol="0">
+            <a:spAutoFit/>
+          </a:bodyPr>
+          <a:lstStyle/>
+          <a:p>
+            <a:endParaRPr lang="en-US" dirty="0"/>
+          </a:p>
+        </p:txBody>
+      </p:sp>
       <p:sp>
         <p:nvSpPr>
           <p:cNvPr id="6" name="Title 2">
@@ -22379,7 +23475,7 @@
           <p:nvPr/>
         </p:nvPicPr>
         <p:blipFill rotWithShape="1">
-          <a:blip r:embed="rId2"/>
+          <a:blip r:embed="rId4"/>
           <a:srcRect r="5412"/>
           <a:stretch/>
         </p:blipFill>
@@ -22413,7 +23509,7 @@
           <p:nvPr/>
         </p:nvPicPr>
         <p:blipFill rotWithShape="1">
-          <a:blip r:embed="rId3"/>
+          <a:blip r:embed="rId5"/>
           <a:srcRect t="7428" r="6977"/>
           <a:stretch/>
         </p:blipFill>
@@ -22447,7 +23543,7 @@
           <p:nvPr/>
         </p:nvPicPr>
         <p:blipFill>
-          <a:blip r:embed="rId4"/>
+          <a:blip r:embed="rId6"/>
           <a:stretch>
             <a:fillRect/>
           </a:stretch>
@@ -22467,6 +23563,244 @@
           </a:ln>
         </p:spPr>
       </p:pic>
+      <p:sp>
+        <p:nvSpPr>
+          <p:cNvPr id="2" name="Content Placeholder 4">
+            <a:extLst>
+              <a:ext uri="{FF2B5EF4-FFF2-40B4-BE49-F238E27FC236}">
+                <a16:creationId xmlns:a16="http://schemas.microsoft.com/office/drawing/2014/main" id="{FEE65547-5759-31EB-5F25-C1A5848D0799}"/>
+              </a:ext>
+            </a:extLst>
+          </p:cNvPr>
+          <p:cNvSpPr txBox="1">
+            <a:spLocks/>
+          </p:cNvSpPr>
+          <p:nvPr/>
+        </p:nvSpPr>
+        <p:spPr>
+          <a:xfrm>
+            <a:off x="564516" y="4113627"/>
+            <a:ext cx="2592217" cy="2265060"/>
+          </a:xfrm>
+          <a:prstGeom prst="rect">
+            <a:avLst/>
+          </a:prstGeom>
+        </p:spPr>
+        <p:txBody>
+          <a:bodyPr/>
+          <a:lstStyle>
+            <a:lvl1pPr marL="228600" indent="-228600" algn="l" defTabSz="914400" rtl="0" eaLnBrk="1" latinLnBrk="0" hangingPunct="1">
+              <a:lnSpc>
+                <a:spcPct val="90000"/>
+              </a:lnSpc>
+              <a:spcBef>
+                <a:spcPts val="1000"/>
+              </a:spcBef>
+              <a:buFont typeface="Arial" panose="020B0604020202020204" pitchFamily="34" charset="0"/>
+              <a:buChar char="•"/>
+              <a:defRPr sz="2800" b="0" i="0" kern="1200">
+                <a:solidFill>
+                  <a:schemeClr val="bg1"/>
+                </a:solidFill>
+                <a:latin typeface="+mn-lt"/>
+                <a:ea typeface="+mn-ea"/>
+                <a:cs typeface="+mn-cs"/>
+              </a:defRPr>
+            </a:lvl1pPr>
+            <a:lvl2pPr marL="685800" indent="-228600" algn="l" defTabSz="914400" rtl="0" eaLnBrk="1" latinLnBrk="0" hangingPunct="1">
+              <a:lnSpc>
+                <a:spcPct val="90000"/>
+              </a:lnSpc>
+              <a:spcBef>
+                <a:spcPts val="500"/>
+              </a:spcBef>
+              <a:buFont typeface="Arial" panose="020B0604020202020204" pitchFamily="34" charset="0"/>
+              <a:buChar char="•"/>
+              <a:defRPr sz="2400" b="0" i="0" kern="1200">
+                <a:solidFill>
+                  <a:schemeClr val="bg1"/>
+                </a:solidFill>
+                <a:latin typeface="+mn-lt"/>
+                <a:ea typeface="+mn-ea"/>
+                <a:cs typeface="+mn-cs"/>
+              </a:defRPr>
+            </a:lvl2pPr>
+            <a:lvl3pPr marL="1143000" indent="-228600" algn="l" defTabSz="914400" rtl="0" eaLnBrk="1" latinLnBrk="0" hangingPunct="1">
+              <a:lnSpc>
+                <a:spcPct val="90000"/>
+              </a:lnSpc>
+              <a:spcBef>
+                <a:spcPts val="500"/>
+              </a:spcBef>
+              <a:buFont typeface="Arial" panose="020B0604020202020204" pitchFamily="34" charset="0"/>
+              <a:buChar char="•"/>
+              <a:defRPr sz="2000" b="0" i="0" kern="1200">
+                <a:solidFill>
+                  <a:schemeClr val="bg1"/>
+                </a:solidFill>
+                <a:latin typeface="+mn-lt"/>
+                <a:ea typeface="+mn-ea"/>
+                <a:cs typeface="+mn-cs"/>
+              </a:defRPr>
+            </a:lvl3pPr>
+            <a:lvl4pPr marL="1600200" indent="-228600" algn="l" defTabSz="914400" rtl="0" eaLnBrk="1" latinLnBrk="0" hangingPunct="1">
+              <a:lnSpc>
+                <a:spcPct val="90000"/>
+              </a:lnSpc>
+              <a:spcBef>
+                <a:spcPts val="500"/>
+              </a:spcBef>
+              <a:buFont typeface="Arial" panose="020B0604020202020204" pitchFamily="34" charset="0"/>
+              <a:buChar char="•"/>
+              <a:defRPr sz="1800" b="0" i="0" kern="1200">
+                <a:solidFill>
+                  <a:schemeClr val="bg1"/>
+                </a:solidFill>
+                <a:latin typeface="+mn-lt"/>
+                <a:ea typeface="+mn-ea"/>
+                <a:cs typeface="+mn-cs"/>
+              </a:defRPr>
+            </a:lvl4pPr>
+            <a:lvl5pPr marL="2057400" indent="-228600" algn="l" defTabSz="914400" rtl="0" eaLnBrk="1" latinLnBrk="0" hangingPunct="1">
+              <a:lnSpc>
+                <a:spcPct val="90000"/>
+              </a:lnSpc>
+              <a:spcBef>
+                <a:spcPts val="500"/>
+              </a:spcBef>
+              <a:buFont typeface="Arial" panose="020B0604020202020204" pitchFamily="34" charset="0"/>
+              <a:buChar char="•"/>
+              <a:defRPr sz="1800" b="0" i="0" kern="1200">
+                <a:solidFill>
+                  <a:schemeClr val="bg1"/>
+                </a:solidFill>
+                <a:latin typeface="+mn-lt"/>
+                <a:ea typeface="+mn-ea"/>
+                <a:cs typeface="+mn-cs"/>
+              </a:defRPr>
+            </a:lvl5pPr>
+            <a:lvl6pPr marL="2514600" indent="-228600" algn="l" defTabSz="914400" rtl="0" eaLnBrk="1" latinLnBrk="0" hangingPunct="1">
+              <a:lnSpc>
+                <a:spcPct val="90000"/>
+              </a:lnSpc>
+              <a:spcBef>
+                <a:spcPts val="500"/>
+              </a:spcBef>
+              <a:buFont typeface="Arial" panose="020B0604020202020204" pitchFamily="34" charset="0"/>
+              <a:buChar char="•"/>
+              <a:defRPr sz="1800" kern="1200">
+                <a:solidFill>
+                  <a:schemeClr val="tx1"/>
+                </a:solidFill>
+                <a:latin typeface="+mn-lt"/>
+                <a:ea typeface="+mn-ea"/>
+                <a:cs typeface="+mn-cs"/>
+              </a:defRPr>
+            </a:lvl6pPr>
+            <a:lvl7pPr marL="2971800" indent="-228600" algn="l" defTabSz="914400" rtl="0" eaLnBrk="1" latinLnBrk="0" hangingPunct="1">
+              <a:lnSpc>
+                <a:spcPct val="90000"/>
+              </a:lnSpc>
+              <a:spcBef>
+                <a:spcPts val="500"/>
+              </a:spcBef>
+              <a:buFont typeface="Arial" panose="020B0604020202020204" pitchFamily="34" charset="0"/>
+              <a:buChar char="•"/>
+              <a:defRPr sz="1800" kern="1200">
+                <a:solidFill>
+                  <a:schemeClr val="tx1"/>
+                </a:solidFill>
+                <a:latin typeface="+mn-lt"/>
+                <a:ea typeface="+mn-ea"/>
+                <a:cs typeface="+mn-cs"/>
+              </a:defRPr>
+            </a:lvl7pPr>
+            <a:lvl8pPr marL="3429000" indent="-228600" algn="l" defTabSz="914400" rtl="0" eaLnBrk="1" latinLnBrk="0" hangingPunct="1">
+              <a:lnSpc>
+                <a:spcPct val="90000"/>
+              </a:lnSpc>
+              <a:spcBef>
+                <a:spcPts val="500"/>
+              </a:spcBef>
+              <a:buFont typeface="Arial" panose="020B0604020202020204" pitchFamily="34" charset="0"/>
+              <a:buChar char="•"/>
+              <a:defRPr sz="1800" kern="1200">
+                <a:solidFill>
+                  <a:schemeClr val="tx1"/>
+                </a:solidFill>
+                <a:latin typeface="+mn-lt"/>
+                <a:ea typeface="+mn-ea"/>
+                <a:cs typeface="+mn-cs"/>
+              </a:defRPr>
+            </a:lvl8pPr>
+            <a:lvl9pPr marL="3886200" indent="-228600" algn="l" defTabSz="914400" rtl="0" eaLnBrk="1" latinLnBrk="0" hangingPunct="1">
+              <a:lnSpc>
+                <a:spcPct val="90000"/>
+              </a:lnSpc>
+              <a:spcBef>
+                <a:spcPts val="500"/>
+              </a:spcBef>
+              <a:buFont typeface="Arial" panose="020B0604020202020204" pitchFamily="34" charset="0"/>
+              <a:buChar char="•"/>
+              <a:defRPr sz="1800" kern="1200">
+                <a:solidFill>
+                  <a:schemeClr val="tx1"/>
+                </a:solidFill>
+                <a:latin typeface="+mn-lt"/>
+                <a:ea typeface="+mn-ea"/>
+                <a:cs typeface="+mn-cs"/>
+              </a:defRPr>
+            </a:lvl9pPr>
+          </a:lstStyle>
+          <a:p>
+            <a:pPr algn="just">
+              <a:lnSpc>
+                <a:spcPct val="100000"/>
+              </a:lnSpc>
+              <a:spcBef>
+                <a:spcPts val="0"/>
+              </a:spcBef>
+            </a:pPr>
+            <a:r>
+              <a:rPr lang="en-US" sz="1200" dirty="0"/>
+              <a:t>This is our heatmap of total arrests in the US between 2010 and 2020.  </a:t>
+            </a:r>
+          </a:p>
+          <a:p>
+            <a:pPr algn="just">
+              <a:lnSpc>
+                <a:spcPct val="100000"/>
+              </a:lnSpc>
+              <a:spcBef>
+                <a:spcPts val="0"/>
+              </a:spcBef>
+            </a:pPr>
+            <a:r>
+              <a:rPr lang="en-US" sz="1200" dirty="0"/>
+              <a:t>We took the average of each state’s arrests and used </a:t>
+            </a:r>
+            <a:r>
+              <a:rPr lang="en-US" sz="1200" dirty="0" err="1"/>
+              <a:t>hvplot</a:t>
+            </a:r>
+            <a:r>
+              <a:rPr lang="en-US" sz="1200" dirty="0"/>
+              <a:t> to give a color gauge to our map to illustrate the areas with the greatest concentration of arrets.</a:t>
+            </a:r>
+          </a:p>
+          <a:p>
+            <a:pPr algn="just">
+              <a:lnSpc>
+                <a:spcPct val="100000"/>
+              </a:lnSpc>
+              <a:spcBef>
+                <a:spcPts val="0"/>
+              </a:spcBef>
+            </a:pPr>
+            <a:endParaRPr lang="en-US" sz="1200" dirty="0"/>
+          </a:p>
+        </p:txBody>
+      </p:sp>
     </p:spTree>
     <p:extLst>
       <p:ext uri="{BB962C8B-B14F-4D97-AF65-F5344CB8AC3E}">
@@ -22497,6 +23831,108 @@
           <a:chExt cx="0" cy="0"/>
         </a:xfrm>
       </p:grpSpPr>
+      <p:pic>
+        <p:nvPicPr>
+          <p:cNvPr id="8" name="Picture 7">
+            <a:extLst>
+              <a:ext uri="{FF2B5EF4-FFF2-40B4-BE49-F238E27FC236}">
+                <a16:creationId xmlns:a16="http://schemas.microsoft.com/office/drawing/2014/main" id="{6C1B183F-B7BE-3416-9A85-2F6803C9966C}"/>
+              </a:ext>
+            </a:extLst>
+          </p:cNvPr>
+          <p:cNvPicPr>
+            <a:picLocks noGrp="1" noRot="1" noChangeAspect="1" noMove="1" noResize="1" noEditPoints="1" noAdjustHandles="1" noChangeArrowheads="1" noChangeShapeType="1" noCrop="1"/>
+          </p:cNvPicPr>
+          <p:nvPr/>
+        </p:nvPicPr>
+        <p:blipFill>
+          <a:blip r:embed="rId3"/>
+          <a:stretch>
+            <a:fillRect/>
+          </a:stretch>
+        </p:blipFill>
+        <p:spPr>
+          <a:xfrm>
+            <a:off x="9446499" y="-12032"/>
+            <a:ext cx="2762636" cy="2724530"/>
+          </a:xfrm>
+          <a:prstGeom prst="rect">
+            <a:avLst/>
+          </a:prstGeom>
+        </p:spPr>
+      </p:pic>
+      <p:sp>
+        <p:nvSpPr>
+          <p:cNvPr id="9" name="TextBox 8">
+            <a:extLst>
+              <a:ext uri="{FF2B5EF4-FFF2-40B4-BE49-F238E27FC236}">
+                <a16:creationId xmlns:a16="http://schemas.microsoft.com/office/drawing/2014/main" id="{173B2A6E-68CC-9303-983D-5FD53E49D089}"/>
+              </a:ext>
+            </a:extLst>
+          </p:cNvPr>
+          <p:cNvSpPr txBox="1">
+            <a:spLocks noGrp="1" noRot="1" noMove="1" noResize="1" noEditPoints="1" noAdjustHandles="1" noChangeArrowheads="1" noChangeShapeType="1"/>
+          </p:cNvSpPr>
+          <p:nvPr/>
+        </p:nvSpPr>
+        <p:spPr>
+          <a:xfrm>
+            <a:off x="10587789" y="839294"/>
+            <a:ext cx="1614292" cy="2966807"/>
+          </a:xfrm>
+          <a:prstGeom prst="rect">
+            <a:avLst/>
+          </a:prstGeom>
+          <a:solidFill>
+            <a:schemeClr val="tx1"/>
+          </a:solidFill>
+        </p:spPr>
+        <p:txBody>
+          <a:bodyPr wrap="square" rtlCol="0">
+            <a:spAutoFit/>
+          </a:bodyPr>
+          <a:lstStyle/>
+          <a:p>
+            <a:endParaRPr lang="en-US" dirty="0"/>
+          </a:p>
+        </p:txBody>
+      </p:sp>
+      <p:sp>
+        <p:nvSpPr>
+          <p:cNvPr id="6" name="TextBox 5">
+            <a:extLst>
+              <a:ext uri="{FF2B5EF4-FFF2-40B4-BE49-F238E27FC236}">
+                <a16:creationId xmlns:a16="http://schemas.microsoft.com/office/drawing/2014/main" id="{07CB3E79-7190-CBAC-D483-8B9407FD37D0}"/>
+              </a:ext>
+            </a:extLst>
+          </p:cNvPr>
+          <p:cNvSpPr txBox="1">
+            <a:spLocks noGrp="1" noRot="1" noMove="1" noResize="1" noEditPoints="1" noAdjustHandles="1" noChangeArrowheads="1" noChangeShapeType="1"/>
+          </p:cNvSpPr>
+          <p:nvPr/>
+        </p:nvSpPr>
+        <p:spPr>
+          <a:xfrm>
+            <a:off x="-1" y="2876364"/>
+            <a:ext cx="2183907" cy="2966807"/>
+          </a:xfrm>
+          <a:prstGeom prst="rect">
+            <a:avLst/>
+          </a:prstGeom>
+          <a:solidFill>
+            <a:schemeClr val="tx1"/>
+          </a:solidFill>
+        </p:spPr>
+        <p:txBody>
+          <a:bodyPr wrap="square" rtlCol="0">
+            <a:spAutoFit/>
+          </a:bodyPr>
+          <a:lstStyle/>
+          <a:p>
+            <a:endParaRPr lang="en-US" dirty="0"/>
+          </a:p>
+        </p:txBody>
+      </p:sp>
       <p:sp>
         <p:nvSpPr>
           <p:cNvPr id="2" name="Title 2">
@@ -22626,7 +24062,7 @@
           <p:nvPr/>
         </p:nvPicPr>
         <p:blipFill rotWithShape="1">
-          <a:blip r:embed="rId2"/>
+          <a:blip r:embed="rId4"/>
           <a:srcRect l="-1601" r="5850"/>
           <a:stretch/>
         </p:blipFill>
@@ -22660,7 +24096,7 @@
           <p:nvPr/>
         </p:nvPicPr>
         <p:blipFill>
-          <a:blip r:embed="rId3"/>
+          <a:blip r:embed="rId5"/>
           <a:stretch>
             <a:fillRect/>
           </a:stretch>
@@ -22695,7 +24131,7 @@
           <p:nvPr/>
         </p:nvPicPr>
         <p:blipFill>
-          <a:blip r:embed="rId4"/>
+          <a:blip r:embed="rId6"/>
           <a:stretch>
             <a:fillRect/>
           </a:stretch>
@@ -22715,6 +24151,250 @@
           </a:ln>
         </p:spPr>
       </p:pic>
+      <p:sp>
+        <p:nvSpPr>
+          <p:cNvPr id="7" name="Content Placeholder 4">
+            <a:extLst>
+              <a:ext uri="{FF2B5EF4-FFF2-40B4-BE49-F238E27FC236}">
+                <a16:creationId xmlns:a16="http://schemas.microsoft.com/office/drawing/2014/main" id="{A458C0A1-3448-9CAA-3A3E-5366575B3DD8}"/>
+              </a:ext>
+            </a:extLst>
+          </p:cNvPr>
+          <p:cNvSpPr txBox="1">
+            <a:spLocks/>
+          </p:cNvSpPr>
+          <p:nvPr/>
+        </p:nvSpPr>
+        <p:spPr>
+          <a:xfrm>
+            <a:off x="563634" y="4113627"/>
+            <a:ext cx="2615634" cy="2265060"/>
+          </a:xfrm>
+          <a:prstGeom prst="rect">
+            <a:avLst/>
+          </a:prstGeom>
+        </p:spPr>
+        <p:txBody>
+          <a:bodyPr/>
+          <a:lstStyle>
+            <a:lvl1pPr marL="228600" indent="-228600" algn="l" defTabSz="914400" rtl="0" eaLnBrk="1" latinLnBrk="0" hangingPunct="1">
+              <a:lnSpc>
+                <a:spcPct val="90000"/>
+              </a:lnSpc>
+              <a:spcBef>
+                <a:spcPts val="1000"/>
+              </a:spcBef>
+              <a:buFont typeface="Arial" panose="020B0604020202020204" pitchFamily="34" charset="0"/>
+              <a:buChar char="•"/>
+              <a:defRPr sz="2800" b="0" i="0" kern="1200">
+                <a:solidFill>
+                  <a:schemeClr val="bg1"/>
+                </a:solidFill>
+                <a:latin typeface="+mn-lt"/>
+                <a:ea typeface="+mn-ea"/>
+                <a:cs typeface="+mn-cs"/>
+              </a:defRPr>
+            </a:lvl1pPr>
+            <a:lvl2pPr marL="685800" indent="-228600" algn="l" defTabSz="914400" rtl="0" eaLnBrk="1" latinLnBrk="0" hangingPunct="1">
+              <a:lnSpc>
+                <a:spcPct val="90000"/>
+              </a:lnSpc>
+              <a:spcBef>
+                <a:spcPts val="500"/>
+              </a:spcBef>
+              <a:buFont typeface="Arial" panose="020B0604020202020204" pitchFamily="34" charset="0"/>
+              <a:buChar char="•"/>
+              <a:defRPr sz="2400" b="0" i="0" kern="1200">
+                <a:solidFill>
+                  <a:schemeClr val="bg1"/>
+                </a:solidFill>
+                <a:latin typeface="+mn-lt"/>
+                <a:ea typeface="+mn-ea"/>
+                <a:cs typeface="+mn-cs"/>
+              </a:defRPr>
+            </a:lvl2pPr>
+            <a:lvl3pPr marL="1143000" indent="-228600" algn="l" defTabSz="914400" rtl="0" eaLnBrk="1" latinLnBrk="0" hangingPunct="1">
+              <a:lnSpc>
+                <a:spcPct val="90000"/>
+              </a:lnSpc>
+              <a:spcBef>
+                <a:spcPts val="500"/>
+              </a:spcBef>
+              <a:buFont typeface="Arial" panose="020B0604020202020204" pitchFamily="34" charset="0"/>
+              <a:buChar char="•"/>
+              <a:defRPr sz="2000" b="0" i="0" kern="1200">
+                <a:solidFill>
+                  <a:schemeClr val="bg1"/>
+                </a:solidFill>
+                <a:latin typeface="+mn-lt"/>
+                <a:ea typeface="+mn-ea"/>
+                <a:cs typeface="+mn-cs"/>
+              </a:defRPr>
+            </a:lvl3pPr>
+            <a:lvl4pPr marL="1600200" indent="-228600" algn="l" defTabSz="914400" rtl="0" eaLnBrk="1" latinLnBrk="0" hangingPunct="1">
+              <a:lnSpc>
+                <a:spcPct val="90000"/>
+              </a:lnSpc>
+              <a:spcBef>
+                <a:spcPts val="500"/>
+              </a:spcBef>
+              <a:buFont typeface="Arial" panose="020B0604020202020204" pitchFamily="34" charset="0"/>
+              <a:buChar char="•"/>
+              <a:defRPr sz="1800" b="0" i="0" kern="1200">
+                <a:solidFill>
+                  <a:schemeClr val="bg1"/>
+                </a:solidFill>
+                <a:latin typeface="+mn-lt"/>
+                <a:ea typeface="+mn-ea"/>
+                <a:cs typeface="+mn-cs"/>
+              </a:defRPr>
+            </a:lvl4pPr>
+            <a:lvl5pPr marL="2057400" indent="-228600" algn="l" defTabSz="914400" rtl="0" eaLnBrk="1" latinLnBrk="0" hangingPunct="1">
+              <a:lnSpc>
+                <a:spcPct val="90000"/>
+              </a:lnSpc>
+              <a:spcBef>
+                <a:spcPts val="500"/>
+              </a:spcBef>
+              <a:buFont typeface="Arial" panose="020B0604020202020204" pitchFamily="34" charset="0"/>
+              <a:buChar char="•"/>
+              <a:defRPr sz="1800" b="0" i="0" kern="1200">
+                <a:solidFill>
+                  <a:schemeClr val="bg1"/>
+                </a:solidFill>
+                <a:latin typeface="+mn-lt"/>
+                <a:ea typeface="+mn-ea"/>
+                <a:cs typeface="+mn-cs"/>
+              </a:defRPr>
+            </a:lvl5pPr>
+            <a:lvl6pPr marL="2514600" indent="-228600" algn="l" defTabSz="914400" rtl="0" eaLnBrk="1" latinLnBrk="0" hangingPunct="1">
+              <a:lnSpc>
+                <a:spcPct val="90000"/>
+              </a:lnSpc>
+              <a:spcBef>
+                <a:spcPts val="500"/>
+              </a:spcBef>
+              <a:buFont typeface="Arial" panose="020B0604020202020204" pitchFamily="34" charset="0"/>
+              <a:buChar char="•"/>
+              <a:defRPr sz="1800" kern="1200">
+                <a:solidFill>
+                  <a:schemeClr val="tx1"/>
+                </a:solidFill>
+                <a:latin typeface="+mn-lt"/>
+                <a:ea typeface="+mn-ea"/>
+                <a:cs typeface="+mn-cs"/>
+              </a:defRPr>
+            </a:lvl6pPr>
+            <a:lvl7pPr marL="2971800" indent="-228600" algn="l" defTabSz="914400" rtl="0" eaLnBrk="1" latinLnBrk="0" hangingPunct="1">
+              <a:lnSpc>
+                <a:spcPct val="90000"/>
+              </a:lnSpc>
+              <a:spcBef>
+                <a:spcPts val="500"/>
+              </a:spcBef>
+              <a:buFont typeface="Arial" panose="020B0604020202020204" pitchFamily="34" charset="0"/>
+              <a:buChar char="•"/>
+              <a:defRPr sz="1800" kern="1200">
+                <a:solidFill>
+                  <a:schemeClr val="tx1"/>
+                </a:solidFill>
+                <a:latin typeface="+mn-lt"/>
+                <a:ea typeface="+mn-ea"/>
+                <a:cs typeface="+mn-cs"/>
+              </a:defRPr>
+            </a:lvl7pPr>
+            <a:lvl8pPr marL="3429000" indent="-228600" algn="l" defTabSz="914400" rtl="0" eaLnBrk="1" latinLnBrk="0" hangingPunct="1">
+              <a:lnSpc>
+                <a:spcPct val="90000"/>
+              </a:lnSpc>
+              <a:spcBef>
+                <a:spcPts val="500"/>
+              </a:spcBef>
+              <a:buFont typeface="Arial" panose="020B0604020202020204" pitchFamily="34" charset="0"/>
+              <a:buChar char="•"/>
+              <a:defRPr sz="1800" kern="1200">
+                <a:solidFill>
+                  <a:schemeClr val="tx1"/>
+                </a:solidFill>
+                <a:latin typeface="+mn-lt"/>
+                <a:ea typeface="+mn-ea"/>
+                <a:cs typeface="+mn-cs"/>
+              </a:defRPr>
+            </a:lvl8pPr>
+            <a:lvl9pPr marL="3886200" indent="-228600" algn="l" defTabSz="914400" rtl="0" eaLnBrk="1" latinLnBrk="0" hangingPunct="1">
+              <a:lnSpc>
+                <a:spcPct val="90000"/>
+              </a:lnSpc>
+              <a:spcBef>
+                <a:spcPts val="500"/>
+              </a:spcBef>
+              <a:buFont typeface="Arial" panose="020B0604020202020204" pitchFamily="34" charset="0"/>
+              <a:buChar char="•"/>
+              <a:defRPr sz="1800" kern="1200">
+                <a:solidFill>
+                  <a:schemeClr val="tx1"/>
+                </a:solidFill>
+                <a:latin typeface="+mn-lt"/>
+                <a:ea typeface="+mn-ea"/>
+                <a:cs typeface="+mn-cs"/>
+              </a:defRPr>
+            </a:lvl9pPr>
+          </a:lstStyle>
+          <a:p>
+            <a:pPr algn="just">
+              <a:lnSpc>
+                <a:spcPct val="100000"/>
+              </a:lnSpc>
+              <a:spcBef>
+                <a:spcPts val="0"/>
+              </a:spcBef>
+            </a:pPr>
+            <a:r>
+              <a:rPr lang="en-US" sz="1200" dirty="0"/>
+              <a:t>This map tells a different story.</a:t>
+            </a:r>
+          </a:p>
+          <a:p>
+            <a:pPr algn="just">
+              <a:lnSpc>
+                <a:spcPct val="100000"/>
+              </a:lnSpc>
+              <a:spcBef>
+                <a:spcPts val="0"/>
+              </a:spcBef>
+            </a:pPr>
+            <a:r>
+              <a:rPr lang="en-US" sz="1200" dirty="0"/>
+              <a:t>We adjusted the arrest numbers per capita, to visualize the Arrest Rate. </a:t>
+            </a:r>
+          </a:p>
+          <a:p>
+            <a:pPr algn="just">
+              <a:lnSpc>
+                <a:spcPct val="100000"/>
+              </a:lnSpc>
+              <a:spcBef>
+                <a:spcPts val="0"/>
+              </a:spcBef>
+            </a:pPr>
+            <a:r>
+              <a:rPr lang="en-US" sz="1200" dirty="0"/>
+              <a:t>What we see is arrest rates are more normalized and that the hot spots are no longer just the population centers.</a:t>
+            </a:r>
+          </a:p>
+          <a:p>
+            <a:pPr algn="just">
+              <a:lnSpc>
+                <a:spcPct val="100000"/>
+              </a:lnSpc>
+              <a:spcBef>
+                <a:spcPts val="0"/>
+              </a:spcBef>
+            </a:pPr>
+            <a:endParaRPr lang="en-US" sz="1200" dirty="0"/>
+          </a:p>
+        </p:txBody>
+      </p:sp>
     </p:spTree>
     <p:extLst>
       <p:ext uri="{BB962C8B-B14F-4D97-AF65-F5344CB8AC3E}">
@@ -23167,6 +24847,225 @@
           </a:ln>
         </p:spPr>
       </p:pic>
+      <p:sp>
+        <p:nvSpPr>
+          <p:cNvPr id="2" name="Text Placeholder 4">
+            <a:extLst>
+              <a:ext uri="{FF2B5EF4-FFF2-40B4-BE49-F238E27FC236}">
+                <a16:creationId xmlns:a16="http://schemas.microsoft.com/office/drawing/2014/main" id="{B0CE9714-C8BD-1525-5AEA-501BD5B59FDB}"/>
+              </a:ext>
+            </a:extLst>
+          </p:cNvPr>
+          <p:cNvSpPr txBox="1">
+            <a:spLocks/>
+          </p:cNvSpPr>
+          <p:nvPr/>
+        </p:nvSpPr>
+        <p:spPr>
+          <a:xfrm>
+            <a:off x="937350" y="5524500"/>
+            <a:ext cx="10319906" cy="885178"/>
+          </a:xfrm>
+          <a:prstGeom prst="rect">
+            <a:avLst/>
+          </a:prstGeom>
+        </p:spPr>
+        <p:txBody>
+          <a:bodyPr vert="horz" lIns="91440" tIns="45720" rIns="91440" bIns="45720" rtlCol="0">
+            <a:normAutofit fontScale="92500"/>
+          </a:bodyPr>
+          <a:lstStyle>
+            <a:lvl1pPr marL="0" indent="0" algn="l" defTabSz="914400" rtl="0" eaLnBrk="1" latinLnBrk="0" hangingPunct="1">
+              <a:lnSpc>
+                <a:spcPct val="90000"/>
+              </a:lnSpc>
+              <a:spcBef>
+                <a:spcPts val="1000"/>
+              </a:spcBef>
+              <a:buFont typeface="Arial" panose="020B0604020202020204" pitchFamily="34" charset="0"/>
+              <a:buNone/>
+              <a:defRPr sz="1600" b="0" i="0" kern="1200">
+                <a:solidFill>
+                  <a:schemeClr val="bg1"/>
+                </a:solidFill>
+                <a:latin typeface="+mn-lt"/>
+                <a:ea typeface="+mn-ea"/>
+                <a:cs typeface="+mn-cs"/>
+              </a:defRPr>
+            </a:lvl1pPr>
+            <a:lvl2pPr marL="685800" indent="-228600" algn="l" defTabSz="914400" rtl="0" eaLnBrk="1" latinLnBrk="0" hangingPunct="1">
+              <a:lnSpc>
+                <a:spcPct val="90000"/>
+              </a:lnSpc>
+              <a:spcBef>
+                <a:spcPts val="500"/>
+              </a:spcBef>
+              <a:buFont typeface="Arial" panose="020B0604020202020204" pitchFamily="34" charset="0"/>
+              <a:buChar char="•"/>
+              <a:defRPr sz="2400" b="0" i="0" kern="1200">
+                <a:solidFill>
+                  <a:schemeClr val="bg1"/>
+                </a:solidFill>
+                <a:latin typeface="+mn-lt"/>
+                <a:ea typeface="+mn-ea"/>
+                <a:cs typeface="+mn-cs"/>
+              </a:defRPr>
+            </a:lvl2pPr>
+            <a:lvl3pPr marL="1143000" indent="-228600" algn="l" defTabSz="914400" rtl="0" eaLnBrk="1" latinLnBrk="0" hangingPunct="1">
+              <a:lnSpc>
+                <a:spcPct val="90000"/>
+              </a:lnSpc>
+              <a:spcBef>
+                <a:spcPts val="500"/>
+              </a:spcBef>
+              <a:buFont typeface="Arial" panose="020B0604020202020204" pitchFamily="34" charset="0"/>
+              <a:buChar char="•"/>
+              <a:defRPr sz="2000" b="0" i="0" kern="1200">
+                <a:solidFill>
+                  <a:schemeClr val="bg1"/>
+                </a:solidFill>
+                <a:latin typeface="+mn-lt"/>
+                <a:ea typeface="+mn-ea"/>
+                <a:cs typeface="+mn-cs"/>
+              </a:defRPr>
+            </a:lvl3pPr>
+            <a:lvl4pPr marL="1600200" indent="-228600" algn="l" defTabSz="914400" rtl="0" eaLnBrk="1" latinLnBrk="0" hangingPunct="1">
+              <a:lnSpc>
+                <a:spcPct val="90000"/>
+              </a:lnSpc>
+              <a:spcBef>
+                <a:spcPts val="500"/>
+              </a:spcBef>
+              <a:buFont typeface="Arial" panose="020B0604020202020204" pitchFamily="34" charset="0"/>
+              <a:buChar char="•"/>
+              <a:defRPr sz="1800" b="0" i="0" kern="1200">
+                <a:solidFill>
+                  <a:schemeClr val="bg1"/>
+                </a:solidFill>
+                <a:latin typeface="+mn-lt"/>
+                <a:ea typeface="+mn-ea"/>
+                <a:cs typeface="+mn-cs"/>
+              </a:defRPr>
+            </a:lvl4pPr>
+            <a:lvl5pPr marL="2057400" indent="-228600" algn="l" defTabSz="914400" rtl="0" eaLnBrk="1" latinLnBrk="0" hangingPunct="1">
+              <a:lnSpc>
+                <a:spcPct val="90000"/>
+              </a:lnSpc>
+              <a:spcBef>
+                <a:spcPts val="500"/>
+              </a:spcBef>
+              <a:buFont typeface="Arial" panose="020B0604020202020204" pitchFamily="34" charset="0"/>
+              <a:buChar char="•"/>
+              <a:defRPr sz="1800" b="0" i="0" kern="1200">
+                <a:solidFill>
+                  <a:schemeClr val="bg1"/>
+                </a:solidFill>
+                <a:latin typeface="+mn-lt"/>
+                <a:ea typeface="+mn-ea"/>
+                <a:cs typeface="+mn-cs"/>
+              </a:defRPr>
+            </a:lvl5pPr>
+            <a:lvl6pPr marL="2514600" indent="-228600" algn="l" defTabSz="914400" rtl="0" eaLnBrk="1" latinLnBrk="0" hangingPunct="1">
+              <a:lnSpc>
+                <a:spcPct val="90000"/>
+              </a:lnSpc>
+              <a:spcBef>
+                <a:spcPts val="500"/>
+              </a:spcBef>
+              <a:buFont typeface="Arial" panose="020B0604020202020204" pitchFamily="34" charset="0"/>
+              <a:buChar char="•"/>
+              <a:defRPr sz="1800" kern="1200">
+                <a:solidFill>
+                  <a:schemeClr val="tx1"/>
+                </a:solidFill>
+                <a:latin typeface="+mn-lt"/>
+                <a:ea typeface="+mn-ea"/>
+                <a:cs typeface="+mn-cs"/>
+              </a:defRPr>
+            </a:lvl6pPr>
+            <a:lvl7pPr marL="2971800" indent="-228600" algn="l" defTabSz="914400" rtl="0" eaLnBrk="1" latinLnBrk="0" hangingPunct="1">
+              <a:lnSpc>
+                <a:spcPct val="90000"/>
+              </a:lnSpc>
+              <a:spcBef>
+                <a:spcPts val="500"/>
+              </a:spcBef>
+              <a:buFont typeface="Arial" panose="020B0604020202020204" pitchFamily="34" charset="0"/>
+              <a:buChar char="•"/>
+              <a:defRPr sz="1800" kern="1200">
+                <a:solidFill>
+                  <a:schemeClr val="tx1"/>
+                </a:solidFill>
+                <a:latin typeface="+mn-lt"/>
+                <a:ea typeface="+mn-ea"/>
+                <a:cs typeface="+mn-cs"/>
+              </a:defRPr>
+            </a:lvl7pPr>
+            <a:lvl8pPr marL="3429000" indent="-228600" algn="l" defTabSz="914400" rtl="0" eaLnBrk="1" latinLnBrk="0" hangingPunct="1">
+              <a:lnSpc>
+                <a:spcPct val="90000"/>
+              </a:lnSpc>
+              <a:spcBef>
+                <a:spcPts val="500"/>
+              </a:spcBef>
+              <a:buFont typeface="Arial" panose="020B0604020202020204" pitchFamily="34" charset="0"/>
+              <a:buChar char="•"/>
+              <a:defRPr sz="1800" kern="1200">
+                <a:solidFill>
+                  <a:schemeClr val="tx1"/>
+                </a:solidFill>
+                <a:latin typeface="+mn-lt"/>
+                <a:ea typeface="+mn-ea"/>
+                <a:cs typeface="+mn-cs"/>
+              </a:defRPr>
+            </a:lvl8pPr>
+            <a:lvl9pPr marL="3886200" indent="-228600" algn="l" defTabSz="914400" rtl="0" eaLnBrk="1" latinLnBrk="0" hangingPunct="1">
+              <a:lnSpc>
+                <a:spcPct val="90000"/>
+              </a:lnSpc>
+              <a:spcBef>
+                <a:spcPts val="500"/>
+              </a:spcBef>
+              <a:buFont typeface="Arial" panose="020B0604020202020204" pitchFamily="34" charset="0"/>
+              <a:buChar char="•"/>
+              <a:defRPr sz="1800" kern="1200">
+                <a:solidFill>
+                  <a:schemeClr val="tx1"/>
+                </a:solidFill>
+                <a:latin typeface="+mn-lt"/>
+                <a:ea typeface="+mn-ea"/>
+                <a:cs typeface="+mn-cs"/>
+              </a:defRPr>
+            </a:lvl9pPr>
+          </a:lstStyle>
+          <a:p>
+            <a:pPr marL="285750" indent="-285750">
+              <a:spcBef>
+                <a:spcPts val="600"/>
+              </a:spcBef>
+              <a:buFont typeface="Arial" panose="020B0604020202020204" pitchFamily="34" charset="0"/>
+              <a:buChar char="•"/>
+            </a:pPr>
+            <a:r>
+              <a:rPr lang="en-US" sz="1400" dirty="0"/>
+              <a:t>The chart on the left illustrates the relationship between total number of law enforcement officers and total arrests in each state, each year.  What it shows is that as population grows, so do overall arrests.</a:t>
+            </a:r>
+          </a:p>
+          <a:p>
+            <a:pPr marL="285750" indent="-285750">
+              <a:spcBef>
+                <a:spcPts val="600"/>
+              </a:spcBef>
+              <a:buFont typeface="Arial" panose="020B0604020202020204" pitchFamily="34" charset="0"/>
+              <a:buChar char="•"/>
+            </a:pPr>
+            <a:r>
+              <a:rPr lang="en-US" sz="1400" dirty="0"/>
+              <a:t>On the right, we have both values adjusted per capita. What this shows us is that there is a region of efficiency between 200 and 400 law enforcement employees per capita where arrest rates are clustered. This likely gives us an idea of each state’s budgeting considerations.</a:t>
+            </a:r>
+          </a:p>
+        </p:txBody>
+      </p:sp>
     </p:spTree>
     <p:extLst>
       <p:ext uri="{BB962C8B-B14F-4D97-AF65-F5344CB8AC3E}">
@@ -23181,6 +25080,482 @@
 </file>
 
 <file path=ppt/slides/slide15.xml><?xml version="1.0" encoding="utf-8"?>
+<p:sld xmlns:a="http://schemas.openxmlformats.org/drawingml/2006/main" xmlns:r="http://schemas.openxmlformats.org/officeDocument/2006/relationships" xmlns:p="http://schemas.openxmlformats.org/presentationml/2006/main">
+  <p:cSld>
+    <p:spTree>
+      <p:nvGrpSpPr>
+        <p:cNvPr id="1" name=""/>
+        <p:cNvGrpSpPr/>
+        <p:nvPr/>
+      </p:nvGrpSpPr>
+      <p:grpSpPr>
+        <a:xfrm>
+          <a:off x="0" y="0"/>
+          <a:ext cx="0" cy="0"/>
+          <a:chOff x="0" y="0"/>
+          <a:chExt cx="0" cy="0"/>
+        </a:xfrm>
+      </p:grpSpPr>
+      <p:sp>
+        <p:nvSpPr>
+          <p:cNvPr id="10" name="TextBox 9">
+            <a:extLst>
+              <a:ext uri="{FF2B5EF4-FFF2-40B4-BE49-F238E27FC236}">
+                <a16:creationId xmlns:a16="http://schemas.microsoft.com/office/drawing/2014/main" id="{65A01464-E447-21F6-36BA-C7D4CB06E672}"/>
+              </a:ext>
+            </a:extLst>
+          </p:cNvPr>
+          <p:cNvSpPr txBox="1">
+            <a:spLocks noGrp="1" noRot="1" noMove="1" noResize="1" noEditPoints="1" noAdjustHandles="1" noChangeArrowheads="1" noChangeShapeType="1"/>
+          </p:cNvSpPr>
+          <p:nvPr/>
+        </p:nvSpPr>
+        <p:spPr>
+          <a:xfrm>
+            <a:off x="10386874" y="1091953"/>
+            <a:ext cx="1805126" cy="2966807"/>
+          </a:xfrm>
+          <a:prstGeom prst="rect">
+            <a:avLst/>
+          </a:prstGeom>
+          <a:solidFill>
+            <a:schemeClr val="tx1"/>
+          </a:solidFill>
+        </p:spPr>
+        <p:txBody>
+          <a:bodyPr wrap="square" rtlCol="0">
+            <a:spAutoFit/>
+          </a:bodyPr>
+          <a:lstStyle/>
+          <a:p>
+            <a:endParaRPr lang="en-US" dirty="0"/>
+          </a:p>
+        </p:txBody>
+      </p:sp>
+      <p:sp>
+        <p:nvSpPr>
+          <p:cNvPr id="5" name="Title 2">
+            <a:extLst>
+              <a:ext uri="{FF2B5EF4-FFF2-40B4-BE49-F238E27FC236}">
+                <a16:creationId xmlns:a16="http://schemas.microsoft.com/office/drawing/2014/main" id="{4749D1CA-9DED-3CEB-EB6D-2244ECC94740}"/>
+              </a:ext>
+            </a:extLst>
+          </p:cNvPr>
+          <p:cNvSpPr txBox="1">
+            <a:spLocks/>
+          </p:cNvSpPr>
+          <p:nvPr/>
+        </p:nvSpPr>
+        <p:spPr>
+          <a:xfrm>
+            <a:off x="964023" y="201169"/>
+            <a:ext cx="10352810" cy="661956"/>
+          </a:xfrm>
+          <a:prstGeom prst="rect">
+            <a:avLst/>
+          </a:prstGeom>
+        </p:spPr>
+        <p:txBody>
+          <a:bodyPr vert="horz" lIns="0" tIns="0" rIns="0" bIns="0" rtlCol="0" anchor="b" anchorCtr="0">
+            <a:noAutofit/>
+          </a:bodyPr>
+          <a:lstStyle>
+            <a:lvl1pPr algn="l" defTabSz="914400" rtl="0" eaLnBrk="1" latinLnBrk="0" hangingPunct="1">
+              <a:lnSpc>
+                <a:spcPct val="90000"/>
+              </a:lnSpc>
+              <a:spcBef>
+                <a:spcPct val="0"/>
+              </a:spcBef>
+              <a:buNone/>
+              <a:defRPr sz="4400" b="1" i="0" kern="1200" spc="100" baseline="0">
+                <a:solidFill>
+                  <a:schemeClr val="bg1"/>
+                </a:solidFill>
+                <a:latin typeface="+mj-lt"/>
+                <a:ea typeface="+mj-ea"/>
+                <a:cs typeface="+mj-cs"/>
+              </a:defRPr>
+            </a:lvl1pPr>
+            <a:lvl2pPr eaLnBrk="1" hangingPunct="1">
+              <a:defRPr>
+                <a:solidFill>
+                  <a:schemeClr val="tx2"/>
+                </a:solidFill>
+              </a:defRPr>
+            </a:lvl2pPr>
+            <a:lvl3pPr eaLnBrk="1" hangingPunct="1">
+              <a:defRPr>
+                <a:solidFill>
+                  <a:schemeClr val="tx2"/>
+                </a:solidFill>
+              </a:defRPr>
+            </a:lvl3pPr>
+            <a:lvl4pPr eaLnBrk="1" hangingPunct="1">
+              <a:defRPr>
+                <a:solidFill>
+                  <a:schemeClr val="tx2"/>
+                </a:solidFill>
+              </a:defRPr>
+            </a:lvl4pPr>
+            <a:lvl5pPr eaLnBrk="1" hangingPunct="1">
+              <a:defRPr>
+                <a:solidFill>
+                  <a:schemeClr val="tx2"/>
+                </a:solidFill>
+              </a:defRPr>
+            </a:lvl5pPr>
+            <a:lvl6pPr eaLnBrk="1" hangingPunct="1">
+              <a:defRPr>
+                <a:solidFill>
+                  <a:schemeClr val="tx2"/>
+                </a:solidFill>
+              </a:defRPr>
+            </a:lvl6pPr>
+            <a:lvl7pPr eaLnBrk="1" hangingPunct="1">
+              <a:defRPr>
+                <a:solidFill>
+                  <a:schemeClr val="tx2"/>
+                </a:solidFill>
+              </a:defRPr>
+            </a:lvl7pPr>
+            <a:lvl8pPr eaLnBrk="1" hangingPunct="1">
+              <a:defRPr>
+                <a:solidFill>
+                  <a:schemeClr val="tx2"/>
+                </a:solidFill>
+              </a:defRPr>
+            </a:lvl8pPr>
+            <a:lvl9pPr eaLnBrk="1" hangingPunct="1">
+              <a:defRPr>
+                <a:solidFill>
+                  <a:schemeClr val="tx2"/>
+                </a:solidFill>
+              </a:defRPr>
+            </a:lvl9pPr>
+          </a:lstStyle>
+          <a:p>
+            <a:pPr>
+              <a:lnSpc>
+                <a:spcPct val="0"/>
+              </a:lnSpc>
+            </a:pPr>
+            <a:r>
+              <a:rPr lang="en-US" dirty="0"/>
+              <a:t>Population and Arrests</a:t>
+            </a:r>
+          </a:p>
+        </p:txBody>
+      </p:sp>
+      <p:sp>
+        <p:nvSpPr>
+          <p:cNvPr id="2" name="Text Placeholder 4">
+            <a:extLst>
+              <a:ext uri="{FF2B5EF4-FFF2-40B4-BE49-F238E27FC236}">
+                <a16:creationId xmlns:a16="http://schemas.microsoft.com/office/drawing/2014/main" id="{B0CE9714-C8BD-1525-5AEA-501BD5B59FDB}"/>
+              </a:ext>
+            </a:extLst>
+          </p:cNvPr>
+          <p:cNvSpPr txBox="1">
+            <a:spLocks/>
+          </p:cNvSpPr>
+          <p:nvPr/>
+        </p:nvSpPr>
+        <p:spPr>
+          <a:xfrm>
+            <a:off x="937350" y="5524500"/>
+            <a:ext cx="10319906" cy="885178"/>
+          </a:xfrm>
+          <a:prstGeom prst="rect">
+            <a:avLst/>
+          </a:prstGeom>
+        </p:spPr>
+        <p:txBody>
+          <a:bodyPr vert="horz" lIns="91440" tIns="45720" rIns="91440" bIns="45720" rtlCol="0">
+            <a:normAutofit lnSpcReduction="10000"/>
+          </a:bodyPr>
+          <a:lstStyle>
+            <a:lvl1pPr marL="0" indent="0" algn="l" defTabSz="914400" rtl="0" eaLnBrk="1" latinLnBrk="0" hangingPunct="1">
+              <a:lnSpc>
+                <a:spcPct val="90000"/>
+              </a:lnSpc>
+              <a:spcBef>
+                <a:spcPts val="1000"/>
+              </a:spcBef>
+              <a:buFont typeface="Arial" panose="020B0604020202020204" pitchFamily="34" charset="0"/>
+              <a:buNone/>
+              <a:defRPr sz="1600" b="0" i="0" kern="1200">
+                <a:solidFill>
+                  <a:schemeClr val="bg1"/>
+                </a:solidFill>
+                <a:latin typeface="+mn-lt"/>
+                <a:ea typeface="+mn-ea"/>
+                <a:cs typeface="+mn-cs"/>
+              </a:defRPr>
+            </a:lvl1pPr>
+            <a:lvl2pPr marL="685800" indent="-228600" algn="l" defTabSz="914400" rtl="0" eaLnBrk="1" latinLnBrk="0" hangingPunct="1">
+              <a:lnSpc>
+                <a:spcPct val="90000"/>
+              </a:lnSpc>
+              <a:spcBef>
+                <a:spcPts val="500"/>
+              </a:spcBef>
+              <a:buFont typeface="Arial" panose="020B0604020202020204" pitchFamily="34" charset="0"/>
+              <a:buChar char="•"/>
+              <a:defRPr sz="2400" b="0" i="0" kern="1200">
+                <a:solidFill>
+                  <a:schemeClr val="bg1"/>
+                </a:solidFill>
+                <a:latin typeface="+mn-lt"/>
+                <a:ea typeface="+mn-ea"/>
+                <a:cs typeface="+mn-cs"/>
+              </a:defRPr>
+            </a:lvl2pPr>
+            <a:lvl3pPr marL="1143000" indent="-228600" algn="l" defTabSz="914400" rtl="0" eaLnBrk="1" latinLnBrk="0" hangingPunct="1">
+              <a:lnSpc>
+                <a:spcPct val="90000"/>
+              </a:lnSpc>
+              <a:spcBef>
+                <a:spcPts val="500"/>
+              </a:spcBef>
+              <a:buFont typeface="Arial" panose="020B0604020202020204" pitchFamily="34" charset="0"/>
+              <a:buChar char="•"/>
+              <a:defRPr sz="2000" b="0" i="0" kern="1200">
+                <a:solidFill>
+                  <a:schemeClr val="bg1"/>
+                </a:solidFill>
+                <a:latin typeface="+mn-lt"/>
+                <a:ea typeface="+mn-ea"/>
+                <a:cs typeface="+mn-cs"/>
+              </a:defRPr>
+            </a:lvl3pPr>
+            <a:lvl4pPr marL="1600200" indent="-228600" algn="l" defTabSz="914400" rtl="0" eaLnBrk="1" latinLnBrk="0" hangingPunct="1">
+              <a:lnSpc>
+                <a:spcPct val="90000"/>
+              </a:lnSpc>
+              <a:spcBef>
+                <a:spcPts val="500"/>
+              </a:spcBef>
+              <a:buFont typeface="Arial" panose="020B0604020202020204" pitchFamily="34" charset="0"/>
+              <a:buChar char="•"/>
+              <a:defRPr sz="1800" b="0" i="0" kern="1200">
+                <a:solidFill>
+                  <a:schemeClr val="bg1"/>
+                </a:solidFill>
+                <a:latin typeface="+mn-lt"/>
+                <a:ea typeface="+mn-ea"/>
+                <a:cs typeface="+mn-cs"/>
+              </a:defRPr>
+            </a:lvl4pPr>
+            <a:lvl5pPr marL="2057400" indent="-228600" algn="l" defTabSz="914400" rtl="0" eaLnBrk="1" latinLnBrk="0" hangingPunct="1">
+              <a:lnSpc>
+                <a:spcPct val="90000"/>
+              </a:lnSpc>
+              <a:spcBef>
+                <a:spcPts val="500"/>
+              </a:spcBef>
+              <a:buFont typeface="Arial" panose="020B0604020202020204" pitchFamily="34" charset="0"/>
+              <a:buChar char="•"/>
+              <a:defRPr sz="1800" b="0" i="0" kern="1200">
+                <a:solidFill>
+                  <a:schemeClr val="bg1"/>
+                </a:solidFill>
+                <a:latin typeface="+mn-lt"/>
+                <a:ea typeface="+mn-ea"/>
+                <a:cs typeface="+mn-cs"/>
+              </a:defRPr>
+            </a:lvl5pPr>
+            <a:lvl6pPr marL="2514600" indent="-228600" algn="l" defTabSz="914400" rtl="0" eaLnBrk="1" latinLnBrk="0" hangingPunct="1">
+              <a:lnSpc>
+                <a:spcPct val="90000"/>
+              </a:lnSpc>
+              <a:spcBef>
+                <a:spcPts val="500"/>
+              </a:spcBef>
+              <a:buFont typeface="Arial" panose="020B0604020202020204" pitchFamily="34" charset="0"/>
+              <a:buChar char="•"/>
+              <a:defRPr sz="1800" kern="1200">
+                <a:solidFill>
+                  <a:schemeClr val="tx1"/>
+                </a:solidFill>
+                <a:latin typeface="+mn-lt"/>
+                <a:ea typeface="+mn-ea"/>
+                <a:cs typeface="+mn-cs"/>
+              </a:defRPr>
+            </a:lvl6pPr>
+            <a:lvl7pPr marL="2971800" indent="-228600" algn="l" defTabSz="914400" rtl="0" eaLnBrk="1" latinLnBrk="0" hangingPunct="1">
+              <a:lnSpc>
+                <a:spcPct val="90000"/>
+              </a:lnSpc>
+              <a:spcBef>
+                <a:spcPts val="500"/>
+              </a:spcBef>
+              <a:buFont typeface="Arial" panose="020B0604020202020204" pitchFamily="34" charset="0"/>
+              <a:buChar char="•"/>
+              <a:defRPr sz="1800" kern="1200">
+                <a:solidFill>
+                  <a:schemeClr val="tx1"/>
+                </a:solidFill>
+                <a:latin typeface="+mn-lt"/>
+                <a:ea typeface="+mn-ea"/>
+                <a:cs typeface="+mn-cs"/>
+              </a:defRPr>
+            </a:lvl7pPr>
+            <a:lvl8pPr marL="3429000" indent="-228600" algn="l" defTabSz="914400" rtl="0" eaLnBrk="1" latinLnBrk="0" hangingPunct="1">
+              <a:lnSpc>
+                <a:spcPct val="90000"/>
+              </a:lnSpc>
+              <a:spcBef>
+                <a:spcPts val="500"/>
+              </a:spcBef>
+              <a:buFont typeface="Arial" panose="020B0604020202020204" pitchFamily="34" charset="0"/>
+              <a:buChar char="•"/>
+              <a:defRPr sz="1800" kern="1200">
+                <a:solidFill>
+                  <a:schemeClr val="tx1"/>
+                </a:solidFill>
+                <a:latin typeface="+mn-lt"/>
+                <a:ea typeface="+mn-ea"/>
+                <a:cs typeface="+mn-cs"/>
+              </a:defRPr>
+            </a:lvl8pPr>
+            <a:lvl9pPr marL="3886200" indent="-228600" algn="l" defTabSz="914400" rtl="0" eaLnBrk="1" latinLnBrk="0" hangingPunct="1">
+              <a:lnSpc>
+                <a:spcPct val="90000"/>
+              </a:lnSpc>
+              <a:spcBef>
+                <a:spcPts val="500"/>
+              </a:spcBef>
+              <a:buFont typeface="Arial" panose="020B0604020202020204" pitchFamily="34" charset="0"/>
+              <a:buChar char="•"/>
+              <a:defRPr sz="1800" kern="1200">
+                <a:solidFill>
+                  <a:schemeClr val="tx1"/>
+                </a:solidFill>
+                <a:latin typeface="+mn-lt"/>
+                <a:ea typeface="+mn-ea"/>
+                <a:cs typeface="+mn-cs"/>
+              </a:defRPr>
+            </a:lvl9pPr>
+          </a:lstStyle>
+          <a:p>
+            <a:pPr marL="285750" indent="-285750">
+              <a:spcBef>
+                <a:spcPts val="600"/>
+              </a:spcBef>
+              <a:buFont typeface="Arial" panose="020B0604020202020204" pitchFamily="34" charset="0"/>
+              <a:buChar char="•"/>
+            </a:pPr>
+            <a:r>
+              <a:rPr lang="en-US" sz="1400" dirty="0"/>
+              <a:t>The chart on the left shows population vs total arrests.  The trendline shows a strong relation between population and overall arrest numbers.  </a:t>
+            </a:r>
+          </a:p>
+          <a:p>
+            <a:pPr marL="285750" indent="-285750">
+              <a:spcBef>
+                <a:spcPts val="600"/>
+              </a:spcBef>
+              <a:buFont typeface="Arial" panose="020B0604020202020204" pitchFamily="34" charset="0"/>
+              <a:buChar char="•"/>
+            </a:pPr>
+            <a:r>
+              <a:rPr lang="en-US" sz="1400" dirty="0"/>
+              <a:t>On the right, we see what happens when we adjust the population per capita.  The trendline shows us that arrest rates shift downward slightly as population grows.  This suggests an </a:t>
+            </a:r>
+            <a:r>
+              <a:rPr lang="en-US" sz="1400" b="1" dirty="0"/>
+              <a:t>Arrest Rate </a:t>
+            </a:r>
+            <a:r>
+              <a:rPr lang="en-US" sz="1400" dirty="0"/>
+              <a:t>which remains relatively steady, regardless of total population.</a:t>
+            </a:r>
+          </a:p>
+        </p:txBody>
+      </p:sp>
+      <p:pic>
+        <p:nvPicPr>
+          <p:cNvPr id="6" name="Picture 5">
+            <a:extLst>
+              <a:ext uri="{FF2B5EF4-FFF2-40B4-BE49-F238E27FC236}">
+                <a16:creationId xmlns:a16="http://schemas.microsoft.com/office/drawing/2014/main" id="{033E68A3-B110-907F-99EC-AB76DBB4DEA2}"/>
+              </a:ext>
+            </a:extLst>
+          </p:cNvPr>
+          <p:cNvPicPr>
+            <a:picLocks noChangeAspect="1"/>
+          </p:cNvPicPr>
+          <p:nvPr/>
+        </p:nvPicPr>
+        <p:blipFill rotWithShape="1">
+          <a:blip r:embed="rId3"/>
+          <a:srcRect r="-2151"/>
+          <a:stretch/>
+        </p:blipFill>
+        <p:spPr>
+          <a:xfrm>
+            <a:off x="6370513" y="1341192"/>
+            <a:ext cx="3900951" cy="4069080"/>
+          </a:xfrm>
+          <a:prstGeom prst="rect">
+            <a:avLst/>
+          </a:prstGeom>
+          <a:ln>
+            <a:solidFill>
+              <a:schemeClr val="bg1"/>
+            </a:solidFill>
+          </a:ln>
+        </p:spPr>
+      </p:pic>
+      <p:pic>
+        <p:nvPicPr>
+          <p:cNvPr id="8" name="Picture 7">
+            <a:extLst>
+              <a:ext uri="{FF2B5EF4-FFF2-40B4-BE49-F238E27FC236}">
+                <a16:creationId xmlns:a16="http://schemas.microsoft.com/office/drawing/2014/main" id="{269CB43E-E02E-3607-5C19-A61CAF8269EF}"/>
+              </a:ext>
+            </a:extLst>
+          </p:cNvPr>
+          <p:cNvPicPr>
+            <a:picLocks noChangeAspect="1"/>
+          </p:cNvPicPr>
+          <p:nvPr/>
+        </p:nvPicPr>
+        <p:blipFill rotWithShape="1">
+          <a:blip r:embed="rId4"/>
+          <a:srcRect r="-659"/>
+          <a:stretch/>
+        </p:blipFill>
+        <p:spPr>
+          <a:xfrm>
+            <a:off x="1709936" y="1333500"/>
+            <a:ext cx="4067162" cy="4069080"/>
+          </a:xfrm>
+          <a:prstGeom prst="rect">
+            <a:avLst/>
+          </a:prstGeom>
+          <a:ln>
+            <a:solidFill>
+              <a:schemeClr val="bg1"/>
+            </a:solidFill>
+          </a:ln>
+        </p:spPr>
+      </p:pic>
+    </p:spTree>
+    <p:extLst>
+      <p:ext uri="{BB962C8B-B14F-4D97-AF65-F5344CB8AC3E}">
+        <p14:creationId xmlns:p14="http://schemas.microsoft.com/office/powerpoint/2010/main" val="1836411730"/>
+      </p:ext>
+    </p:extLst>
+  </p:cSld>
+  <p:clrMapOvr>
+    <a:masterClrMapping/>
+  </p:clrMapOvr>
+</p:sld>
+</file>
+
+<file path=ppt/slides/slide16.xml><?xml version="1.0" encoding="utf-8"?>
 <p:sld xmlns:a="http://schemas.openxmlformats.org/drawingml/2006/main" xmlns:r="http://schemas.openxmlformats.org/officeDocument/2006/relationships" xmlns:p="http://schemas.openxmlformats.org/presentationml/2006/main">
   <p:cSld>
     <p:spTree>
@@ -23278,7 +25653,7 @@
 </p:sld>
 </file>
 
-<file path=ppt/slides/slide16.xml><?xml version="1.0" encoding="utf-8"?>
+<file path=ppt/slides/slide17.xml><?xml version="1.0" encoding="utf-8"?>
 <p:sld xmlns:a="http://schemas.openxmlformats.org/drawingml/2006/main" xmlns:r="http://schemas.openxmlformats.org/officeDocument/2006/relationships" xmlns:p="http://schemas.openxmlformats.org/presentationml/2006/main">
   <p:cSld>
     <p:spTree>
@@ -23410,7 +25785,7 @@
 </p:sld>
 </file>
 
-<file path=ppt/slides/slide17.xml><?xml version="1.0" encoding="utf-8"?>
+<file path=ppt/slides/slide18.xml><?xml version="1.0" encoding="utf-8"?>
 <p:sld xmlns:a="http://schemas.openxmlformats.org/drawingml/2006/main" xmlns:r="http://schemas.openxmlformats.org/officeDocument/2006/relationships" xmlns:p="http://schemas.openxmlformats.org/presentationml/2006/main">
   <p:cSld>
     <p:spTree>
@@ -23548,7 +25923,7 @@
 </p:sld>
 </file>
 
-<file path=ppt/slides/slide18.xml><?xml version="1.0" encoding="utf-8"?>
+<file path=ppt/slides/slide19.xml><?xml version="1.0" encoding="utf-8"?>
 <p:sld xmlns:a="http://schemas.openxmlformats.org/drawingml/2006/main" xmlns:r="http://schemas.openxmlformats.org/officeDocument/2006/relationships" xmlns:p="http://schemas.openxmlformats.org/presentationml/2006/main">
   <p:cSld>
     <p:spTree>
@@ -23728,12 +26103,8 @@
           <a:lstStyle/>
           <a:p>
             <a:r>
-              <a:rPr lang="en-US" b="1" dirty="0" err="1"/>
-              <a:t>PyCrimes</a:t>
-            </a:r>
-            <a:r>
               <a:rPr lang="en-US" b="1" dirty="0"/>
-              <a:t> and Misdemeanors</a:t>
+              <a:t>PyCrimes and Misdemeanors</a:t>
             </a:r>
           </a:p>
         </p:txBody>
@@ -24119,7 +26490,7 @@
         <p:spPr>
           <a:xfrm>
             <a:off x="3663042" y="4925112"/>
-            <a:ext cx="2128157" cy="789996"/>
+            <a:ext cx="2242458" cy="1551888"/>
           </a:xfrm>
         </p:spPr>
         <p:txBody>
@@ -24134,7 +26505,7 @@
             </a:pPr>
             <a:r>
               <a:rPr lang="en-US" dirty="0"/>
-              <a:t>Audience Participation (Fun)</a:t>
+              <a:t>Factoids and Trivia (Fun!)</a:t>
             </a:r>
           </a:p>
           <a:p>
@@ -24145,6 +26516,26 @@
             <a:r>
               <a:rPr lang="en-US" dirty="0"/>
               <a:t>Charts! </a:t>
+            </a:r>
+          </a:p>
+          <a:p>
+            <a:pPr marL="285750" indent="-285750">
+              <a:buFont typeface="Arial" panose="020B0604020202020204" pitchFamily="34" charset="0"/>
+              <a:buChar char="•"/>
+            </a:pPr>
+            <a:r>
+              <a:rPr lang="en-US" dirty="0"/>
+              <a:t>Maps!</a:t>
+            </a:r>
+          </a:p>
+          <a:p>
+            <a:pPr marL="285750" indent="-285750">
+              <a:buFont typeface="Arial" panose="020B0604020202020204" pitchFamily="34" charset="0"/>
+              <a:buChar char="•"/>
+            </a:pPr>
+            <a:r>
+              <a:rPr lang="en-US" dirty="0"/>
+              <a:t>Numbers!</a:t>
             </a:r>
           </a:p>
           <a:p>
@@ -27512,7 +29903,7 @@
             <a:pPr algn="ctr"/>
             <a:r>
               <a:rPr lang="en-US" dirty="0"/>
-              <a:t>2051 Arrests</a:t>
+              <a:t>2,051 Arrests</a:t>
             </a:r>
           </a:p>
         </p:txBody>
@@ -27623,7 +30014,7 @@
             <a:pPr algn="ctr"/>
             <a:r>
               <a:rPr lang="en-US" dirty="0"/>
-              <a:t>115252 Arrests</a:t>
+              <a:t>11,5252 Arrests</a:t>
             </a:r>
           </a:p>
         </p:txBody>
@@ -27734,7 +30125,7 @@
             <a:pPr algn="ctr"/>
             <a:r>
               <a:rPr lang="en-US" dirty="0"/>
-              <a:t>1676 Arrests</a:t>
+              <a:t>1,676 Arrests</a:t>
             </a:r>
           </a:p>
         </p:txBody>
@@ -27845,7 +30236,7 @@
             <a:pPr algn="ctr"/>
             <a:r>
               <a:rPr lang="en-US" dirty="0"/>
-              <a:t>18242 Arrests</a:t>
+              <a:t>18,242 Arrests</a:t>
             </a:r>
           </a:p>
         </p:txBody>
@@ -30020,7 +32411,7 @@
         </p:nvSpPr>
         <p:spPr>
           <a:xfrm>
-            <a:off x="964022" y="248677"/>
+            <a:off x="964022" y="204289"/>
             <a:ext cx="10275477" cy="725277"/>
           </a:xfrm>
         </p:spPr>
@@ -30853,13 +33244,13 @@
           </p:nvPr>
         </p:nvPicPr>
         <p:blipFill>
-          <a:blip r:embed="rId2">
+          <a:blip r:embed="rId3">
             <a:extLst>
               <a:ext uri="{28A0092B-C50C-407E-A947-70E740481C1C}">
                 <a14:useLocalDpi xmlns:a14="http://schemas.microsoft.com/office/drawing/2010/main" val="0"/>
               </a:ext>
               <a:ext uri="{96DAC541-7B7A-43D3-8B79-37D633B846F1}">
-                <asvg:svgBlip xmlns:asvg="http://schemas.microsoft.com/office/drawing/2016/SVG/main" r:embed="rId3"/>
+                <asvg:svgBlip xmlns:asvg="http://schemas.microsoft.com/office/drawing/2016/SVG/main" r:embed="rId4"/>
               </a:ext>
             </a:extLst>
           </a:blip>
@@ -30892,13 +33283,13 @@
           </p:nvPr>
         </p:nvPicPr>
         <p:blipFill>
-          <a:blip r:embed="rId4">
+          <a:blip r:embed="rId5">
             <a:extLst>
               <a:ext uri="{28A0092B-C50C-407E-A947-70E740481C1C}">
                 <a14:useLocalDpi xmlns:a14="http://schemas.microsoft.com/office/drawing/2010/main" val="0"/>
               </a:ext>
               <a:ext uri="{96DAC541-7B7A-43D3-8B79-37D633B846F1}">
-                <asvg:svgBlip xmlns:asvg="http://schemas.microsoft.com/office/drawing/2016/SVG/main" r:embed="rId5"/>
+                <asvg:svgBlip xmlns:asvg="http://schemas.microsoft.com/office/drawing/2016/SVG/main" r:embed="rId6"/>
               </a:ext>
             </a:extLst>
           </a:blip>
@@ -31709,19 +34100,22 @@
           <p:nvPr/>
         </p:nvPicPr>
         <p:blipFill>
-          <a:blip r:embed="rId2"/>
+          <a:blip r:embed="rId3"/>
           <a:stretch>
             <a:fillRect/>
           </a:stretch>
         </p:blipFill>
         <p:spPr>
           <a:xfrm>
-            <a:off x="4092982" y="1229531"/>
-            <a:ext cx="6420746" cy="5020376"/>
+            <a:off x="4563120" y="1342165"/>
+            <a:ext cx="5923973" cy="4631950"/>
           </a:xfrm>
           <a:prstGeom prst="rect">
             <a:avLst/>
           </a:prstGeom>
+          <a:solidFill>
+            <a:schemeClr val="bg1"/>
+          </a:solidFill>
         </p:spPr>
       </p:pic>
       <p:sp>
@@ -31853,8 +34247,8 @@
         </p:nvSpPr>
         <p:spPr>
           <a:xfrm>
-            <a:off x="919594" y="1499216"/>
-            <a:ext cx="2960278" cy="4262391"/>
+            <a:off x="952500" y="1499216"/>
+            <a:ext cx="3352800" cy="4262391"/>
           </a:xfrm>
           <a:prstGeom prst="rect">
             <a:avLst/>
@@ -32027,7 +34421,7 @@
             </a:lvl9pPr>
           </a:lstStyle>
           <a:p>
-            <a:pPr>
+            <a:pPr algn="just">
               <a:lnSpc>
                 <a:spcPct val="100000"/>
               </a:lnSpc>
@@ -32036,12 +34430,27 @@
               </a:spcBef>
             </a:pPr>
             <a:r>
-              <a:rPr lang="en-US" sz="1200" dirty="0"/>
-              <a:t>Our findings show a steady and significant downward trend in reported property crime arrests over the subject time frame. </a:t>
-            </a:r>
-          </a:p>
-          <a:p>
-            <a:pPr>
+              <a:rPr lang="en-US" sz="1400" dirty="0"/>
+              <a:t>One of our first findings was a significant and steady downward trend in reported property crime arrests.</a:t>
+            </a:r>
+          </a:p>
+          <a:p>
+            <a:pPr marL="0" indent="0" algn="just">
+              <a:lnSpc>
+                <a:spcPct val="100000"/>
+              </a:lnSpc>
+              <a:spcBef>
+                <a:spcPts val="0"/>
+              </a:spcBef>
+              <a:buNone/>
+            </a:pPr>
+            <a:r>
+              <a:rPr lang="en-US" sz="1400" dirty="0"/>
+              <a:t> </a:t>
+            </a:r>
+          </a:p>
+          <a:p>
+            <a:pPr algn="just">
               <a:lnSpc>
                 <a:spcPct val="100000"/>
               </a:lnSpc>
@@ -32050,12 +34459,20 @@
               </a:spcBef>
             </a:pPr>
             <a:r>
-              <a:rPr lang="en-US" sz="1200" dirty="0"/>
-              <a:t>Property Crime tracked by this data:</a:t>
-            </a:r>
-          </a:p>
-          <a:p>
-            <a:pPr lvl="1">
+              <a:rPr lang="en-US" sz="1400" dirty="0"/>
+              <a:t>The numbers shown here are an aggregate of arrests across all states, for all offenses classified by the FBI as </a:t>
+            </a:r>
+            <a:r>
+              <a:rPr lang="en-US" sz="1400" b="1" i="1" dirty="0"/>
+              <a:t>Property Crimes</a:t>
+            </a:r>
+            <a:r>
+              <a:rPr lang="en-US" sz="1400" dirty="0"/>
+              <a:t>, which are:</a:t>
+            </a:r>
+          </a:p>
+          <a:p>
+            <a:pPr lvl="1" algn="just">
               <a:lnSpc>
                 <a:spcPct val="100000"/>
               </a:lnSpc>
@@ -32064,12 +34481,12 @@
               </a:spcBef>
             </a:pPr>
             <a:r>
-              <a:rPr lang="en-US" sz="1200" dirty="0"/>
+              <a:rPr lang="en-US" sz="1400" dirty="0"/>
               <a:t>Arson</a:t>
             </a:r>
           </a:p>
           <a:p>
-            <a:pPr lvl="1">
+            <a:pPr lvl="1" algn="just">
               <a:lnSpc>
                 <a:spcPct val="100000"/>
               </a:lnSpc>
@@ -32078,12 +34495,12 @@
               </a:spcBef>
             </a:pPr>
             <a:r>
-              <a:rPr lang="en-US" sz="1200" dirty="0"/>
-              <a:t>Larceny</a:t>
-            </a:r>
-          </a:p>
-          <a:p>
-            <a:pPr lvl="1">
+              <a:rPr lang="en-US" sz="1400" dirty="0"/>
+              <a:t>Larceny – Theft</a:t>
+            </a:r>
+          </a:p>
+          <a:p>
+            <a:pPr lvl="1" algn="just">
               <a:lnSpc>
                 <a:spcPct val="100000"/>
               </a:lnSpc>
@@ -32092,12 +34509,12 @@
               </a:spcBef>
             </a:pPr>
             <a:r>
-              <a:rPr lang="en-US" sz="1200" dirty="0"/>
+              <a:rPr lang="en-US" sz="1400" dirty="0"/>
               <a:t>Vehicle Theft</a:t>
             </a:r>
           </a:p>
           <a:p>
-            <a:pPr lvl="1">
+            <a:pPr lvl="1" algn="just">
               <a:lnSpc>
                 <a:spcPct val="100000"/>
               </a:lnSpc>
@@ -32106,12 +34523,12 @@
               </a:spcBef>
             </a:pPr>
             <a:r>
-              <a:rPr lang="en-US" sz="1200" dirty="0"/>
+              <a:rPr lang="en-US" sz="1400" dirty="0"/>
               <a:t>Burglary</a:t>
             </a:r>
           </a:p>
           <a:p>
-            <a:pPr lvl="1">
+            <a:pPr lvl="1" algn="just">
               <a:lnSpc>
                 <a:spcPct val="100000"/>
               </a:lnSpc>
@@ -32120,12 +34537,12 @@
               </a:spcBef>
             </a:pPr>
             <a:r>
-              <a:rPr lang="en-US" sz="1200" dirty="0"/>
+              <a:rPr lang="en-US" sz="1400" dirty="0"/>
               <a:t>Embezzlement</a:t>
             </a:r>
           </a:p>
           <a:p>
-            <a:pPr lvl="1">
+            <a:pPr lvl="1" algn="just">
               <a:lnSpc>
                 <a:spcPct val="100000"/>
               </a:lnSpc>
@@ -32134,12 +34551,12 @@
               </a:spcBef>
             </a:pPr>
             <a:r>
-              <a:rPr lang="en-US" sz="1200" dirty="0"/>
+              <a:rPr lang="en-US" sz="1400" dirty="0"/>
               <a:t>Forgery &amp; Counterfeiting</a:t>
             </a:r>
           </a:p>
           <a:p>
-            <a:pPr lvl="1">
+            <a:pPr lvl="1" algn="just">
               <a:lnSpc>
                 <a:spcPct val="100000"/>
               </a:lnSpc>
@@ -32148,12 +34565,12 @@
               </a:spcBef>
             </a:pPr>
             <a:r>
-              <a:rPr lang="en-US" sz="1200" dirty="0"/>
+              <a:rPr lang="en-US" sz="1400" dirty="0"/>
               <a:t>Fraud</a:t>
             </a:r>
           </a:p>
           <a:p>
-            <a:pPr lvl="1">
+            <a:pPr lvl="1" algn="just">
               <a:lnSpc>
                 <a:spcPct val="100000"/>
               </a:lnSpc>
@@ -32162,12 +34579,12 @@
               </a:spcBef>
             </a:pPr>
             <a:r>
-              <a:rPr lang="en-US" sz="1200" dirty="0"/>
+              <a:rPr lang="en-US" sz="1400" dirty="0"/>
               <a:t>Vandalism</a:t>
             </a:r>
           </a:p>
           <a:p>
-            <a:pPr lvl="1">
+            <a:pPr lvl="1" algn="just">
               <a:lnSpc>
                 <a:spcPct val="100000"/>
               </a:lnSpc>
@@ -32176,12 +34593,12 @@
               </a:spcBef>
             </a:pPr>
             <a:r>
-              <a:rPr lang="en-US" sz="1200" dirty="0"/>
+              <a:rPr lang="en-US" sz="1400" dirty="0"/>
               <a:t>Dealing in Stolen Property</a:t>
             </a:r>
           </a:p>
           <a:p>
-            <a:pPr>
+            <a:pPr algn="just">
               <a:lnSpc>
                 <a:spcPct val="100000"/>
               </a:lnSpc>
@@ -32189,10 +34606,10 @@
                 <a:spcPts val="0"/>
               </a:spcBef>
             </a:pPr>
-            <a:endParaRPr lang="en-US" sz="1200" dirty="0"/>
-          </a:p>
-          <a:p>
-            <a:pPr>
+            <a:endParaRPr lang="en-US" sz="1400" dirty="0"/>
+          </a:p>
+          <a:p>
+            <a:pPr algn="just">
               <a:lnSpc>
                 <a:spcPct val="100000"/>
               </a:lnSpc>
@@ -32200,10 +34617,10 @@
                 <a:spcPts val="0"/>
               </a:spcBef>
             </a:pPr>
-            <a:endParaRPr lang="en-US" sz="1200" dirty="0"/>
-          </a:p>
-          <a:p>
-            <a:pPr>
+            <a:endParaRPr lang="en-US" sz="1400" dirty="0"/>
+          </a:p>
+          <a:p>
+            <a:pPr algn="just">
               <a:lnSpc>
                 <a:spcPct val="100000"/>
               </a:lnSpc>
@@ -32211,7 +34628,7 @@
                 <a:spcPts val="0"/>
               </a:spcBef>
             </a:pPr>
-            <a:endParaRPr lang="en-US" sz="1200" dirty="0"/>
+            <a:endParaRPr lang="en-US" sz="1400" dirty="0"/>
           </a:p>
         </p:txBody>
       </p:sp>
@@ -32344,7 +34761,7 @@
         </p:spPr>
         <p:txBody>
           <a:bodyPr vert="horz" lIns="91440" tIns="45720" rIns="91440" bIns="45720" rtlCol="0">
-            <a:normAutofit/>
+            <a:normAutofit fontScale="92500" lnSpcReduction="10000"/>
           </a:bodyPr>
           <a:lstStyle>
             <a:lvl1pPr marL="0" indent="0" algn="l" defTabSz="914400" rtl="0" eaLnBrk="1" latinLnBrk="0" hangingPunct="1">
@@ -32517,7 +34934,7 @@
             </a:pPr>
             <a:r>
               <a:rPr lang="en-US" dirty="0"/>
-              <a:t>These charts show that the number of agencies reporting to the Crime Data Tracker and the number of law enforcement personnel remained relatively stable throughout the subject period.</a:t>
+              <a:t>These charts show that the number of agencies reporting to the Crime Data Explorer and the number of law enforcement personnel remained relatively stable throughout the subject period.</a:t>
             </a:r>
           </a:p>
           <a:p>
@@ -32527,7 +34944,7 @@
             </a:pPr>
             <a:r>
               <a:rPr lang="en-US" dirty="0"/>
-              <a:t>This provides added context to our overall arrest data, which shows a steady downward trend.  </a:t>
+              <a:t>This provides added context to our overall arrest data, which shows a steady downward trend.  If these charts showed drops in reporting agencies or in law enforcement officers, those could be possible outside factors that influenced the drop in reported arrests, but that does not appear to be the case.</a:t>
             </a:r>
           </a:p>
         </p:txBody>
@@ -32547,7 +34964,7 @@
           <p:nvPr/>
         </p:nvPicPr>
         <p:blipFill>
-          <a:blip r:embed="rId2"/>
+          <a:blip r:embed="rId3"/>
           <a:stretch>
             <a:fillRect/>
           </a:stretch>
@@ -32582,7 +34999,7 @@
           <p:nvPr/>
         </p:nvPicPr>
         <p:blipFill>
-          <a:blip r:embed="rId3"/>
+          <a:blip r:embed="rId4"/>
           <a:stretch>
             <a:fillRect/>
           </a:stretch>
@@ -33407,15 +35824,6 @@
 </file>
 
 <file path=customXml/item1.xml><?xml version="1.0" encoding="utf-8"?>
-<?mso-contentType ?>
-<FormTemplates xmlns="http://schemas.microsoft.com/sharepoint/v3/contenttype/forms">
-  <Display>DocumentLibraryForm</Display>
-  <Edit>DocumentLibraryForm</Edit>
-  <New>DocumentLibraryForm</New>
-</FormTemplates>
-</file>
-
-<file path=customXml/item2.xml><?xml version="1.0" encoding="utf-8"?>
 <ct:contentTypeSchema xmlns:ct="http://schemas.microsoft.com/office/2006/metadata/contentType" xmlns:ma="http://schemas.microsoft.com/office/2006/metadata/properties/metaAttributes" ct:_="" ma:_="" ma:contentTypeName="Document" ma:contentTypeID="0x01010079F111ED35F8CC479449609E8A0923A6" ma:contentTypeVersion="28" ma:contentTypeDescription="Create a new document." ma:contentTypeScope="" ma:versionID="60f5a4f2d2b0abadcf532d48ebf9cb71">
   <xsd:schema xmlns:xsd="http://www.w3.org/2001/XMLSchema" xmlns:xs="http://www.w3.org/2001/XMLSchema" xmlns:p="http://schemas.microsoft.com/office/2006/metadata/properties" xmlns:ns1="http://schemas.microsoft.com/sharepoint/v3" xmlns:ns2="71af3243-3dd4-4a8d-8c0d-dd76da1f02a5" xmlns:ns3="16c05727-aa75-4e4a-9b5f-8a80a1165891" xmlns:ns4="230e9df3-be65-4c73-a93b-d1236ebd677e" targetNamespace="http://schemas.microsoft.com/office/2006/metadata/properties" ma:root="true" ma:fieldsID="7dd78129e6a1811f84807ad11c651531" ns1:_="" ns2:_="" ns3:_="" ns4:_="">
     <xsd:import namespace="http://schemas.microsoft.com/sharepoint/v3"/>
@@ -33727,6 +36135,15 @@
 </ct:contentTypeSchema>
 </file>
 
+<file path=customXml/item2.xml><?xml version="1.0" encoding="utf-8"?>
+<?mso-contentType ?>
+<FormTemplates xmlns="http://schemas.microsoft.com/sharepoint/v3/contenttype/forms">
+  <Display>DocumentLibraryForm</Display>
+  <Edit>DocumentLibraryForm</Edit>
+  <New>DocumentLibraryForm</New>
+</FormTemplates>
+</file>
+
 <file path=customXml/item3.xml><?xml version="1.0" encoding="utf-8"?>
 <p:properties xmlns:p="http://schemas.microsoft.com/office/2006/metadata/properties" xmlns:xsi="http://www.w3.org/2001/XMLSchema-instance" xmlns:pc="http://schemas.microsoft.com/office/infopath/2007/PartnerControls">
   <documentManagement>
@@ -33748,14 +36165,6 @@
 </file>
 
 <file path=customXml/itemProps1.xml><?xml version="1.0" encoding="utf-8"?>
-<ds:datastoreItem xmlns:ds="http://schemas.openxmlformats.org/officeDocument/2006/customXml" ds:itemID="{D5B334C4-64A2-4673-803C-35178659DDD3}">
-  <ds:schemaRefs>
-    <ds:schemaRef ds:uri="http://schemas.microsoft.com/sharepoint/v3/contenttype/forms"/>
-  </ds:schemaRefs>
-</ds:datastoreItem>
-</file>
-
-<file path=customXml/itemProps2.xml><?xml version="1.0" encoding="utf-8"?>
 <ds:datastoreItem xmlns:ds="http://schemas.openxmlformats.org/officeDocument/2006/customXml" ds:itemID="{981AF751-E016-414F-92E5-F2DC739E07D5}">
   <ds:schemaRefs>
     <ds:schemaRef ds:uri="http://schemas.microsoft.com/office/2006/metadata/contentType"/>
@@ -33776,6 +36185,14 @@
 </ds:datastoreItem>
 </file>
 
+<file path=customXml/itemProps2.xml><?xml version="1.0" encoding="utf-8"?>
+<ds:datastoreItem xmlns:ds="http://schemas.openxmlformats.org/officeDocument/2006/customXml" ds:itemID="{D5B334C4-64A2-4673-803C-35178659DDD3}">
+  <ds:schemaRefs>
+    <ds:schemaRef ds:uri="http://schemas.microsoft.com/sharepoint/v3/contenttype/forms"/>
+  </ds:schemaRefs>
+</ds:datastoreItem>
+</file>
+
 <file path=customXml/itemProps3.xml><?xml version="1.0" encoding="utf-8"?>
 <ds:datastoreItem xmlns:ds="http://schemas.openxmlformats.org/officeDocument/2006/customXml" ds:itemID="{3593354B-8927-46EE-B294-4D51952A09C2}">
   <ds:schemaRefs>

--- a/PyCrimes_Final/PyCrimes_Presentation.pptx
+++ b/PyCrimes_Final/PyCrimes_Presentation.pptx
@@ -24863,8 +24863,8 @@
         </p:nvSpPr>
         <p:spPr>
           <a:xfrm>
-            <a:off x="937350" y="5524500"/>
-            <a:ext cx="10319906" cy="885178"/>
+            <a:off x="937350" y="5524499"/>
+            <a:ext cx="10319906" cy="947321"/>
           </a:xfrm>
           <a:prstGeom prst="rect">
             <a:avLst/>
@@ -24872,7 +24872,7 @@
         </p:spPr>
         <p:txBody>
           <a:bodyPr vert="horz" lIns="91440" tIns="45720" rIns="91440" bIns="45720" rtlCol="0">
-            <a:normAutofit fontScale="92500"/>
+            <a:normAutofit fontScale="92500" lnSpcReduction="20000"/>
           </a:bodyPr>
           <a:lstStyle>
             <a:lvl1pPr marL="0" indent="0" algn="l" defTabSz="914400" rtl="0" eaLnBrk="1" latinLnBrk="0" hangingPunct="1">
@@ -25048,7 +25048,7 @@
             </a:pPr>
             <a:r>
               <a:rPr lang="en-US" sz="1400" dirty="0"/>
-              <a:t>The chart on the left illustrates the relationship between total number of law enforcement officers and total arrests in each state, each year.  What it shows is that as population grows, so do overall arrests.</a:t>
+              <a:t>The chart on the left illustrates the relationship between total number of law enforcement officers and total arrests in each state, each year.  What it shows is that as the number of law enforcement officials grows, so do overall arrests. Since they are both linked to population, that make sense.</a:t>
             </a:r>
           </a:p>
           <a:p>
@@ -35824,6 +35824,15 @@
 </file>
 
 <file path=customXml/item1.xml><?xml version="1.0" encoding="utf-8"?>
+<?mso-contentType ?>
+<FormTemplates xmlns="http://schemas.microsoft.com/sharepoint/v3/contenttype/forms">
+  <Display>DocumentLibraryForm</Display>
+  <Edit>DocumentLibraryForm</Edit>
+  <New>DocumentLibraryForm</New>
+</FormTemplates>
+</file>
+
+<file path=customXml/item2.xml><?xml version="1.0" encoding="utf-8"?>
 <ct:contentTypeSchema xmlns:ct="http://schemas.microsoft.com/office/2006/metadata/contentType" xmlns:ma="http://schemas.microsoft.com/office/2006/metadata/properties/metaAttributes" ct:_="" ma:_="" ma:contentTypeName="Document" ma:contentTypeID="0x01010079F111ED35F8CC479449609E8A0923A6" ma:contentTypeVersion="28" ma:contentTypeDescription="Create a new document." ma:contentTypeScope="" ma:versionID="60f5a4f2d2b0abadcf532d48ebf9cb71">
   <xsd:schema xmlns:xsd="http://www.w3.org/2001/XMLSchema" xmlns:xs="http://www.w3.org/2001/XMLSchema" xmlns:p="http://schemas.microsoft.com/office/2006/metadata/properties" xmlns:ns1="http://schemas.microsoft.com/sharepoint/v3" xmlns:ns2="71af3243-3dd4-4a8d-8c0d-dd76da1f02a5" xmlns:ns3="16c05727-aa75-4e4a-9b5f-8a80a1165891" xmlns:ns4="230e9df3-be65-4c73-a93b-d1236ebd677e" targetNamespace="http://schemas.microsoft.com/office/2006/metadata/properties" ma:root="true" ma:fieldsID="7dd78129e6a1811f84807ad11c651531" ns1:_="" ns2:_="" ns3:_="" ns4:_="">
     <xsd:import namespace="http://schemas.microsoft.com/sharepoint/v3"/>
@@ -36135,15 +36144,6 @@
 </ct:contentTypeSchema>
 </file>
 
-<file path=customXml/item2.xml><?xml version="1.0" encoding="utf-8"?>
-<?mso-contentType ?>
-<FormTemplates xmlns="http://schemas.microsoft.com/sharepoint/v3/contenttype/forms">
-  <Display>DocumentLibraryForm</Display>
-  <Edit>DocumentLibraryForm</Edit>
-  <New>DocumentLibraryForm</New>
-</FormTemplates>
-</file>
-
 <file path=customXml/item3.xml><?xml version="1.0" encoding="utf-8"?>
 <p:properties xmlns:p="http://schemas.microsoft.com/office/2006/metadata/properties" xmlns:xsi="http://www.w3.org/2001/XMLSchema-instance" xmlns:pc="http://schemas.microsoft.com/office/infopath/2007/PartnerControls">
   <documentManagement>
@@ -36165,6 +36165,14 @@
 </file>
 
 <file path=customXml/itemProps1.xml><?xml version="1.0" encoding="utf-8"?>
+<ds:datastoreItem xmlns:ds="http://schemas.openxmlformats.org/officeDocument/2006/customXml" ds:itemID="{D5B334C4-64A2-4673-803C-35178659DDD3}">
+  <ds:schemaRefs>
+    <ds:schemaRef ds:uri="http://schemas.microsoft.com/sharepoint/v3/contenttype/forms"/>
+  </ds:schemaRefs>
+</ds:datastoreItem>
+</file>
+
+<file path=customXml/itemProps2.xml><?xml version="1.0" encoding="utf-8"?>
 <ds:datastoreItem xmlns:ds="http://schemas.openxmlformats.org/officeDocument/2006/customXml" ds:itemID="{981AF751-E016-414F-92E5-F2DC739E07D5}">
   <ds:schemaRefs>
     <ds:schemaRef ds:uri="http://schemas.microsoft.com/office/2006/metadata/contentType"/>
@@ -36185,22 +36193,21 @@
 </ds:datastoreItem>
 </file>
 
-<file path=customXml/itemProps2.xml><?xml version="1.0" encoding="utf-8"?>
-<ds:datastoreItem xmlns:ds="http://schemas.openxmlformats.org/officeDocument/2006/customXml" ds:itemID="{D5B334C4-64A2-4673-803C-35178659DDD3}">
-  <ds:schemaRefs>
-    <ds:schemaRef ds:uri="http://schemas.microsoft.com/sharepoint/v3/contenttype/forms"/>
-  </ds:schemaRefs>
-</ds:datastoreItem>
-</file>
-
 <file path=customXml/itemProps3.xml><?xml version="1.0" encoding="utf-8"?>
 <ds:datastoreItem xmlns:ds="http://schemas.openxmlformats.org/officeDocument/2006/customXml" ds:itemID="{3593354B-8927-46EE-B294-4D51952A09C2}">
   <ds:schemaRefs>
+    <ds:schemaRef ds:uri="16c05727-aa75-4e4a-9b5f-8a80a1165891"/>
+    <ds:schemaRef ds:uri="http://purl.org/dc/elements/1.1/"/>
+    <ds:schemaRef ds:uri="http://schemas.openxmlformats.org/package/2006/metadata/core-properties"/>
+    <ds:schemaRef ds:uri="http://schemas.microsoft.com/office/2006/documentManagement/types"/>
+    <ds:schemaRef ds:uri="http://schemas.microsoft.com/sharepoint/v3"/>
+    <ds:schemaRef ds:uri="http://purl.org/dc/dcmitype/"/>
+    <ds:schemaRef ds:uri="http://www.w3.org/XML/1998/namespace"/>
+    <ds:schemaRef ds:uri="230e9df3-be65-4c73-a93b-d1236ebd677e"/>
+    <ds:schemaRef ds:uri="http://schemas.microsoft.com/office/infopath/2007/PartnerControls"/>
+    <ds:schemaRef ds:uri="71af3243-3dd4-4a8d-8c0d-dd76da1f02a5"/>
     <ds:schemaRef ds:uri="http://schemas.microsoft.com/office/2006/metadata/properties"/>
-    <ds:schemaRef ds:uri="http://schemas.microsoft.com/office/infopath/2007/PartnerControls"/>
-    <ds:schemaRef ds:uri="http://schemas.microsoft.com/sharepoint/v3"/>
-    <ds:schemaRef ds:uri="71af3243-3dd4-4a8d-8c0d-dd76da1f02a5"/>
-    <ds:schemaRef ds:uri="230e9df3-be65-4c73-a93b-d1236ebd677e"/>
+    <ds:schemaRef ds:uri="http://purl.org/dc/terms/"/>
   </ds:schemaRefs>
 </ds:datastoreItem>
 </file>

--- a/PyCrimes_Final/PyCrimes_Presentation.pptx
+++ b/PyCrimes_Final/PyCrimes_Presentation.pptx
@@ -3540,14 +3540,14 @@
                 <a:spcPts val="0"/>
               </a:spcAft>
               <a:buFont typeface="Arial" panose="020B0604020202020204" pitchFamily="34" charset="0"/>
-              <a:buChar char="•"/>
+              <a:buNone/>
             </a:pPr>
             <a:r>
               <a:rPr lang="en-US" sz="1800" dirty="0">
                 <a:effectLst/>
                 <a:latin typeface="Calibri" panose="020F0502020204030204" pitchFamily="34" charset="0"/>
               </a:rPr>
-              <a:t>Arrest Data, Law Enforcement Employee data, and reporting agency data was all pulled via API from the FBI's Crime Data Explorer</a:t>
+              <a:t>- Arrest Data, Law Enforcement Employee data, and reporting agency data was all pulled via API from the FBI's Crime Data Explorer</a:t>
             </a:r>
           </a:p>
           <a:p>
@@ -3559,14 +3559,33 @@
                 <a:spcPts val="0"/>
               </a:spcAft>
               <a:buFont typeface="Arial" panose="020B0604020202020204" pitchFamily="34" charset="0"/>
-              <a:buChar char="•"/>
+              <a:buNone/>
             </a:pPr>
             <a:r>
               <a:rPr lang="en-US" sz="1800" dirty="0">
                 <a:effectLst/>
                 <a:latin typeface="Calibri" panose="020F0502020204030204" pitchFamily="34" charset="0"/>
               </a:rPr>
-              <a:t>Population data was pulled from the Census Bureau and imported to our workbooks via CSV.</a:t>
+              <a:t>- Laura found the population data through the Census Bureau, she cleaned and normalized our arrest data from it,</a:t>
+            </a:r>
+          </a:p>
+          <a:p>
+            <a:pPr rtl="0" fontAlgn="ctr">
+              <a:spcBef>
+                <a:spcPts val="0"/>
+              </a:spcBef>
+              <a:spcAft>
+                <a:spcPts val="0"/>
+              </a:spcAft>
+              <a:buFont typeface="Arial" panose="020B0604020202020204" pitchFamily="34" charset="0"/>
+              <a:buNone/>
+            </a:pPr>
+            <a:r>
+              <a:rPr lang="en-US" sz="1800" dirty="0">
+                <a:effectLst/>
+                <a:latin typeface="Calibri" panose="020F0502020204030204" pitchFamily="34" charset="0"/>
+              </a:rPr>
+              <a:t>- We were able to import her numbers via CSV to our workbooks. </a:t>
             </a:r>
           </a:p>
           <a:p>
@@ -25574,6 +25593,40 @@
       </p:grpSpPr>
       <p:sp>
         <p:nvSpPr>
+          <p:cNvPr id="3" name="TextBox 2">
+            <a:extLst>
+              <a:ext uri="{FF2B5EF4-FFF2-40B4-BE49-F238E27FC236}">
+                <a16:creationId xmlns:a16="http://schemas.microsoft.com/office/drawing/2014/main" id="{6CD0C99D-3F5B-9D3D-96EE-9BC41306C6AA}"/>
+              </a:ext>
+            </a:extLst>
+          </p:cNvPr>
+          <p:cNvSpPr txBox="1"/>
+          <p:nvPr/>
+        </p:nvSpPr>
+        <p:spPr>
+          <a:xfrm>
+            <a:off x="10386874" y="1091953"/>
+            <a:ext cx="1805126" cy="2966807"/>
+          </a:xfrm>
+          <a:prstGeom prst="rect">
+            <a:avLst/>
+          </a:prstGeom>
+          <a:solidFill>
+            <a:schemeClr val="tx1"/>
+          </a:solidFill>
+        </p:spPr>
+        <p:txBody>
+          <a:bodyPr wrap="square" rtlCol="0">
+            <a:spAutoFit/>
+          </a:bodyPr>
+          <a:lstStyle/>
+          <a:p>
+            <a:endParaRPr lang="en-US" dirty="0"/>
+          </a:p>
+        </p:txBody>
+      </p:sp>
+      <p:sp>
+        <p:nvSpPr>
           <p:cNvPr id="9" name="Title 2">
             <a:extLst>
               <a:ext uri="{FF2B5EF4-FFF2-40B4-BE49-F238E27FC236}">
@@ -25632,7 +25685,7 @@
         </p:blipFill>
         <p:spPr>
           <a:xfrm>
-            <a:off x="1805290" y="1343071"/>
+            <a:off x="2370779" y="1343070"/>
             <a:ext cx="8581419" cy="5100691"/>
           </a:xfrm>
           <a:prstGeom prst="rect">
@@ -25640,6 +25693,51 @@
           </a:prstGeom>
         </p:spPr>
       </p:pic>
+      <p:sp>
+        <p:nvSpPr>
+          <p:cNvPr id="2" name="TextBox 1">
+            <a:extLst>
+              <a:ext uri="{FF2B5EF4-FFF2-40B4-BE49-F238E27FC236}">
+                <a16:creationId xmlns:a16="http://schemas.microsoft.com/office/drawing/2014/main" id="{9FCF494F-41F4-59CE-AC4F-B0A186906D5D}"/>
+              </a:ext>
+            </a:extLst>
+          </p:cNvPr>
+          <p:cNvSpPr txBox="1"/>
+          <p:nvPr/>
+        </p:nvSpPr>
+        <p:spPr>
+          <a:xfrm>
+            <a:off x="144380" y="2939309"/>
+            <a:ext cx="1949115" cy="954107"/>
+          </a:xfrm>
+          <a:prstGeom prst="rect">
+            <a:avLst/>
+          </a:prstGeom>
+          <a:noFill/>
+          <a:ln>
+            <a:solidFill>
+              <a:schemeClr val="bg1"/>
+            </a:solidFill>
+          </a:ln>
+        </p:spPr>
+        <p:txBody>
+          <a:bodyPr wrap="square" rtlCol="0">
+            <a:spAutoFit/>
+          </a:bodyPr>
+          <a:lstStyle/>
+          <a:p>
+            <a:pPr algn="just"/>
+            <a:r>
+              <a:rPr lang="en-US" sz="1400" dirty="0">
+                <a:solidFill>
+                  <a:schemeClr val="bg1"/>
+                </a:solidFill>
+              </a:rPr>
+              <a:t>Each dot on the vertical axis represents a year’s worth of data for that specific state.</a:t>
+            </a:r>
+          </a:p>
+        </p:txBody>
+      </p:sp>
     </p:spTree>
     <p:extLst>
       <p:ext uri="{BB962C8B-B14F-4D97-AF65-F5344CB8AC3E}">
@@ -25764,14 +25862,59 @@
         </p:blipFill>
         <p:spPr>
           <a:xfrm>
-            <a:off x="1211871" y="1322773"/>
-            <a:ext cx="9768257" cy="4825384"/>
+            <a:off x="2246585" y="1461216"/>
+            <a:ext cx="9609737" cy="4747077"/>
           </a:xfrm>
           <a:prstGeom prst="rect">
             <a:avLst/>
           </a:prstGeom>
         </p:spPr>
       </p:pic>
+      <p:sp>
+        <p:nvSpPr>
+          <p:cNvPr id="2" name="TextBox 1">
+            <a:extLst>
+              <a:ext uri="{FF2B5EF4-FFF2-40B4-BE49-F238E27FC236}">
+                <a16:creationId xmlns:a16="http://schemas.microsoft.com/office/drawing/2014/main" id="{336EC195-6802-9AC5-CEB0-7216C3DC046E}"/>
+              </a:ext>
+            </a:extLst>
+          </p:cNvPr>
+          <p:cNvSpPr txBox="1"/>
+          <p:nvPr/>
+        </p:nvSpPr>
+        <p:spPr>
+          <a:xfrm>
+            <a:off x="156414" y="2951946"/>
+            <a:ext cx="1949115" cy="954107"/>
+          </a:xfrm>
+          <a:prstGeom prst="rect">
+            <a:avLst/>
+          </a:prstGeom>
+          <a:noFill/>
+          <a:ln>
+            <a:solidFill>
+              <a:schemeClr val="bg1"/>
+            </a:solidFill>
+          </a:ln>
+        </p:spPr>
+        <p:txBody>
+          <a:bodyPr wrap="square" rtlCol="0">
+            <a:spAutoFit/>
+          </a:bodyPr>
+          <a:lstStyle/>
+          <a:p>
+            <a:pPr algn="just"/>
+            <a:r>
+              <a:rPr lang="en-US" sz="1400" dirty="0">
+                <a:solidFill>
+                  <a:schemeClr val="bg1"/>
+                </a:solidFill>
+              </a:rPr>
+              <a:t>Each dot on the vertical axis represents a year’s worth of data for that specific state.</a:t>
+            </a:r>
+          </a:p>
+        </p:txBody>
+      </p:sp>
     </p:spTree>
     <p:extLst>
       <p:ext uri="{BB962C8B-B14F-4D97-AF65-F5344CB8AC3E}">
@@ -26032,7 +26175,7 @@
         <p:spPr>
           <a:xfrm>
             <a:off x="6896100" y="3591098"/>
-            <a:ext cx="4903377" cy="1506973"/>
+            <a:ext cx="4903377" cy="2196091"/>
           </a:xfrm>
         </p:spPr>
         <p:txBody>
@@ -26072,7 +26215,10 @@
             </a:r>
           </a:p>
           <a:p>
-            <a:endParaRPr lang="en-US" dirty="0"/>
+            <a:r>
+              <a:rPr lang="en-US" dirty="0"/>
+              <a:t>Christian Corona</a:t>
+            </a:r>
           </a:p>
         </p:txBody>
       </p:sp>
@@ -28900,7 +29046,7 @@
             </a:pPr>
             <a:r>
               <a:rPr lang="en-US" dirty="0"/>
-              <a:t>Found common denominators in population and law .enforcement rosters.</a:t>
+              <a:t>Found common denominators in population and law enforcement rosters.</a:t>
             </a:r>
           </a:p>
           <a:p>
@@ -36196,18 +36342,18 @@
 <file path=customXml/itemProps3.xml><?xml version="1.0" encoding="utf-8"?>
 <ds:datastoreItem xmlns:ds="http://schemas.openxmlformats.org/officeDocument/2006/customXml" ds:itemID="{3593354B-8927-46EE-B294-4D51952A09C2}">
   <ds:schemaRefs>
-    <ds:schemaRef ds:uri="16c05727-aa75-4e4a-9b5f-8a80a1165891"/>
+    <ds:schemaRef ds:uri="71af3243-3dd4-4a8d-8c0d-dd76da1f02a5"/>
+    <ds:schemaRef ds:uri="http://purl.org/dc/terms/"/>
     <ds:schemaRef ds:uri="http://purl.org/dc/elements/1.1/"/>
+    <ds:schemaRef ds:uri="http://www.w3.org/XML/1998/namespace"/>
+    <ds:schemaRef ds:uri="http://schemas.microsoft.com/sharepoint/v3"/>
+    <ds:schemaRef ds:uri="http://purl.org/dc/dcmitype/"/>
+    <ds:schemaRef ds:uri="http://schemas.microsoft.com/office/infopath/2007/PartnerControls"/>
     <ds:schemaRef ds:uri="http://schemas.openxmlformats.org/package/2006/metadata/core-properties"/>
     <ds:schemaRef ds:uri="http://schemas.microsoft.com/office/2006/documentManagement/types"/>
-    <ds:schemaRef ds:uri="http://schemas.microsoft.com/sharepoint/v3"/>
-    <ds:schemaRef ds:uri="http://purl.org/dc/dcmitype/"/>
-    <ds:schemaRef ds:uri="http://www.w3.org/XML/1998/namespace"/>
     <ds:schemaRef ds:uri="230e9df3-be65-4c73-a93b-d1236ebd677e"/>
-    <ds:schemaRef ds:uri="http://schemas.microsoft.com/office/infopath/2007/PartnerControls"/>
-    <ds:schemaRef ds:uri="71af3243-3dd4-4a8d-8c0d-dd76da1f02a5"/>
+    <ds:schemaRef ds:uri="16c05727-aa75-4e4a-9b5f-8a80a1165891"/>
     <ds:schemaRef ds:uri="http://schemas.microsoft.com/office/2006/metadata/properties"/>
-    <ds:schemaRef ds:uri="http://purl.org/dc/terms/"/>
   </ds:schemaRefs>
 </ds:datastoreItem>
 </file>

--- a/PyCrimes_Final/PyCrimes_Presentation.pptx
+++ b/PyCrimes_Final/PyCrimes_Presentation.pptx
@@ -4105,7 +4105,7 @@
                 <a:effectLst/>
                 <a:latin typeface="Calibri" panose="020F0502020204030204" pitchFamily="34" charset="0"/>
               </a:rPr>
-              <a:t>There were some other minor issues, but now is not the time to dwell on the past…  now is the time to yell our biases into microphones with some audience participation!</a:t>
+              <a:t>There were some other minor issues, but now is not the time to dwell on the past…  now is the time for Trivia!</a:t>
             </a:r>
           </a:p>
           <a:p>
@@ -4195,16 +4195,7 @@
           <a:p>
             <a:r>
               <a:rPr lang="en-US" dirty="0"/>
-              <a:t>We were going to make this audience participation and have you all guess, but we probably don’t have time for that. So, we’re just going to rapid fire some facts at you…</a:t>
-            </a:r>
-          </a:p>
-          <a:p>
-            <a:endParaRPr lang="en-US" dirty="0"/>
-          </a:p>
-          <a:p>
-            <a:r>
-              <a:rPr lang="en-US" dirty="0"/>
-              <a:t>So, these are the states with the most arrests for specific crimes… and remember, these are arrests, not convictions.</a:t>
+              <a:t>Here are the states with the most arrests for specific crimes… and remember, these are arrests, not convictions.</a:t>
             </a:r>
           </a:p>
           <a:p>
@@ -4513,6 +4504,36 @@
         <p:txBody>
           <a:bodyPr/>
           <a:lstStyle/>
+          <a:p>
+            <a:pPr algn="just">
+              <a:lnSpc>
+                <a:spcPct val="100000"/>
+              </a:lnSpc>
+              <a:spcBef>
+                <a:spcPts val="0"/>
+              </a:spcBef>
+            </a:pPr>
+            <a:r>
+              <a:rPr lang="en-US" sz="1400" dirty="0"/>
+              <a:t>Thank you </a:t>
+            </a:r>
+            <a:r>
+              <a:rPr lang="en-US" sz="1400" dirty="0" err="1"/>
+              <a:t>Kento</a:t>
+            </a:r>
+            <a:endParaRPr lang="en-US" sz="1400" dirty="0"/>
+          </a:p>
+          <a:p>
+            <a:pPr algn="just">
+              <a:lnSpc>
+                <a:spcPct val="100000"/>
+              </a:lnSpc>
+              <a:spcBef>
+                <a:spcPts val="0"/>
+              </a:spcBef>
+            </a:pPr>
+            <a:endParaRPr lang="en-US" sz="1400" dirty="0"/>
+          </a:p>
           <a:p>
             <a:pPr algn="just">
               <a:lnSpc>
@@ -27453,1062 +27474,6 @@
   <p:clrMapOvr>
     <a:masterClrMapping/>
   </p:clrMapOvr>
-  <p:timing>
-    <p:tnLst>
-      <p:par>
-        <p:cTn id="1" dur="indefinite" restart="never" nodeType="tmRoot">
-          <p:childTnLst>
-            <p:seq concurrent="1" nextAc="seek">
-              <p:cTn id="2" dur="indefinite" nodeType="mainSeq">
-                <p:childTnLst>
-                  <p:par>
-                    <p:cTn id="3" fill="hold">
-                      <p:stCondLst>
-                        <p:cond delay="indefinite"/>
-                      </p:stCondLst>
-                      <p:childTnLst>
-                        <p:par>
-                          <p:cTn id="4" fill="hold">
-                            <p:stCondLst>
-                              <p:cond delay="0"/>
-                            </p:stCondLst>
-                            <p:childTnLst>
-                              <p:par>
-                                <p:cTn id="5" presetID="10" presetClass="entr" presetSubtype="0" fill="hold" grpId="0" nodeType="clickEffect">
-                                  <p:stCondLst>
-                                    <p:cond delay="0"/>
-                                  </p:stCondLst>
-                                  <p:childTnLst>
-                                    <p:set>
-                                      <p:cBhvr>
-                                        <p:cTn id="6" dur="1" fill="hold">
-                                          <p:stCondLst>
-                                            <p:cond delay="0"/>
-                                          </p:stCondLst>
-                                        </p:cTn>
-                                        <p:tgtEl>
-                                          <p:spTgt spid="3">
-                                            <p:txEl>
-                                              <p:pRg st="0" end="0"/>
-                                            </p:txEl>
-                                          </p:spTgt>
-                                        </p:tgtEl>
-                                        <p:attrNameLst>
-                                          <p:attrName>style.visibility</p:attrName>
-                                        </p:attrNameLst>
-                                      </p:cBhvr>
-                                      <p:to>
-                                        <p:strVal val="visible"/>
-                                      </p:to>
-                                    </p:set>
-                                    <p:animEffect transition="in" filter="fade">
-                                      <p:cBhvr>
-                                        <p:cTn id="7" dur="500"/>
-                                        <p:tgtEl>
-                                          <p:spTgt spid="3">
-                                            <p:txEl>
-                                              <p:pRg st="0" end="0"/>
-                                            </p:txEl>
-                                          </p:spTgt>
-                                        </p:tgtEl>
-                                      </p:cBhvr>
-                                    </p:animEffect>
-                                  </p:childTnLst>
-                                </p:cTn>
-                              </p:par>
-                              <p:par>
-                                <p:cTn id="8" presetID="10" presetClass="entr" presetSubtype="0" fill="hold" grpId="0" nodeType="withEffect">
-                                  <p:stCondLst>
-                                    <p:cond delay="0"/>
-                                  </p:stCondLst>
-                                  <p:childTnLst>
-                                    <p:set>
-                                      <p:cBhvr>
-                                        <p:cTn id="9" dur="1" fill="hold">
-                                          <p:stCondLst>
-                                            <p:cond delay="0"/>
-                                          </p:stCondLst>
-                                        </p:cTn>
-                                        <p:tgtEl>
-                                          <p:spTgt spid="4">
-                                            <p:txEl>
-                                              <p:pRg st="0" end="0"/>
-                                            </p:txEl>
-                                          </p:spTgt>
-                                        </p:tgtEl>
-                                        <p:attrNameLst>
-                                          <p:attrName>style.visibility</p:attrName>
-                                        </p:attrNameLst>
-                                      </p:cBhvr>
-                                      <p:to>
-                                        <p:strVal val="visible"/>
-                                      </p:to>
-                                    </p:set>
-                                    <p:animEffect transition="in" filter="fade">
-                                      <p:cBhvr>
-                                        <p:cTn id="10" dur="500"/>
-                                        <p:tgtEl>
-                                          <p:spTgt spid="4">
-                                            <p:txEl>
-                                              <p:pRg st="0" end="0"/>
-                                            </p:txEl>
-                                          </p:spTgt>
-                                        </p:tgtEl>
-                                      </p:cBhvr>
-                                    </p:animEffect>
-                                  </p:childTnLst>
-                                </p:cTn>
-                              </p:par>
-                              <p:par>
-                                <p:cTn id="11" presetID="10" presetClass="entr" presetSubtype="0" fill="hold" grpId="0" nodeType="withEffect">
-                                  <p:stCondLst>
-                                    <p:cond delay="0"/>
-                                  </p:stCondLst>
-                                  <p:childTnLst>
-                                    <p:set>
-                                      <p:cBhvr>
-                                        <p:cTn id="12" dur="1" fill="hold">
-                                          <p:stCondLst>
-                                            <p:cond delay="0"/>
-                                          </p:stCondLst>
-                                        </p:cTn>
-                                        <p:tgtEl>
-                                          <p:spTgt spid="4">
-                                            <p:txEl>
-                                              <p:pRg st="1" end="1"/>
-                                            </p:txEl>
-                                          </p:spTgt>
-                                        </p:tgtEl>
-                                        <p:attrNameLst>
-                                          <p:attrName>style.visibility</p:attrName>
-                                        </p:attrNameLst>
-                                      </p:cBhvr>
-                                      <p:to>
-                                        <p:strVal val="visible"/>
-                                      </p:to>
-                                    </p:set>
-                                    <p:animEffect transition="in" filter="fade">
-                                      <p:cBhvr>
-                                        <p:cTn id="13" dur="500"/>
-                                        <p:tgtEl>
-                                          <p:spTgt spid="4">
-                                            <p:txEl>
-                                              <p:pRg st="1" end="1"/>
-                                            </p:txEl>
-                                          </p:spTgt>
-                                        </p:tgtEl>
-                                      </p:cBhvr>
-                                    </p:animEffect>
-                                  </p:childTnLst>
-                                </p:cTn>
-                              </p:par>
-                              <p:par>
-                                <p:cTn id="14" presetID="10" presetClass="entr" presetSubtype="0" fill="hold" grpId="0" nodeType="withEffect">
-                                  <p:stCondLst>
-                                    <p:cond delay="0"/>
-                                  </p:stCondLst>
-                                  <p:childTnLst>
-                                    <p:set>
-                                      <p:cBhvr>
-                                        <p:cTn id="15" dur="1" fill="hold">
-                                          <p:stCondLst>
-                                            <p:cond delay="0"/>
-                                          </p:stCondLst>
-                                        </p:cTn>
-                                        <p:tgtEl>
-                                          <p:spTgt spid="4">
-                                            <p:txEl>
-                                              <p:pRg st="2" end="2"/>
-                                            </p:txEl>
-                                          </p:spTgt>
-                                        </p:tgtEl>
-                                        <p:attrNameLst>
-                                          <p:attrName>style.visibility</p:attrName>
-                                        </p:attrNameLst>
-                                      </p:cBhvr>
-                                      <p:to>
-                                        <p:strVal val="visible"/>
-                                      </p:to>
-                                    </p:set>
-                                    <p:animEffect transition="in" filter="fade">
-                                      <p:cBhvr>
-                                        <p:cTn id="16" dur="500"/>
-                                        <p:tgtEl>
-                                          <p:spTgt spid="4">
-                                            <p:txEl>
-                                              <p:pRg st="2" end="2"/>
-                                            </p:txEl>
-                                          </p:spTgt>
-                                        </p:tgtEl>
-                                      </p:cBhvr>
-                                    </p:animEffect>
-                                  </p:childTnLst>
-                                </p:cTn>
-                              </p:par>
-                              <p:par>
-                                <p:cTn id="17" presetID="10" presetClass="entr" presetSubtype="0" fill="hold" grpId="0" nodeType="withEffect">
-                                  <p:stCondLst>
-                                    <p:cond delay="0"/>
-                                  </p:stCondLst>
-                                  <p:childTnLst>
-                                    <p:set>
-                                      <p:cBhvr>
-                                        <p:cTn id="18" dur="1" fill="hold">
-                                          <p:stCondLst>
-                                            <p:cond delay="0"/>
-                                          </p:stCondLst>
-                                        </p:cTn>
-                                        <p:tgtEl>
-                                          <p:spTgt spid="4">
-                                            <p:txEl>
-                                              <p:pRg st="3" end="3"/>
-                                            </p:txEl>
-                                          </p:spTgt>
-                                        </p:tgtEl>
-                                        <p:attrNameLst>
-                                          <p:attrName>style.visibility</p:attrName>
-                                        </p:attrNameLst>
-                                      </p:cBhvr>
-                                      <p:to>
-                                        <p:strVal val="visible"/>
-                                      </p:to>
-                                    </p:set>
-                                    <p:animEffect transition="in" filter="fade">
-                                      <p:cBhvr>
-                                        <p:cTn id="19" dur="500"/>
-                                        <p:tgtEl>
-                                          <p:spTgt spid="4">
-                                            <p:txEl>
-                                              <p:pRg st="3" end="3"/>
-                                            </p:txEl>
-                                          </p:spTgt>
-                                        </p:tgtEl>
-                                      </p:cBhvr>
-                                    </p:animEffect>
-                                  </p:childTnLst>
-                                </p:cTn>
-                              </p:par>
-                              <p:par>
-                                <p:cTn id="20" presetID="10" presetClass="entr" presetSubtype="0" fill="hold" grpId="0" nodeType="withEffect">
-                                  <p:stCondLst>
-                                    <p:cond delay="0"/>
-                                  </p:stCondLst>
-                                  <p:childTnLst>
-                                    <p:set>
-                                      <p:cBhvr>
-                                        <p:cTn id="21" dur="1" fill="hold">
-                                          <p:stCondLst>
-                                            <p:cond delay="0"/>
-                                          </p:stCondLst>
-                                        </p:cTn>
-                                        <p:tgtEl>
-                                          <p:spTgt spid="4">
-                                            <p:txEl>
-                                              <p:pRg st="4" end="4"/>
-                                            </p:txEl>
-                                          </p:spTgt>
-                                        </p:tgtEl>
-                                        <p:attrNameLst>
-                                          <p:attrName>style.visibility</p:attrName>
-                                        </p:attrNameLst>
-                                      </p:cBhvr>
-                                      <p:to>
-                                        <p:strVal val="visible"/>
-                                      </p:to>
-                                    </p:set>
-                                    <p:animEffect transition="in" filter="fade">
-                                      <p:cBhvr>
-                                        <p:cTn id="22" dur="500"/>
-                                        <p:tgtEl>
-                                          <p:spTgt spid="4">
-                                            <p:txEl>
-                                              <p:pRg st="4" end="4"/>
-                                            </p:txEl>
-                                          </p:spTgt>
-                                        </p:tgtEl>
-                                      </p:cBhvr>
-                                    </p:animEffect>
-                                  </p:childTnLst>
-                                </p:cTn>
-                              </p:par>
-                              <p:par>
-                                <p:cTn id="23" presetID="10" presetClass="entr" presetSubtype="0" fill="hold" grpId="0" nodeType="withEffect">
-                                  <p:stCondLst>
-                                    <p:cond delay="0"/>
-                                  </p:stCondLst>
-                                  <p:childTnLst>
-                                    <p:set>
-                                      <p:cBhvr>
-                                        <p:cTn id="24" dur="1" fill="hold">
-                                          <p:stCondLst>
-                                            <p:cond delay="0"/>
-                                          </p:stCondLst>
-                                        </p:cTn>
-                                        <p:tgtEl>
-                                          <p:spTgt spid="4">
-                                            <p:txEl>
-                                              <p:pRg st="6" end="6"/>
-                                            </p:txEl>
-                                          </p:spTgt>
-                                        </p:tgtEl>
-                                        <p:attrNameLst>
-                                          <p:attrName>style.visibility</p:attrName>
-                                        </p:attrNameLst>
-                                      </p:cBhvr>
-                                      <p:to>
-                                        <p:strVal val="visible"/>
-                                      </p:to>
-                                    </p:set>
-                                    <p:animEffect transition="in" filter="fade">
-                                      <p:cBhvr>
-                                        <p:cTn id="25" dur="500"/>
-                                        <p:tgtEl>
-                                          <p:spTgt spid="4">
-                                            <p:txEl>
-                                              <p:pRg st="6" end="6"/>
-                                            </p:txEl>
-                                          </p:spTgt>
-                                        </p:tgtEl>
-                                      </p:cBhvr>
-                                    </p:animEffect>
-                                  </p:childTnLst>
-                                </p:cTn>
-                              </p:par>
-                              <p:par>
-                                <p:cTn id="26" presetID="10" presetClass="entr" presetSubtype="0" fill="hold" grpId="0" nodeType="withEffect">
-                                  <p:stCondLst>
-                                    <p:cond delay="0"/>
-                                  </p:stCondLst>
-                                  <p:childTnLst>
-                                    <p:set>
-                                      <p:cBhvr>
-                                        <p:cTn id="27" dur="1" fill="hold">
-                                          <p:stCondLst>
-                                            <p:cond delay="0"/>
-                                          </p:stCondLst>
-                                        </p:cTn>
-                                        <p:tgtEl>
-                                          <p:spTgt spid="4">
-                                            <p:txEl>
-                                              <p:pRg st="7" end="7"/>
-                                            </p:txEl>
-                                          </p:spTgt>
-                                        </p:tgtEl>
-                                        <p:attrNameLst>
-                                          <p:attrName>style.visibility</p:attrName>
-                                        </p:attrNameLst>
-                                      </p:cBhvr>
-                                      <p:to>
-                                        <p:strVal val="visible"/>
-                                      </p:to>
-                                    </p:set>
-                                    <p:animEffect transition="in" filter="fade">
-                                      <p:cBhvr>
-                                        <p:cTn id="28" dur="500"/>
-                                        <p:tgtEl>
-                                          <p:spTgt spid="4">
-                                            <p:txEl>
-                                              <p:pRg st="7" end="7"/>
-                                            </p:txEl>
-                                          </p:spTgt>
-                                        </p:tgtEl>
-                                      </p:cBhvr>
-                                    </p:animEffect>
-                                  </p:childTnLst>
-                                </p:cTn>
-                              </p:par>
-                              <p:par>
-                                <p:cTn id="29" presetID="10" presetClass="entr" presetSubtype="0" fill="hold" grpId="0" nodeType="withEffect">
-                                  <p:stCondLst>
-                                    <p:cond delay="0"/>
-                                  </p:stCondLst>
-                                  <p:childTnLst>
-                                    <p:set>
-                                      <p:cBhvr>
-                                        <p:cTn id="30" dur="1" fill="hold">
-                                          <p:stCondLst>
-                                            <p:cond delay="0"/>
-                                          </p:stCondLst>
-                                        </p:cTn>
-                                        <p:tgtEl>
-                                          <p:spTgt spid="4">
-                                            <p:txEl>
-                                              <p:pRg st="8" end="8"/>
-                                            </p:txEl>
-                                          </p:spTgt>
-                                        </p:tgtEl>
-                                        <p:attrNameLst>
-                                          <p:attrName>style.visibility</p:attrName>
-                                        </p:attrNameLst>
-                                      </p:cBhvr>
-                                      <p:to>
-                                        <p:strVal val="visible"/>
-                                      </p:to>
-                                    </p:set>
-                                    <p:animEffect transition="in" filter="fade">
-                                      <p:cBhvr>
-                                        <p:cTn id="31" dur="500"/>
-                                        <p:tgtEl>
-                                          <p:spTgt spid="4">
-                                            <p:txEl>
-                                              <p:pRg st="8" end="8"/>
-                                            </p:txEl>
-                                          </p:spTgt>
-                                        </p:tgtEl>
-                                      </p:cBhvr>
-                                    </p:animEffect>
-                                  </p:childTnLst>
-                                </p:cTn>
-                              </p:par>
-                            </p:childTnLst>
-                          </p:cTn>
-                        </p:par>
-                      </p:childTnLst>
-                    </p:cTn>
-                  </p:par>
-                  <p:par>
-                    <p:cTn id="32" fill="hold">
-                      <p:stCondLst>
-                        <p:cond delay="indefinite"/>
-                      </p:stCondLst>
-                      <p:childTnLst>
-                        <p:par>
-                          <p:cTn id="33" fill="hold">
-                            <p:stCondLst>
-                              <p:cond delay="0"/>
-                            </p:stCondLst>
-                            <p:childTnLst>
-                              <p:par>
-                                <p:cTn id="34" presetID="10" presetClass="entr" presetSubtype="0" fill="hold" grpId="0" nodeType="clickEffect">
-                                  <p:stCondLst>
-                                    <p:cond delay="0"/>
-                                  </p:stCondLst>
-                                  <p:childTnLst>
-                                    <p:set>
-                                      <p:cBhvr>
-                                        <p:cTn id="35" dur="1" fill="hold">
-                                          <p:stCondLst>
-                                            <p:cond delay="0"/>
-                                          </p:stCondLst>
-                                        </p:cTn>
-                                        <p:tgtEl>
-                                          <p:spTgt spid="5">
-                                            <p:txEl>
-                                              <p:pRg st="0" end="0"/>
-                                            </p:txEl>
-                                          </p:spTgt>
-                                        </p:tgtEl>
-                                        <p:attrNameLst>
-                                          <p:attrName>style.visibility</p:attrName>
-                                        </p:attrNameLst>
-                                      </p:cBhvr>
-                                      <p:to>
-                                        <p:strVal val="visible"/>
-                                      </p:to>
-                                    </p:set>
-                                    <p:animEffect transition="in" filter="fade">
-                                      <p:cBhvr>
-                                        <p:cTn id="36" dur="500"/>
-                                        <p:tgtEl>
-                                          <p:spTgt spid="5">
-                                            <p:txEl>
-                                              <p:pRg st="0" end="0"/>
-                                            </p:txEl>
-                                          </p:spTgt>
-                                        </p:tgtEl>
-                                      </p:cBhvr>
-                                    </p:animEffect>
-                                  </p:childTnLst>
-                                </p:cTn>
-                              </p:par>
-                              <p:par>
-                                <p:cTn id="37" presetID="10" presetClass="entr" presetSubtype="0" fill="hold" grpId="0" nodeType="withEffect">
-                                  <p:stCondLst>
-                                    <p:cond delay="0"/>
-                                  </p:stCondLst>
-                                  <p:childTnLst>
-                                    <p:set>
-                                      <p:cBhvr>
-                                        <p:cTn id="38" dur="1" fill="hold">
-                                          <p:stCondLst>
-                                            <p:cond delay="0"/>
-                                          </p:stCondLst>
-                                        </p:cTn>
-                                        <p:tgtEl>
-                                          <p:spTgt spid="6">
-                                            <p:txEl>
-                                              <p:pRg st="0" end="0"/>
-                                            </p:txEl>
-                                          </p:spTgt>
-                                        </p:tgtEl>
-                                        <p:attrNameLst>
-                                          <p:attrName>style.visibility</p:attrName>
-                                        </p:attrNameLst>
-                                      </p:cBhvr>
-                                      <p:to>
-                                        <p:strVal val="visible"/>
-                                      </p:to>
-                                    </p:set>
-                                    <p:animEffect transition="in" filter="fade">
-                                      <p:cBhvr>
-                                        <p:cTn id="39" dur="500"/>
-                                        <p:tgtEl>
-                                          <p:spTgt spid="6">
-                                            <p:txEl>
-                                              <p:pRg st="0" end="0"/>
-                                            </p:txEl>
-                                          </p:spTgt>
-                                        </p:tgtEl>
-                                      </p:cBhvr>
-                                    </p:animEffect>
-                                  </p:childTnLst>
-                                </p:cTn>
-                              </p:par>
-                              <p:par>
-                                <p:cTn id="40" presetID="10" presetClass="entr" presetSubtype="0" fill="hold" grpId="0" nodeType="withEffect">
-                                  <p:stCondLst>
-                                    <p:cond delay="0"/>
-                                  </p:stCondLst>
-                                  <p:childTnLst>
-                                    <p:set>
-                                      <p:cBhvr>
-                                        <p:cTn id="41" dur="1" fill="hold">
-                                          <p:stCondLst>
-                                            <p:cond delay="0"/>
-                                          </p:stCondLst>
-                                        </p:cTn>
-                                        <p:tgtEl>
-                                          <p:spTgt spid="6">
-                                            <p:txEl>
-                                              <p:pRg st="1" end="1"/>
-                                            </p:txEl>
-                                          </p:spTgt>
-                                        </p:tgtEl>
-                                        <p:attrNameLst>
-                                          <p:attrName>style.visibility</p:attrName>
-                                        </p:attrNameLst>
-                                      </p:cBhvr>
-                                      <p:to>
-                                        <p:strVal val="visible"/>
-                                      </p:to>
-                                    </p:set>
-                                    <p:animEffect transition="in" filter="fade">
-                                      <p:cBhvr>
-                                        <p:cTn id="42" dur="500"/>
-                                        <p:tgtEl>
-                                          <p:spTgt spid="6">
-                                            <p:txEl>
-                                              <p:pRg st="1" end="1"/>
-                                            </p:txEl>
-                                          </p:spTgt>
-                                        </p:tgtEl>
-                                      </p:cBhvr>
-                                    </p:animEffect>
-                                  </p:childTnLst>
-                                </p:cTn>
-                              </p:par>
-                              <p:par>
-                                <p:cTn id="43" presetID="10" presetClass="entr" presetSubtype="0" fill="hold" grpId="0" nodeType="withEffect">
-                                  <p:stCondLst>
-                                    <p:cond delay="0"/>
-                                  </p:stCondLst>
-                                  <p:childTnLst>
-                                    <p:set>
-                                      <p:cBhvr>
-                                        <p:cTn id="44" dur="1" fill="hold">
-                                          <p:stCondLst>
-                                            <p:cond delay="0"/>
-                                          </p:stCondLst>
-                                        </p:cTn>
-                                        <p:tgtEl>
-                                          <p:spTgt spid="6">
-                                            <p:txEl>
-                                              <p:pRg st="2" end="2"/>
-                                            </p:txEl>
-                                          </p:spTgt>
-                                        </p:tgtEl>
-                                        <p:attrNameLst>
-                                          <p:attrName>style.visibility</p:attrName>
-                                        </p:attrNameLst>
-                                      </p:cBhvr>
-                                      <p:to>
-                                        <p:strVal val="visible"/>
-                                      </p:to>
-                                    </p:set>
-                                    <p:animEffect transition="in" filter="fade">
-                                      <p:cBhvr>
-                                        <p:cTn id="45" dur="500"/>
-                                        <p:tgtEl>
-                                          <p:spTgt spid="6">
-                                            <p:txEl>
-                                              <p:pRg st="2" end="2"/>
-                                            </p:txEl>
-                                          </p:spTgt>
-                                        </p:tgtEl>
-                                      </p:cBhvr>
-                                    </p:animEffect>
-                                  </p:childTnLst>
-                                </p:cTn>
-                              </p:par>
-                              <p:par>
-                                <p:cTn id="46" presetID="10" presetClass="entr" presetSubtype="0" fill="hold" grpId="0" nodeType="withEffect">
-                                  <p:stCondLst>
-                                    <p:cond delay="0"/>
-                                  </p:stCondLst>
-                                  <p:childTnLst>
-                                    <p:set>
-                                      <p:cBhvr>
-                                        <p:cTn id="47" dur="1" fill="hold">
-                                          <p:stCondLst>
-                                            <p:cond delay="0"/>
-                                          </p:stCondLst>
-                                        </p:cTn>
-                                        <p:tgtEl>
-                                          <p:spTgt spid="6">
-                                            <p:txEl>
-                                              <p:pRg st="3" end="3"/>
-                                            </p:txEl>
-                                          </p:spTgt>
-                                        </p:tgtEl>
-                                        <p:attrNameLst>
-                                          <p:attrName>style.visibility</p:attrName>
-                                        </p:attrNameLst>
-                                      </p:cBhvr>
-                                      <p:to>
-                                        <p:strVal val="visible"/>
-                                      </p:to>
-                                    </p:set>
-                                    <p:animEffect transition="in" filter="fade">
-                                      <p:cBhvr>
-                                        <p:cTn id="48" dur="500"/>
-                                        <p:tgtEl>
-                                          <p:spTgt spid="6">
-                                            <p:txEl>
-                                              <p:pRg st="3" end="3"/>
-                                            </p:txEl>
-                                          </p:spTgt>
-                                        </p:tgtEl>
-                                      </p:cBhvr>
-                                    </p:animEffect>
-                                  </p:childTnLst>
-                                </p:cTn>
-                              </p:par>
-                              <p:par>
-                                <p:cTn id="49" presetID="10" presetClass="entr" presetSubtype="0" fill="hold" grpId="0" nodeType="withEffect">
-                                  <p:stCondLst>
-                                    <p:cond delay="0"/>
-                                  </p:stCondLst>
-                                  <p:childTnLst>
-                                    <p:set>
-                                      <p:cBhvr>
-                                        <p:cTn id="50" dur="1" fill="hold">
-                                          <p:stCondLst>
-                                            <p:cond delay="0"/>
-                                          </p:stCondLst>
-                                        </p:cTn>
-                                        <p:tgtEl>
-                                          <p:spTgt spid="6">
-                                            <p:txEl>
-                                              <p:pRg st="4" end="4"/>
-                                            </p:txEl>
-                                          </p:spTgt>
-                                        </p:tgtEl>
-                                        <p:attrNameLst>
-                                          <p:attrName>style.visibility</p:attrName>
-                                        </p:attrNameLst>
-                                      </p:cBhvr>
-                                      <p:to>
-                                        <p:strVal val="visible"/>
-                                      </p:to>
-                                    </p:set>
-                                    <p:animEffect transition="in" filter="fade">
-                                      <p:cBhvr>
-                                        <p:cTn id="51" dur="500"/>
-                                        <p:tgtEl>
-                                          <p:spTgt spid="6">
-                                            <p:txEl>
-                                              <p:pRg st="4" end="4"/>
-                                            </p:txEl>
-                                          </p:spTgt>
-                                        </p:tgtEl>
-                                      </p:cBhvr>
-                                    </p:animEffect>
-                                  </p:childTnLst>
-                                </p:cTn>
-                              </p:par>
-                            </p:childTnLst>
-                          </p:cTn>
-                        </p:par>
-                      </p:childTnLst>
-                    </p:cTn>
-                  </p:par>
-                  <p:par>
-                    <p:cTn id="52" fill="hold">
-                      <p:stCondLst>
-                        <p:cond delay="indefinite"/>
-                      </p:stCondLst>
-                      <p:childTnLst>
-                        <p:par>
-                          <p:cTn id="53" fill="hold">
-                            <p:stCondLst>
-                              <p:cond delay="0"/>
-                            </p:stCondLst>
-                            <p:childTnLst>
-                              <p:par>
-                                <p:cTn id="54" presetID="10" presetClass="entr" presetSubtype="0" fill="hold" grpId="0" nodeType="clickEffect">
-                                  <p:stCondLst>
-                                    <p:cond delay="0"/>
-                                  </p:stCondLst>
-                                  <p:childTnLst>
-                                    <p:set>
-                                      <p:cBhvr>
-                                        <p:cTn id="55" dur="1" fill="hold">
-                                          <p:stCondLst>
-                                            <p:cond delay="0"/>
-                                          </p:stCondLst>
-                                        </p:cTn>
-                                        <p:tgtEl>
-                                          <p:spTgt spid="7">
-                                            <p:txEl>
-                                              <p:pRg st="0" end="0"/>
-                                            </p:txEl>
-                                          </p:spTgt>
-                                        </p:tgtEl>
-                                        <p:attrNameLst>
-                                          <p:attrName>style.visibility</p:attrName>
-                                        </p:attrNameLst>
-                                      </p:cBhvr>
-                                      <p:to>
-                                        <p:strVal val="visible"/>
-                                      </p:to>
-                                    </p:set>
-                                    <p:animEffect transition="in" filter="fade">
-                                      <p:cBhvr>
-                                        <p:cTn id="56" dur="500"/>
-                                        <p:tgtEl>
-                                          <p:spTgt spid="7">
-                                            <p:txEl>
-                                              <p:pRg st="0" end="0"/>
-                                            </p:txEl>
-                                          </p:spTgt>
-                                        </p:tgtEl>
-                                      </p:cBhvr>
-                                    </p:animEffect>
-                                  </p:childTnLst>
-                                </p:cTn>
-                              </p:par>
-                              <p:par>
-                                <p:cTn id="57" presetID="10" presetClass="entr" presetSubtype="0" fill="hold" grpId="0" nodeType="withEffect">
-                                  <p:stCondLst>
-                                    <p:cond delay="0"/>
-                                  </p:stCondLst>
-                                  <p:childTnLst>
-                                    <p:set>
-                                      <p:cBhvr>
-                                        <p:cTn id="58" dur="1" fill="hold">
-                                          <p:stCondLst>
-                                            <p:cond delay="0"/>
-                                          </p:stCondLst>
-                                        </p:cTn>
-                                        <p:tgtEl>
-                                          <p:spTgt spid="8">
-                                            <p:txEl>
-                                              <p:pRg st="0" end="0"/>
-                                            </p:txEl>
-                                          </p:spTgt>
-                                        </p:tgtEl>
-                                        <p:attrNameLst>
-                                          <p:attrName>style.visibility</p:attrName>
-                                        </p:attrNameLst>
-                                      </p:cBhvr>
-                                      <p:to>
-                                        <p:strVal val="visible"/>
-                                      </p:to>
-                                    </p:set>
-                                    <p:animEffect transition="in" filter="fade">
-                                      <p:cBhvr>
-                                        <p:cTn id="59" dur="500"/>
-                                        <p:tgtEl>
-                                          <p:spTgt spid="8">
-                                            <p:txEl>
-                                              <p:pRg st="0" end="0"/>
-                                            </p:txEl>
-                                          </p:spTgt>
-                                        </p:tgtEl>
-                                      </p:cBhvr>
-                                    </p:animEffect>
-                                  </p:childTnLst>
-                                </p:cTn>
-                              </p:par>
-                            </p:childTnLst>
-                          </p:cTn>
-                        </p:par>
-                      </p:childTnLst>
-                    </p:cTn>
-                  </p:par>
-                  <p:par>
-                    <p:cTn id="60" fill="hold">
-                      <p:stCondLst>
-                        <p:cond delay="indefinite"/>
-                      </p:stCondLst>
-                      <p:childTnLst>
-                        <p:par>
-                          <p:cTn id="61" fill="hold">
-                            <p:stCondLst>
-                              <p:cond delay="0"/>
-                            </p:stCondLst>
-                            <p:childTnLst>
-                              <p:par>
-                                <p:cTn id="62" presetID="10" presetClass="entr" presetSubtype="0" fill="hold" grpId="0" nodeType="clickEffect">
-                                  <p:stCondLst>
-                                    <p:cond delay="0"/>
-                                  </p:stCondLst>
-                                  <p:childTnLst>
-                                    <p:set>
-                                      <p:cBhvr>
-                                        <p:cTn id="63" dur="1" fill="hold">
-                                          <p:stCondLst>
-                                            <p:cond delay="0"/>
-                                          </p:stCondLst>
-                                        </p:cTn>
-                                        <p:tgtEl>
-                                          <p:spTgt spid="8">
-                                            <p:txEl>
-                                              <p:pRg st="1" end="1"/>
-                                            </p:txEl>
-                                          </p:spTgt>
-                                        </p:tgtEl>
-                                        <p:attrNameLst>
-                                          <p:attrName>style.visibility</p:attrName>
-                                        </p:attrNameLst>
-                                      </p:cBhvr>
-                                      <p:to>
-                                        <p:strVal val="visible"/>
-                                      </p:to>
-                                    </p:set>
-                                    <p:animEffect transition="in" filter="fade">
-                                      <p:cBhvr>
-                                        <p:cTn id="64" dur="500"/>
-                                        <p:tgtEl>
-                                          <p:spTgt spid="8">
-                                            <p:txEl>
-                                              <p:pRg st="1" end="1"/>
-                                            </p:txEl>
-                                          </p:spTgt>
-                                        </p:tgtEl>
-                                      </p:cBhvr>
-                                    </p:animEffect>
-                                  </p:childTnLst>
-                                </p:cTn>
-                              </p:par>
-                              <p:par>
-                                <p:cTn id="65" presetID="10" presetClass="entr" presetSubtype="0" fill="hold" grpId="0" nodeType="withEffect">
-                                  <p:stCondLst>
-                                    <p:cond delay="0"/>
-                                  </p:stCondLst>
-                                  <p:childTnLst>
-                                    <p:set>
-                                      <p:cBhvr>
-                                        <p:cTn id="66" dur="1" fill="hold">
-                                          <p:stCondLst>
-                                            <p:cond delay="0"/>
-                                          </p:stCondLst>
-                                        </p:cTn>
-                                        <p:tgtEl>
-                                          <p:spTgt spid="8">
-                                            <p:txEl>
-                                              <p:pRg st="2" end="2"/>
-                                            </p:txEl>
-                                          </p:spTgt>
-                                        </p:tgtEl>
-                                        <p:attrNameLst>
-                                          <p:attrName>style.visibility</p:attrName>
-                                        </p:attrNameLst>
-                                      </p:cBhvr>
-                                      <p:to>
-                                        <p:strVal val="visible"/>
-                                      </p:to>
-                                    </p:set>
-                                    <p:animEffect transition="in" filter="fade">
-                                      <p:cBhvr>
-                                        <p:cTn id="67" dur="500"/>
-                                        <p:tgtEl>
-                                          <p:spTgt spid="8">
-                                            <p:txEl>
-                                              <p:pRg st="2" end="2"/>
-                                            </p:txEl>
-                                          </p:spTgt>
-                                        </p:tgtEl>
-                                      </p:cBhvr>
-                                    </p:animEffect>
-                                  </p:childTnLst>
-                                </p:cTn>
-                              </p:par>
-                              <p:par>
-                                <p:cTn id="68" presetID="10" presetClass="entr" presetSubtype="0" fill="hold" grpId="0" nodeType="withEffect">
-                                  <p:stCondLst>
-                                    <p:cond delay="0"/>
-                                  </p:stCondLst>
-                                  <p:childTnLst>
-                                    <p:set>
-                                      <p:cBhvr>
-                                        <p:cTn id="69" dur="1" fill="hold">
-                                          <p:stCondLst>
-                                            <p:cond delay="0"/>
-                                          </p:stCondLst>
-                                        </p:cTn>
-                                        <p:tgtEl>
-                                          <p:spTgt spid="8">
-                                            <p:txEl>
-                                              <p:pRg st="3" end="3"/>
-                                            </p:txEl>
-                                          </p:spTgt>
-                                        </p:tgtEl>
-                                        <p:attrNameLst>
-                                          <p:attrName>style.visibility</p:attrName>
-                                        </p:attrNameLst>
-                                      </p:cBhvr>
-                                      <p:to>
-                                        <p:strVal val="visible"/>
-                                      </p:to>
-                                    </p:set>
-                                    <p:animEffect transition="in" filter="fade">
-                                      <p:cBhvr>
-                                        <p:cTn id="70" dur="500"/>
-                                        <p:tgtEl>
-                                          <p:spTgt spid="8">
-                                            <p:txEl>
-                                              <p:pRg st="3" end="3"/>
-                                            </p:txEl>
-                                          </p:spTgt>
-                                        </p:tgtEl>
-                                      </p:cBhvr>
-                                    </p:animEffect>
-                                  </p:childTnLst>
-                                </p:cTn>
-                              </p:par>
-                              <p:par>
-                                <p:cTn id="71" presetID="10" presetClass="entr" presetSubtype="0" fill="hold" grpId="0" nodeType="withEffect">
-                                  <p:stCondLst>
-                                    <p:cond delay="0"/>
-                                  </p:stCondLst>
-                                  <p:childTnLst>
-                                    <p:set>
-                                      <p:cBhvr>
-                                        <p:cTn id="72" dur="1" fill="hold">
-                                          <p:stCondLst>
-                                            <p:cond delay="0"/>
-                                          </p:stCondLst>
-                                        </p:cTn>
-                                        <p:tgtEl>
-                                          <p:spTgt spid="8">
-                                            <p:txEl>
-                                              <p:pRg st="4" end="4"/>
-                                            </p:txEl>
-                                          </p:spTgt>
-                                        </p:tgtEl>
-                                        <p:attrNameLst>
-                                          <p:attrName>style.visibility</p:attrName>
-                                        </p:attrNameLst>
-                                      </p:cBhvr>
-                                      <p:to>
-                                        <p:strVal val="visible"/>
-                                      </p:to>
-                                    </p:set>
-                                    <p:animEffect transition="in" filter="fade">
-                                      <p:cBhvr>
-                                        <p:cTn id="73" dur="500"/>
-                                        <p:tgtEl>
-                                          <p:spTgt spid="8">
-                                            <p:txEl>
-                                              <p:pRg st="4" end="4"/>
-                                            </p:txEl>
-                                          </p:spTgt>
-                                        </p:tgtEl>
-                                      </p:cBhvr>
-                                    </p:animEffect>
-                                  </p:childTnLst>
-                                </p:cTn>
-                              </p:par>
-                              <p:par>
-                                <p:cTn id="74" presetID="10" presetClass="entr" presetSubtype="0" fill="hold" grpId="0" nodeType="withEffect">
-                                  <p:stCondLst>
-                                    <p:cond delay="0"/>
-                                  </p:stCondLst>
-                                  <p:childTnLst>
-                                    <p:set>
-                                      <p:cBhvr>
-                                        <p:cTn id="75" dur="1" fill="hold">
-                                          <p:stCondLst>
-                                            <p:cond delay="0"/>
-                                          </p:stCondLst>
-                                        </p:cTn>
-                                        <p:tgtEl>
-                                          <p:spTgt spid="8">
-                                            <p:txEl>
-                                              <p:pRg st="5" end="5"/>
-                                            </p:txEl>
-                                          </p:spTgt>
-                                        </p:tgtEl>
-                                        <p:attrNameLst>
-                                          <p:attrName>style.visibility</p:attrName>
-                                        </p:attrNameLst>
-                                      </p:cBhvr>
-                                      <p:to>
-                                        <p:strVal val="visible"/>
-                                      </p:to>
-                                    </p:set>
-                                    <p:animEffect transition="in" filter="fade">
-                                      <p:cBhvr>
-                                        <p:cTn id="76" dur="500"/>
-                                        <p:tgtEl>
-                                          <p:spTgt spid="8">
-                                            <p:txEl>
-                                              <p:pRg st="5" end="5"/>
-                                            </p:txEl>
-                                          </p:spTgt>
-                                        </p:tgtEl>
-                                      </p:cBhvr>
-                                    </p:animEffect>
-                                  </p:childTnLst>
-                                </p:cTn>
-                              </p:par>
-                            </p:childTnLst>
-                          </p:cTn>
-                        </p:par>
-                      </p:childTnLst>
-                    </p:cTn>
-                  </p:par>
-                </p:childTnLst>
-              </p:cTn>
-              <p:prevCondLst>
-                <p:cond evt="onPrev" delay="0">
-                  <p:tgtEl>
-                    <p:sldTgt/>
-                  </p:tgtEl>
-                </p:cond>
-              </p:prevCondLst>
-              <p:nextCondLst>
-                <p:cond evt="onNext" delay="0">
-                  <p:tgtEl>
-                    <p:sldTgt/>
-                  </p:tgtEl>
-                </p:cond>
-              </p:nextCondLst>
-            </p:seq>
-          </p:childTnLst>
-        </p:cTn>
-      </p:par>
-    </p:tnLst>
-    <p:bldLst>
-      <p:bldP spid="3" grpId="0" build="p"/>
-      <p:bldP spid="4" grpId="0" uiExpand="1" build="p"/>
-      <p:bldP spid="5" grpId="0" build="p"/>
-      <p:bldP spid="6" grpId="0" uiExpand="1" build="p"/>
-      <p:bldP spid="7" grpId="0" build="p"/>
-      <p:bldP spid="8" grpId="0" uiExpand="1" build="p"/>
-    </p:bldLst>
-  </p:timing>
 </p:sld>
 </file>
 
@@ -31431,872 +30396,6 @@
   <p:clrMapOvr>
     <a:masterClrMapping/>
   </p:clrMapOvr>
-  <p:timing>
-    <p:tnLst>
-      <p:par>
-        <p:cTn id="1" dur="indefinite" restart="never" nodeType="tmRoot">
-          <p:childTnLst>
-            <p:seq concurrent="1" nextAc="seek">
-              <p:cTn id="2" dur="indefinite" nodeType="mainSeq">
-                <p:childTnLst>
-                  <p:par>
-                    <p:cTn id="3" fill="hold">
-                      <p:stCondLst>
-                        <p:cond delay="indefinite"/>
-                      </p:stCondLst>
-                      <p:childTnLst>
-                        <p:par>
-                          <p:cTn id="4" fill="hold">
-                            <p:stCondLst>
-                              <p:cond delay="0"/>
-                            </p:stCondLst>
-                            <p:childTnLst>
-                              <p:par>
-                                <p:cTn id="5" presetID="10" presetClass="entr" presetSubtype="0" fill="hold" grpId="0" nodeType="clickEffect">
-                                  <p:stCondLst>
-                                    <p:cond delay="0"/>
-                                  </p:stCondLst>
-                                  <p:childTnLst>
-                                    <p:set>
-                                      <p:cBhvr>
-                                        <p:cTn id="6" dur="1" fill="hold">
-                                          <p:stCondLst>
-                                            <p:cond delay="0"/>
-                                          </p:stCondLst>
-                                        </p:cTn>
-                                        <p:tgtEl>
-                                          <p:spTgt spid="40"/>
-                                        </p:tgtEl>
-                                        <p:attrNameLst>
-                                          <p:attrName>style.visibility</p:attrName>
-                                        </p:attrNameLst>
-                                      </p:cBhvr>
-                                      <p:to>
-                                        <p:strVal val="visible"/>
-                                      </p:to>
-                                    </p:set>
-                                    <p:animEffect transition="in" filter="fade">
-                                      <p:cBhvr>
-                                        <p:cTn id="7" dur="500"/>
-                                        <p:tgtEl>
-                                          <p:spTgt spid="40"/>
-                                        </p:tgtEl>
-                                      </p:cBhvr>
-                                    </p:animEffect>
-                                  </p:childTnLst>
-                                </p:cTn>
-                              </p:par>
-                            </p:childTnLst>
-                          </p:cTn>
-                        </p:par>
-                      </p:childTnLst>
-                    </p:cTn>
-                  </p:par>
-                  <p:par>
-                    <p:cTn id="8" fill="hold">
-                      <p:stCondLst>
-                        <p:cond delay="indefinite"/>
-                      </p:stCondLst>
-                      <p:childTnLst>
-                        <p:par>
-                          <p:cTn id="9" fill="hold">
-                            <p:stCondLst>
-                              <p:cond delay="0"/>
-                            </p:stCondLst>
-                            <p:childTnLst>
-                              <p:par>
-                                <p:cTn id="10" presetID="10" presetClass="entr" presetSubtype="0" fill="hold" grpId="0" nodeType="clickEffect">
-                                  <p:stCondLst>
-                                    <p:cond delay="0"/>
-                                  </p:stCondLst>
-                                  <p:childTnLst>
-                                    <p:set>
-                                      <p:cBhvr>
-                                        <p:cTn id="11" dur="1" fill="hold">
-                                          <p:stCondLst>
-                                            <p:cond delay="0"/>
-                                          </p:stCondLst>
-                                        </p:cTn>
-                                        <p:tgtEl>
-                                          <p:spTgt spid="30"/>
-                                        </p:tgtEl>
-                                        <p:attrNameLst>
-                                          <p:attrName>style.visibility</p:attrName>
-                                        </p:attrNameLst>
-                                      </p:cBhvr>
-                                      <p:to>
-                                        <p:strVal val="visible"/>
-                                      </p:to>
-                                    </p:set>
-                                    <p:animEffect transition="in" filter="fade">
-                                      <p:cBhvr>
-                                        <p:cTn id="12" dur="500"/>
-                                        <p:tgtEl>
-                                          <p:spTgt spid="30"/>
-                                        </p:tgtEl>
-                                      </p:cBhvr>
-                                    </p:animEffect>
-                                  </p:childTnLst>
-                                </p:cTn>
-                              </p:par>
-                              <p:par>
-                                <p:cTn id="13" presetID="10" presetClass="entr" presetSubtype="0" fill="hold" nodeType="withEffect">
-                                  <p:stCondLst>
-                                    <p:cond delay="0"/>
-                                  </p:stCondLst>
-                                  <p:childTnLst>
-                                    <p:set>
-                                      <p:cBhvr>
-                                        <p:cTn id="14" dur="1" fill="hold">
-                                          <p:stCondLst>
-                                            <p:cond delay="0"/>
-                                          </p:stCondLst>
-                                        </p:cTn>
-                                        <p:tgtEl>
-                                          <p:spTgt spid="16"/>
-                                        </p:tgtEl>
-                                        <p:attrNameLst>
-                                          <p:attrName>style.visibility</p:attrName>
-                                        </p:attrNameLst>
-                                      </p:cBhvr>
-                                      <p:to>
-                                        <p:strVal val="visible"/>
-                                      </p:to>
-                                    </p:set>
-                                    <p:animEffect transition="in" filter="fade">
-                                      <p:cBhvr>
-                                        <p:cTn id="15" dur="500"/>
-                                        <p:tgtEl>
-                                          <p:spTgt spid="16"/>
-                                        </p:tgtEl>
-                                      </p:cBhvr>
-                                    </p:animEffect>
-                                  </p:childTnLst>
-                                </p:cTn>
-                              </p:par>
-                            </p:childTnLst>
-                          </p:cTn>
-                        </p:par>
-                      </p:childTnLst>
-                    </p:cTn>
-                  </p:par>
-                  <p:par>
-                    <p:cTn id="16" fill="hold">
-                      <p:stCondLst>
-                        <p:cond delay="indefinite"/>
-                      </p:stCondLst>
-                      <p:childTnLst>
-                        <p:par>
-                          <p:cTn id="17" fill="hold">
-                            <p:stCondLst>
-                              <p:cond delay="0"/>
-                            </p:stCondLst>
-                            <p:childTnLst>
-                              <p:par>
-                                <p:cTn id="18" presetID="10" presetClass="entr" presetSubtype="0" fill="hold" grpId="0" nodeType="clickEffect">
-                                  <p:stCondLst>
-                                    <p:cond delay="0"/>
-                                  </p:stCondLst>
-                                  <p:childTnLst>
-                                    <p:set>
-                                      <p:cBhvr>
-                                        <p:cTn id="19" dur="1" fill="hold">
-                                          <p:stCondLst>
-                                            <p:cond delay="0"/>
-                                          </p:stCondLst>
-                                        </p:cTn>
-                                        <p:tgtEl>
-                                          <p:spTgt spid="4">
-                                            <p:txEl>
-                                              <p:pRg st="0" end="0"/>
-                                            </p:txEl>
-                                          </p:spTgt>
-                                        </p:tgtEl>
-                                        <p:attrNameLst>
-                                          <p:attrName>style.visibility</p:attrName>
-                                        </p:attrNameLst>
-                                      </p:cBhvr>
-                                      <p:to>
-                                        <p:strVal val="visible"/>
-                                      </p:to>
-                                    </p:set>
-                                    <p:animEffect transition="in" filter="fade">
-                                      <p:cBhvr>
-                                        <p:cTn id="20" dur="500"/>
-                                        <p:tgtEl>
-                                          <p:spTgt spid="4">
-                                            <p:txEl>
-                                              <p:pRg st="0" end="0"/>
-                                            </p:txEl>
-                                          </p:spTgt>
-                                        </p:tgtEl>
-                                      </p:cBhvr>
-                                    </p:animEffect>
-                                  </p:childTnLst>
-                                </p:cTn>
-                              </p:par>
-                              <p:par>
-                                <p:cTn id="21" presetID="10" presetClass="entr" presetSubtype="0" fill="hold" grpId="0" nodeType="withEffect">
-                                  <p:stCondLst>
-                                    <p:cond delay="0"/>
-                                  </p:stCondLst>
-                                  <p:childTnLst>
-                                    <p:set>
-                                      <p:cBhvr>
-                                        <p:cTn id="22" dur="1" fill="hold">
-                                          <p:stCondLst>
-                                            <p:cond delay="0"/>
-                                          </p:stCondLst>
-                                        </p:cTn>
-                                        <p:tgtEl>
-                                          <p:spTgt spid="5">
-                                            <p:txEl>
-                                              <p:pRg st="0" end="0"/>
-                                            </p:txEl>
-                                          </p:spTgt>
-                                        </p:tgtEl>
-                                        <p:attrNameLst>
-                                          <p:attrName>style.visibility</p:attrName>
-                                        </p:attrNameLst>
-                                      </p:cBhvr>
-                                      <p:to>
-                                        <p:strVal val="visible"/>
-                                      </p:to>
-                                    </p:set>
-                                    <p:animEffect transition="in" filter="fade">
-                                      <p:cBhvr>
-                                        <p:cTn id="23" dur="500"/>
-                                        <p:tgtEl>
-                                          <p:spTgt spid="5">
-                                            <p:txEl>
-                                              <p:pRg st="0" end="0"/>
-                                            </p:txEl>
-                                          </p:spTgt>
-                                        </p:tgtEl>
-                                      </p:cBhvr>
-                                    </p:animEffect>
-                                  </p:childTnLst>
-                                </p:cTn>
-                              </p:par>
-                            </p:childTnLst>
-                          </p:cTn>
-                        </p:par>
-                      </p:childTnLst>
-                    </p:cTn>
-                  </p:par>
-                  <p:par>
-                    <p:cTn id="24" fill="hold">
-                      <p:stCondLst>
-                        <p:cond delay="indefinite"/>
-                      </p:stCondLst>
-                      <p:childTnLst>
-                        <p:par>
-                          <p:cTn id="25" fill="hold">
-                            <p:stCondLst>
-                              <p:cond delay="0"/>
-                            </p:stCondLst>
-                            <p:childTnLst>
-                              <p:par>
-                                <p:cTn id="26" presetID="10" presetClass="entr" presetSubtype="0" fill="hold" grpId="0" nodeType="clickEffect">
-                                  <p:stCondLst>
-                                    <p:cond delay="0"/>
-                                  </p:stCondLst>
-                                  <p:childTnLst>
-                                    <p:set>
-                                      <p:cBhvr>
-                                        <p:cTn id="27" dur="1" fill="hold">
-                                          <p:stCondLst>
-                                            <p:cond delay="0"/>
-                                          </p:stCondLst>
-                                        </p:cTn>
-                                        <p:tgtEl>
-                                          <p:spTgt spid="31"/>
-                                        </p:tgtEl>
-                                        <p:attrNameLst>
-                                          <p:attrName>style.visibility</p:attrName>
-                                        </p:attrNameLst>
-                                      </p:cBhvr>
-                                      <p:to>
-                                        <p:strVal val="visible"/>
-                                      </p:to>
-                                    </p:set>
-                                    <p:animEffect transition="in" filter="fade">
-                                      <p:cBhvr>
-                                        <p:cTn id="28" dur="500"/>
-                                        <p:tgtEl>
-                                          <p:spTgt spid="31"/>
-                                        </p:tgtEl>
-                                      </p:cBhvr>
-                                    </p:animEffect>
-                                  </p:childTnLst>
-                                </p:cTn>
-                              </p:par>
-                              <p:par>
-                                <p:cTn id="29" presetID="10" presetClass="entr" presetSubtype="0" fill="hold" nodeType="withEffect">
-                                  <p:stCondLst>
-                                    <p:cond delay="0"/>
-                                  </p:stCondLst>
-                                  <p:childTnLst>
-                                    <p:set>
-                                      <p:cBhvr>
-                                        <p:cTn id="30" dur="1" fill="hold">
-                                          <p:stCondLst>
-                                            <p:cond delay="0"/>
-                                          </p:stCondLst>
-                                        </p:cTn>
-                                        <p:tgtEl>
-                                          <p:spTgt spid="24"/>
-                                        </p:tgtEl>
-                                        <p:attrNameLst>
-                                          <p:attrName>style.visibility</p:attrName>
-                                        </p:attrNameLst>
-                                      </p:cBhvr>
-                                      <p:to>
-                                        <p:strVal val="visible"/>
-                                      </p:to>
-                                    </p:set>
-                                    <p:animEffect transition="in" filter="fade">
-                                      <p:cBhvr>
-                                        <p:cTn id="31" dur="500"/>
-                                        <p:tgtEl>
-                                          <p:spTgt spid="24"/>
-                                        </p:tgtEl>
-                                      </p:cBhvr>
-                                    </p:animEffect>
-                                  </p:childTnLst>
-                                </p:cTn>
-                              </p:par>
-                            </p:childTnLst>
-                          </p:cTn>
-                        </p:par>
-                      </p:childTnLst>
-                    </p:cTn>
-                  </p:par>
-                  <p:par>
-                    <p:cTn id="32" fill="hold">
-                      <p:stCondLst>
-                        <p:cond delay="indefinite"/>
-                      </p:stCondLst>
-                      <p:childTnLst>
-                        <p:par>
-                          <p:cTn id="33" fill="hold">
-                            <p:stCondLst>
-                              <p:cond delay="0"/>
-                            </p:stCondLst>
-                            <p:childTnLst>
-                              <p:par>
-                                <p:cTn id="34" presetID="10" presetClass="entr" presetSubtype="0" fill="hold" grpId="0" nodeType="clickEffect">
-                                  <p:stCondLst>
-                                    <p:cond delay="0"/>
-                                  </p:stCondLst>
-                                  <p:childTnLst>
-                                    <p:set>
-                                      <p:cBhvr>
-                                        <p:cTn id="35" dur="1" fill="hold">
-                                          <p:stCondLst>
-                                            <p:cond delay="0"/>
-                                          </p:stCondLst>
-                                        </p:cTn>
-                                        <p:tgtEl>
-                                          <p:spTgt spid="7">
-                                            <p:txEl>
-                                              <p:pRg st="0" end="0"/>
-                                            </p:txEl>
-                                          </p:spTgt>
-                                        </p:tgtEl>
-                                        <p:attrNameLst>
-                                          <p:attrName>style.visibility</p:attrName>
-                                        </p:attrNameLst>
-                                      </p:cBhvr>
-                                      <p:to>
-                                        <p:strVal val="visible"/>
-                                      </p:to>
-                                    </p:set>
-                                    <p:animEffect transition="in" filter="fade">
-                                      <p:cBhvr>
-                                        <p:cTn id="36" dur="500"/>
-                                        <p:tgtEl>
-                                          <p:spTgt spid="7">
-                                            <p:txEl>
-                                              <p:pRg st="0" end="0"/>
-                                            </p:txEl>
-                                          </p:spTgt>
-                                        </p:tgtEl>
-                                      </p:cBhvr>
-                                    </p:animEffect>
-                                  </p:childTnLst>
-                                </p:cTn>
-                              </p:par>
-                              <p:par>
-                                <p:cTn id="37" presetID="10" presetClass="entr" presetSubtype="0" fill="hold" grpId="0" nodeType="withEffect">
-                                  <p:stCondLst>
-                                    <p:cond delay="0"/>
-                                  </p:stCondLst>
-                                  <p:childTnLst>
-                                    <p:set>
-                                      <p:cBhvr>
-                                        <p:cTn id="38" dur="1" fill="hold">
-                                          <p:stCondLst>
-                                            <p:cond delay="0"/>
-                                          </p:stCondLst>
-                                        </p:cTn>
-                                        <p:tgtEl>
-                                          <p:spTgt spid="8">
-                                            <p:txEl>
-                                              <p:pRg st="0" end="0"/>
-                                            </p:txEl>
-                                          </p:spTgt>
-                                        </p:tgtEl>
-                                        <p:attrNameLst>
-                                          <p:attrName>style.visibility</p:attrName>
-                                        </p:attrNameLst>
-                                      </p:cBhvr>
-                                      <p:to>
-                                        <p:strVal val="visible"/>
-                                      </p:to>
-                                    </p:set>
-                                    <p:animEffect transition="in" filter="fade">
-                                      <p:cBhvr>
-                                        <p:cTn id="39" dur="500"/>
-                                        <p:tgtEl>
-                                          <p:spTgt spid="8">
-                                            <p:txEl>
-                                              <p:pRg st="0" end="0"/>
-                                            </p:txEl>
-                                          </p:spTgt>
-                                        </p:tgtEl>
-                                      </p:cBhvr>
-                                    </p:animEffect>
-                                  </p:childTnLst>
-                                </p:cTn>
-                              </p:par>
-                            </p:childTnLst>
-                          </p:cTn>
-                        </p:par>
-                      </p:childTnLst>
-                    </p:cTn>
-                  </p:par>
-                  <p:par>
-                    <p:cTn id="40" fill="hold">
-                      <p:stCondLst>
-                        <p:cond delay="indefinite"/>
-                      </p:stCondLst>
-                      <p:childTnLst>
-                        <p:par>
-                          <p:cTn id="41" fill="hold">
-                            <p:stCondLst>
-                              <p:cond delay="0"/>
-                            </p:stCondLst>
-                            <p:childTnLst>
-                              <p:par>
-                                <p:cTn id="42" presetID="10" presetClass="entr" presetSubtype="0" fill="hold" grpId="0" nodeType="clickEffect">
-                                  <p:stCondLst>
-                                    <p:cond delay="0"/>
-                                  </p:stCondLst>
-                                  <p:childTnLst>
-                                    <p:set>
-                                      <p:cBhvr>
-                                        <p:cTn id="43" dur="1" fill="hold">
-                                          <p:stCondLst>
-                                            <p:cond delay="0"/>
-                                          </p:stCondLst>
-                                        </p:cTn>
-                                        <p:tgtEl>
-                                          <p:spTgt spid="32"/>
-                                        </p:tgtEl>
-                                        <p:attrNameLst>
-                                          <p:attrName>style.visibility</p:attrName>
-                                        </p:attrNameLst>
-                                      </p:cBhvr>
-                                      <p:to>
-                                        <p:strVal val="visible"/>
-                                      </p:to>
-                                    </p:set>
-                                    <p:animEffect transition="in" filter="fade">
-                                      <p:cBhvr>
-                                        <p:cTn id="44" dur="500"/>
-                                        <p:tgtEl>
-                                          <p:spTgt spid="32"/>
-                                        </p:tgtEl>
-                                      </p:cBhvr>
-                                    </p:animEffect>
-                                  </p:childTnLst>
-                                </p:cTn>
-                              </p:par>
-                              <p:par>
-                                <p:cTn id="45" presetID="10" presetClass="entr" presetSubtype="0" fill="hold" nodeType="withEffect">
-                                  <p:stCondLst>
-                                    <p:cond delay="0"/>
-                                  </p:stCondLst>
-                                  <p:childTnLst>
-                                    <p:set>
-                                      <p:cBhvr>
-                                        <p:cTn id="46" dur="1" fill="hold">
-                                          <p:stCondLst>
-                                            <p:cond delay="0"/>
-                                          </p:stCondLst>
-                                        </p:cTn>
-                                        <p:tgtEl>
-                                          <p:spTgt spid="26"/>
-                                        </p:tgtEl>
-                                        <p:attrNameLst>
-                                          <p:attrName>style.visibility</p:attrName>
-                                        </p:attrNameLst>
-                                      </p:cBhvr>
-                                      <p:to>
-                                        <p:strVal val="visible"/>
-                                      </p:to>
-                                    </p:set>
-                                    <p:animEffect transition="in" filter="fade">
-                                      <p:cBhvr>
-                                        <p:cTn id="47" dur="500"/>
-                                        <p:tgtEl>
-                                          <p:spTgt spid="26"/>
-                                        </p:tgtEl>
-                                      </p:cBhvr>
-                                    </p:animEffect>
-                                  </p:childTnLst>
-                                </p:cTn>
-                              </p:par>
-                            </p:childTnLst>
-                          </p:cTn>
-                        </p:par>
-                      </p:childTnLst>
-                    </p:cTn>
-                  </p:par>
-                  <p:par>
-                    <p:cTn id="48" fill="hold">
-                      <p:stCondLst>
-                        <p:cond delay="indefinite"/>
-                      </p:stCondLst>
-                      <p:childTnLst>
-                        <p:par>
-                          <p:cTn id="49" fill="hold">
-                            <p:stCondLst>
-                              <p:cond delay="0"/>
-                            </p:stCondLst>
-                            <p:childTnLst>
-                              <p:par>
-                                <p:cTn id="50" presetID="10" presetClass="entr" presetSubtype="0" fill="hold" grpId="0" nodeType="clickEffect">
-                                  <p:stCondLst>
-                                    <p:cond delay="0"/>
-                                  </p:stCondLst>
-                                  <p:childTnLst>
-                                    <p:set>
-                                      <p:cBhvr>
-                                        <p:cTn id="51" dur="1" fill="hold">
-                                          <p:stCondLst>
-                                            <p:cond delay="0"/>
-                                          </p:stCondLst>
-                                        </p:cTn>
-                                        <p:tgtEl>
-                                          <p:spTgt spid="10">
-                                            <p:txEl>
-                                              <p:pRg st="0" end="0"/>
-                                            </p:txEl>
-                                          </p:spTgt>
-                                        </p:tgtEl>
-                                        <p:attrNameLst>
-                                          <p:attrName>style.visibility</p:attrName>
-                                        </p:attrNameLst>
-                                      </p:cBhvr>
-                                      <p:to>
-                                        <p:strVal val="visible"/>
-                                      </p:to>
-                                    </p:set>
-                                    <p:animEffect transition="in" filter="fade">
-                                      <p:cBhvr>
-                                        <p:cTn id="52" dur="500"/>
-                                        <p:tgtEl>
-                                          <p:spTgt spid="10">
-                                            <p:txEl>
-                                              <p:pRg st="0" end="0"/>
-                                            </p:txEl>
-                                          </p:spTgt>
-                                        </p:tgtEl>
-                                      </p:cBhvr>
-                                    </p:animEffect>
-                                  </p:childTnLst>
-                                </p:cTn>
-                              </p:par>
-                              <p:par>
-                                <p:cTn id="53" presetID="10" presetClass="entr" presetSubtype="0" fill="hold" grpId="0" nodeType="withEffect">
-                                  <p:stCondLst>
-                                    <p:cond delay="0"/>
-                                  </p:stCondLst>
-                                  <p:childTnLst>
-                                    <p:set>
-                                      <p:cBhvr>
-                                        <p:cTn id="54" dur="1" fill="hold">
-                                          <p:stCondLst>
-                                            <p:cond delay="0"/>
-                                          </p:stCondLst>
-                                        </p:cTn>
-                                        <p:tgtEl>
-                                          <p:spTgt spid="11">
-                                            <p:txEl>
-                                              <p:pRg st="0" end="0"/>
-                                            </p:txEl>
-                                          </p:spTgt>
-                                        </p:tgtEl>
-                                        <p:attrNameLst>
-                                          <p:attrName>style.visibility</p:attrName>
-                                        </p:attrNameLst>
-                                      </p:cBhvr>
-                                      <p:to>
-                                        <p:strVal val="visible"/>
-                                      </p:to>
-                                    </p:set>
-                                    <p:animEffect transition="in" filter="fade">
-                                      <p:cBhvr>
-                                        <p:cTn id="55" dur="500"/>
-                                        <p:tgtEl>
-                                          <p:spTgt spid="11">
-                                            <p:txEl>
-                                              <p:pRg st="0" end="0"/>
-                                            </p:txEl>
-                                          </p:spTgt>
-                                        </p:tgtEl>
-                                      </p:cBhvr>
-                                    </p:animEffect>
-                                  </p:childTnLst>
-                                </p:cTn>
-                              </p:par>
-                            </p:childTnLst>
-                          </p:cTn>
-                        </p:par>
-                      </p:childTnLst>
-                    </p:cTn>
-                  </p:par>
-                  <p:par>
-                    <p:cTn id="56" fill="hold">
-                      <p:stCondLst>
-                        <p:cond delay="indefinite"/>
-                      </p:stCondLst>
-                      <p:childTnLst>
-                        <p:par>
-                          <p:cTn id="57" fill="hold">
-                            <p:stCondLst>
-                              <p:cond delay="0"/>
-                            </p:stCondLst>
-                            <p:childTnLst>
-                              <p:par>
-                                <p:cTn id="58" presetID="10" presetClass="entr" presetSubtype="0" fill="hold" grpId="0" nodeType="clickEffect">
-                                  <p:stCondLst>
-                                    <p:cond delay="0"/>
-                                  </p:stCondLst>
-                                  <p:childTnLst>
-                                    <p:set>
-                                      <p:cBhvr>
-                                        <p:cTn id="59" dur="1" fill="hold">
-                                          <p:stCondLst>
-                                            <p:cond delay="0"/>
-                                          </p:stCondLst>
-                                        </p:cTn>
-                                        <p:tgtEl>
-                                          <p:spTgt spid="33"/>
-                                        </p:tgtEl>
-                                        <p:attrNameLst>
-                                          <p:attrName>style.visibility</p:attrName>
-                                        </p:attrNameLst>
-                                      </p:cBhvr>
-                                      <p:to>
-                                        <p:strVal val="visible"/>
-                                      </p:to>
-                                    </p:set>
-                                    <p:animEffect transition="in" filter="fade">
-                                      <p:cBhvr>
-                                        <p:cTn id="60" dur="500"/>
-                                        <p:tgtEl>
-                                          <p:spTgt spid="33"/>
-                                        </p:tgtEl>
-                                      </p:cBhvr>
-                                    </p:animEffect>
-                                  </p:childTnLst>
-                                </p:cTn>
-                              </p:par>
-                              <p:par>
-                                <p:cTn id="61" presetID="10" presetClass="entr" presetSubtype="0" fill="hold" nodeType="withEffect">
-                                  <p:stCondLst>
-                                    <p:cond delay="0"/>
-                                  </p:stCondLst>
-                                  <p:childTnLst>
-                                    <p:set>
-                                      <p:cBhvr>
-                                        <p:cTn id="62" dur="1" fill="hold">
-                                          <p:stCondLst>
-                                            <p:cond delay="0"/>
-                                          </p:stCondLst>
-                                        </p:cTn>
-                                        <p:tgtEl>
-                                          <p:spTgt spid="28"/>
-                                        </p:tgtEl>
-                                        <p:attrNameLst>
-                                          <p:attrName>style.visibility</p:attrName>
-                                        </p:attrNameLst>
-                                      </p:cBhvr>
-                                      <p:to>
-                                        <p:strVal val="visible"/>
-                                      </p:to>
-                                    </p:set>
-                                    <p:animEffect transition="in" filter="fade">
-                                      <p:cBhvr>
-                                        <p:cTn id="63" dur="500"/>
-                                        <p:tgtEl>
-                                          <p:spTgt spid="28"/>
-                                        </p:tgtEl>
-                                      </p:cBhvr>
-                                    </p:animEffect>
-                                  </p:childTnLst>
-                                </p:cTn>
-                              </p:par>
-                            </p:childTnLst>
-                          </p:cTn>
-                        </p:par>
-                      </p:childTnLst>
-                    </p:cTn>
-                  </p:par>
-                  <p:par>
-                    <p:cTn id="64" fill="hold">
-                      <p:stCondLst>
-                        <p:cond delay="indefinite"/>
-                      </p:stCondLst>
-                      <p:childTnLst>
-                        <p:par>
-                          <p:cTn id="65" fill="hold">
-                            <p:stCondLst>
-                              <p:cond delay="0"/>
-                            </p:stCondLst>
-                            <p:childTnLst>
-                              <p:par>
-                                <p:cTn id="66" presetID="10" presetClass="entr" presetSubtype="0" fill="hold" grpId="0" nodeType="clickEffect">
-                                  <p:stCondLst>
-                                    <p:cond delay="0"/>
-                                  </p:stCondLst>
-                                  <p:childTnLst>
-                                    <p:set>
-                                      <p:cBhvr>
-                                        <p:cTn id="67" dur="1" fill="hold">
-                                          <p:stCondLst>
-                                            <p:cond delay="0"/>
-                                          </p:stCondLst>
-                                        </p:cTn>
-                                        <p:tgtEl>
-                                          <p:spTgt spid="13">
-                                            <p:txEl>
-                                              <p:pRg st="0" end="0"/>
-                                            </p:txEl>
-                                          </p:spTgt>
-                                        </p:tgtEl>
-                                        <p:attrNameLst>
-                                          <p:attrName>style.visibility</p:attrName>
-                                        </p:attrNameLst>
-                                      </p:cBhvr>
-                                      <p:to>
-                                        <p:strVal val="visible"/>
-                                      </p:to>
-                                    </p:set>
-                                    <p:animEffect transition="in" filter="fade">
-                                      <p:cBhvr>
-                                        <p:cTn id="68" dur="500"/>
-                                        <p:tgtEl>
-                                          <p:spTgt spid="13">
-                                            <p:txEl>
-                                              <p:pRg st="0" end="0"/>
-                                            </p:txEl>
-                                          </p:spTgt>
-                                        </p:tgtEl>
-                                      </p:cBhvr>
-                                    </p:animEffect>
-                                  </p:childTnLst>
-                                </p:cTn>
-                              </p:par>
-                              <p:par>
-                                <p:cTn id="69" presetID="10" presetClass="entr" presetSubtype="0" fill="hold" grpId="0" nodeType="withEffect">
-                                  <p:stCondLst>
-                                    <p:cond delay="0"/>
-                                  </p:stCondLst>
-                                  <p:childTnLst>
-                                    <p:set>
-                                      <p:cBhvr>
-                                        <p:cTn id="70" dur="1" fill="hold">
-                                          <p:stCondLst>
-                                            <p:cond delay="0"/>
-                                          </p:stCondLst>
-                                        </p:cTn>
-                                        <p:tgtEl>
-                                          <p:spTgt spid="14">
-                                            <p:txEl>
-                                              <p:pRg st="0" end="0"/>
-                                            </p:txEl>
-                                          </p:spTgt>
-                                        </p:tgtEl>
-                                        <p:attrNameLst>
-                                          <p:attrName>style.visibility</p:attrName>
-                                        </p:attrNameLst>
-                                      </p:cBhvr>
-                                      <p:to>
-                                        <p:strVal val="visible"/>
-                                      </p:to>
-                                    </p:set>
-                                    <p:animEffect transition="in" filter="fade">
-                                      <p:cBhvr>
-                                        <p:cTn id="71" dur="500"/>
-                                        <p:tgtEl>
-                                          <p:spTgt spid="14">
-                                            <p:txEl>
-                                              <p:pRg st="0" end="0"/>
-                                            </p:txEl>
-                                          </p:spTgt>
-                                        </p:tgtEl>
-                                      </p:cBhvr>
-                                    </p:animEffect>
-                                  </p:childTnLst>
-                                </p:cTn>
-                              </p:par>
-                            </p:childTnLst>
-                          </p:cTn>
-                        </p:par>
-                      </p:childTnLst>
-                    </p:cTn>
-                  </p:par>
-                </p:childTnLst>
-              </p:cTn>
-              <p:prevCondLst>
-                <p:cond evt="onPrev" delay="0">
-                  <p:tgtEl>
-                    <p:sldTgt/>
-                  </p:tgtEl>
-                </p:cond>
-              </p:prevCondLst>
-              <p:nextCondLst>
-                <p:cond evt="onNext" delay="0">
-                  <p:tgtEl>
-                    <p:sldTgt/>
-                  </p:tgtEl>
-                </p:cond>
-              </p:nextCondLst>
-            </p:seq>
-          </p:childTnLst>
-        </p:cTn>
-      </p:par>
-    </p:tnLst>
-    <p:bldLst>
-      <p:bldP spid="4" grpId="0" build="p"/>
-      <p:bldP spid="5" grpId="0" build="p"/>
-      <p:bldP spid="7" grpId="0" build="p"/>
-      <p:bldP spid="8" grpId="0" build="p"/>
-      <p:bldP spid="10" grpId="0" build="p"/>
-      <p:bldP spid="11" grpId="0" build="p"/>
-      <p:bldP spid="13" grpId="0" build="p"/>
-      <p:bldP spid="14" grpId="0" build="p"/>
-      <p:bldP spid="30" grpId="0"/>
-      <p:bldP spid="31" grpId="0"/>
-      <p:bldP spid="32" grpId="0"/>
-      <p:bldP spid="33" grpId="0"/>
-      <p:bldP spid="40" grpId="0"/>
-    </p:bldLst>
-  </p:timing>
 </p:sld>
 </file>
 
@@ -33527,690 +31626,6 @@
   <p:clrMapOvr>
     <a:masterClrMapping/>
   </p:clrMapOvr>
-  <p:timing>
-    <p:tnLst>
-      <p:par>
-        <p:cTn id="1" dur="indefinite" restart="never" nodeType="tmRoot">
-          <p:childTnLst>
-            <p:seq concurrent="1" nextAc="seek">
-              <p:cTn id="2" dur="indefinite" nodeType="mainSeq">
-                <p:childTnLst>
-                  <p:par>
-                    <p:cTn id="3" fill="hold">
-                      <p:stCondLst>
-                        <p:cond delay="indefinite"/>
-                      </p:stCondLst>
-                      <p:childTnLst>
-                        <p:par>
-                          <p:cTn id="4" fill="hold">
-                            <p:stCondLst>
-                              <p:cond delay="0"/>
-                            </p:stCondLst>
-                            <p:childTnLst>
-                              <p:par>
-                                <p:cTn id="5" presetID="10" presetClass="entr" presetSubtype="0" fill="hold" grpId="0" nodeType="clickEffect">
-                                  <p:stCondLst>
-                                    <p:cond delay="0"/>
-                                  </p:stCondLst>
-                                  <p:childTnLst>
-                                    <p:set>
-                                      <p:cBhvr>
-                                        <p:cTn id="6" dur="1" fill="hold">
-                                          <p:stCondLst>
-                                            <p:cond delay="0"/>
-                                          </p:stCondLst>
-                                        </p:cTn>
-                                        <p:tgtEl>
-                                          <p:spTgt spid="40"/>
-                                        </p:tgtEl>
-                                        <p:attrNameLst>
-                                          <p:attrName>style.visibility</p:attrName>
-                                        </p:attrNameLst>
-                                      </p:cBhvr>
-                                      <p:to>
-                                        <p:strVal val="visible"/>
-                                      </p:to>
-                                    </p:set>
-                                    <p:animEffect transition="in" filter="fade">
-                                      <p:cBhvr>
-                                        <p:cTn id="7" dur="500"/>
-                                        <p:tgtEl>
-                                          <p:spTgt spid="40"/>
-                                        </p:tgtEl>
-                                      </p:cBhvr>
-                                    </p:animEffect>
-                                  </p:childTnLst>
-                                </p:cTn>
-                              </p:par>
-                            </p:childTnLst>
-                          </p:cTn>
-                        </p:par>
-                      </p:childTnLst>
-                    </p:cTn>
-                  </p:par>
-                  <p:par>
-                    <p:cTn id="8" fill="hold">
-                      <p:stCondLst>
-                        <p:cond delay="indefinite"/>
-                      </p:stCondLst>
-                      <p:childTnLst>
-                        <p:par>
-                          <p:cTn id="9" fill="hold">
-                            <p:stCondLst>
-                              <p:cond delay="0"/>
-                            </p:stCondLst>
-                            <p:childTnLst>
-                              <p:par>
-                                <p:cTn id="10" presetID="10" presetClass="entr" presetSubtype="0" fill="hold" grpId="0" nodeType="clickEffect">
-                                  <p:stCondLst>
-                                    <p:cond delay="0"/>
-                                  </p:stCondLst>
-                                  <p:childTnLst>
-                                    <p:set>
-                                      <p:cBhvr>
-                                        <p:cTn id="11" dur="1" fill="hold">
-                                          <p:stCondLst>
-                                            <p:cond delay="0"/>
-                                          </p:stCondLst>
-                                        </p:cTn>
-                                        <p:tgtEl>
-                                          <p:spTgt spid="31"/>
-                                        </p:tgtEl>
-                                        <p:attrNameLst>
-                                          <p:attrName>style.visibility</p:attrName>
-                                        </p:attrNameLst>
-                                      </p:cBhvr>
-                                      <p:to>
-                                        <p:strVal val="visible"/>
-                                      </p:to>
-                                    </p:set>
-                                    <p:animEffect transition="in" filter="fade">
-                                      <p:cBhvr>
-                                        <p:cTn id="12" dur="500"/>
-                                        <p:tgtEl>
-                                          <p:spTgt spid="31"/>
-                                        </p:tgtEl>
-                                      </p:cBhvr>
-                                    </p:animEffect>
-                                  </p:childTnLst>
-                                </p:cTn>
-                              </p:par>
-                              <p:par>
-                                <p:cTn id="13" presetID="10" presetClass="entr" presetSubtype="0" fill="hold" nodeType="withEffect">
-                                  <p:stCondLst>
-                                    <p:cond delay="0"/>
-                                  </p:stCondLst>
-                                  <p:childTnLst>
-                                    <p:set>
-                                      <p:cBhvr>
-                                        <p:cTn id="14" dur="1" fill="hold">
-                                          <p:stCondLst>
-                                            <p:cond delay="0"/>
-                                          </p:stCondLst>
-                                        </p:cTn>
-                                        <p:tgtEl>
-                                          <p:spTgt spid="45"/>
-                                        </p:tgtEl>
-                                        <p:attrNameLst>
-                                          <p:attrName>style.visibility</p:attrName>
-                                        </p:attrNameLst>
-                                      </p:cBhvr>
-                                      <p:to>
-                                        <p:strVal val="visible"/>
-                                      </p:to>
-                                    </p:set>
-                                    <p:animEffect transition="in" filter="fade">
-                                      <p:cBhvr>
-                                        <p:cTn id="15" dur="500"/>
-                                        <p:tgtEl>
-                                          <p:spTgt spid="45"/>
-                                        </p:tgtEl>
-                                      </p:cBhvr>
-                                    </p:animEffect>
-                                  </p:childTnLst>
-                                </p:cTn>
-                              </p:par>
-                            </p:childTnLst>
-                          </p:cTn>
-                        </p:par>
-                      </p:childTnLst>
-                    </p:cTn>
-                  </p:par>
-                  <p:par>
-                    <p:cTn id="16" fill="hold">
-                      <p:stCondLst>
-                        <p:cond delay="indefinite"/>
-                      </p:stCondLst>
-                      <p:childTnLst>
-                        <p:par>
-                          <p:cTn id="17" fill="hold">
-                            <p:stCondLst>
-                              <p:cond delay="0"/>
-                            </p:stCondLst>
-                            <p:childTnLst>
-                              <p:par>
-                                <p:cTn id="18" presetID="10" presetClass="entr" presetSubtype="0" fill="hold" grpId="0" nodeType="clickEffect">
-                                  <p:stCondLst>
-                                    <p:cond delay="0"/>
-                                  </p:stCondLst>
-                                  <p:childTnLst>
-                                    <p:set>
-                                      <p:cBhvr>
-                                        <p:cTn id="19" dur="1" fill="hold">
-                                          <p:stCondLst>
-                                            <p:cond delay="0"/>
-                                          </p:stCondLst>
-                                        </p:cTn>
-                                        <p:tgtEl>
-                                          <p:spTgt spid="7">
-                                            <p:txEl>
-                                              <p:pRg st="0" end="0"/>
-                                            </p:txEl>
-                                          </p:spTgt>
-                                        </p:tgtEl>
-                                        <p:attrNameLst>
-                                          <p:attrName>style.visibility</p:attrName>
-                                        </p:attrNameLst>
-                                      </p:cBhvr>
-                                      <p:to>
-                                        <p:strVal val="visible"/>
-                                      </p:to>
-                                    </p:set>
-                                    <p:animEffect transition="in" filter="fade">
-                                      <p:cBhvr>
-                                        <p:cTn id="20" dur="500"/>
-                                        <p:tgtEl>
-                                          <p:spTgt spid="7">
-                                            <p:txEl>
-                                              <p:pRg st="0" end="0"/>
-                                            </p:txEl>
-                                          </p:spTgt>
-                                        </p:tgtEl>
-                                      </p:cBhvr>
-                                    </p:animEffect>
-                                  </p:childTnLst>
-                                </p:cTn>
-                              </p:par>
-                              <p:par>
-                                <p:cTn id="21" presetID="10" presetClass="entr" presetSubtype="0" fill="hold" grpId="0" nodeType="withEffect">
-                                  <p:stCondLst>
-                                    <p:cond delay="0"/>
-                                  </p:stCondLst>
-                                  <p:childTnLst>
-                                    <p:set>
-                                      <p:cBhvr>
-                                        <p:cTn id="22" dur="1" fill="hold">
-                                          <p:stCondLst>
-                                            <p:cond delay="0"/>
-                                          </p:stCondLst>
-                                        </p:cTn>
-                                        <p:tgtEl>
-                                          <p:spTgt spid="8">
-                                            <p:txEl>
-                                              <p:pRg st="0" end="0"/>
-                                            </p:txEl>
-                                          </p:spTgt>
-                                        </p:tgtEl>
-                                        <p:attrNameLst>
-                                          <p:attrName>style.visibility</p:attrName>
-                                        </p:attrNameLst>
-                                      </p:cBhvr>
-                                      <p:to>
-                                        <p:strVal val="visible"/>
-                                      </p:to>
-                                    </p:set>
-                                    <p:animEffect transition="in" filter="fade">
-                                      <p:cBhvr>
-                                        <p:cTn id="23" dur="500"/>
-                                        <p:tgtEl>
-                                          <p:spTgt spid="8">
-                                            <p:txEl>
-                                              <p:pRg st="0" end="0"/>
-                                            </p:txEl>
-                                          </p:spTgt>
-                                        </p:tgtEl>
-                                      </p:cBhvr>
-                                    </p:animEffect>
-                                  </p:childTnLst>
-                                </p:cTn>
-                              </p:par>
-                              <p:par>
-                                <p:cTn id="24" presetID="10" presetClass="entr" presetSubtype="0" fill="hold" grpId="0" nodeType="withEffect">
-                                  <p:stCondLst>
-                                    <p:cond delay="0"/>
-                                  </p:stCondLst>
-                                  <p:childTnLst>
-                                    <p:set>
-                                      <p:cBhvr>
-                                        <p:cTn id="25" dur="1" fill="hold">
-                                          <p:stCondLst>
-                                            <p:cond delay="0"/>
-                                          </p:stCondLst>
-                                        </p:cTn>
-                                        <p:tgtEl>
-                                          <p:spTgt spid="8">
-                                            <p:txEl>
-                                              <p:pRg st="1" end="1"/>
-                                            </p:txEl>
-                                          </p:spTgt>
-                                        </p:tgtEl>
-                                        <p:attrNameLst>
-                                          <p:attrName>style.visibility</p:attrName>
-                                        </p:attrNameLst>
-                                      </p:cBhvr>
-                                      <p:to>
-                                        <p:strVal val="visible"/>
-                                      </p:to>
-                                    </p:set>
-                                    <p:animEffect transition="in" filter="fade">
-                                      <p:cBhvr>
-                                        <p:cTn id="26" dur="500"/>
-                                        <p:tgtEl>
-                                          <p:spTgt spid="8">
-                                            <p:txEl>
-                                              <p:pRg st="1" end="1"/>
-                                            </p:txEl>
-                                          </p:spTgt>
-                                        </p:tgtEl>
-                                      </p:cBhvr>
-                                    </p:animEffect>
-                                  </p:childTnLst>
-                                </p:cTn>
-                              </p:par>
-                              <p:par>
-                                <p:cTn id="27" presetID="10" presetClass="entr" presetSubtype="0" fill="hold" grpId="0" nodeType="withEffect">
-                                  <p:stCondLst>
-                                    <p:cond delay="0"/>
-                                  </p:stCondLst>
-                                  <p:childTnLst>
-                                    <p:set>
-                                      <p:cBhvr>
-                                        <p:cTn id="28" dur="1" fill="hold">
-                                          <p:stCondLst>
-                                            <p:cond delay="0"/>
-                                          </p:stCondLst>
-                                        </p:cTn>
-                                        <p:tgtEl>
-                                          <p:spTgt spid="8">
-                                            <p:txEl>
-                                              <p:pRg st="2" end="2"/>
-                                            </p:txEl>
-                                          </p:spTgt>
-                                        </p:tgtEl>
-                                        <p:attrNameLst>
-                                          <p:attrName>style.visibility</p:attrName>
-                                        </p:attrNameLst>
-                                      </p:cBhvr>
-                                      <p:to>
-                                        <p:strVal val="visible"/>
-                                      </p:to>
-                                    </p:set>
-                                    <p:animEffect transition="in" filter="fade">
-                                      <p:cBhvr>
-                                        <p:cTn id="29" dur="500"/>
-                                        <p:tgtEl>
-                                          <p:spTgt spid="8">
-                                            <p:txEl>
-                                              <p:pRg st="2" end="2"/>
-                                            </p:txEl>
-                                          </p:spTgt>
-                                        </p:tgtEl>
-                                      </p:cBhvr>
-                                    </p:animEffect>
-                                  </p:childTnLst>
-                                </p:cTn>
-                              </p:par>
-                            </p:childTnLst>
-                          </p:cTn>
-                        </p:par>
-                      </p:childTnLst>
-                    </p:cTn>
-                  </p:par>
-                  <p:par>
-                    <p:cTn id="30" fill="hold">
-                      <p:stCondLst>
-                        <p:cond delay="indefinite"/>
-                      </p:stCondLst>
-                      <p:childTnLst>
-                        <p:par>
-                          <p:cTn id="31" fill="hold">
-                            <p:stCondLst>
-                              <p:cond delay="0"/>
-                            </p:stCondLst>
-                            <p:childTnLst>
-                              <p:par>
-                                <p:cTn id="32" presetID="10" presetClass="entr" presetSubtype="0" fill="hold" grpId="0" nodeType="clickEffect">
-                                  <p:stCondLst>
-                                    <p:cond delay="0"/>
-                                  </p:stCondLst>
-                                  <p:childTnLst>
-                                    <p:set>
-                                      <p:cBhvr>
-                                        <p:cTn id="33" dur="1" fill="hold">
-                                          <p:stCondLst>
-                                            <p:cond delay="0"/>
-                                          </p:stCondLst>
-                                        </p:cTn>
-                                        <p:tgtEl>
-                                          <p:spTgt spid="32"/>
-                                        </p:tgtEl>
-                                        <p:attrNameLst>
-                                          <p:attrName>style.visibility</p:attrName>
-                                        </p:attrNameLst>
-                                      </p:cBhvr>
-                                      <p:to>
-                                        <p:strVal val="visible"/>
-                                      </p:to>
-                                    </p:set>
-                                    <p:animEffect transition="in" filter="fade">
-                                      <p:cBhvr>
-                                        <p:cTn id="34" dur="500"/>
-                                        <p:tgtEl>
-                                          <p:spTgt spid="32"/>
-                                        </p:tgtEl>
-                                      </p:cBhvr>
-                                    </p:animEffect>
-                                  </p:childTnLst>
-                                </p:cTn>
-                              </p:par>
-                              <p:par>
-                                <p:cTn id="35" presetID="10" presetClass="entr" presetSubtype="0" fill="hold" nodeType="withEffect">
-                                  <p:stCondLst>
-                                    <p:cond delay="0"/>
-                                  </p:stCondLst>
-                                  <p:childTnLst>
-                                    <p:set>
-                                      <p:cBhvr>
-                                        <p:cTn id="36" dur="1" fill="hold">
-                                          <p:stCondLst>
-                                            <p:cond delay="0"/>
-                                          </p:stCondLst>
-                                        </p:cTn>
-                                        <p:tgtEl>
-                                          <p:spTgt spid="47"/>
-                                        </p:tgtEl>
-                                        <p:attrNameLst>
-                                          <p:attrName>style.visibility</p:attrName>
-                                        </p:attrNameLst>
-                                      </p:cBhvr>
-                                      <p:to>
-                                        <p:strVal val="visible"/>
-                                      </p:to>
-                                    </p:set>
-                                    <p:animEffect transition="in" filter="fade">
-                                      <p:cBhvr>
-                                        <p:cTn id="37" dur="500"/>
-                                        <p:tgtEl>
-                                          <p:spTgt spid="47"/>
-                                        </p:tgtEl>
-                                      </p:cBhvr>
-                                    </p:animEffect>
-                                  </p:childTnLst>
-                                </p:cTn>
-                              </p:par>
-                              <p:par>
-                                <p:cTn id="38" presetID="10" presetClass="entr" presetSubtype="0" fill="hold" grpId="0" nodeType="withEffect">
-                                  <p:stCondLst>
-                                    <p:cond delay="0"/>
-                                  </p:stCondLst>
-                                  <p:childTnLst>
-                                    <p:set>
-                                      <p:cBhvr>
-                                        <p:cTn id="39" dur="1" fill="hold">
-                                          <p:stCondLst>
-                                            <p:cond delay="0"/>
-                                          </p:stCondLst>
-                                        </p:cTn>
-                                        <p:tgtEl>
-                                          <p:spTgt spid="48"/>
-                                        </p:tgtEl>
-                                        <p:attrNameLst>
-                                          <p:attrName>style.visibility</p:attrName>
-                                        </p:attrNameLst>
-                                      </p:cBhvr>
-                                      <p:to>
-                                        <p:strVal val="visible"/>
-                                      </p:to>
-                                    </p:set>
-                                    <p:animEffect transition="in" filter="fade">
-                                      <p:cBhvr>
-                                        <p:cTn id="40" dur="500"/>
-                                        <p:tgtEl>
-                                          <p:spTgt spid="48"/>
-                                        </p:tgtEl>
-                                      </p:cBhvr>
-                                    </p:animEffect>
-                                  </p:childTnLst>
-                                </p:cTn>
-                              </p:par>
-                            </p:childTnLst>
-                          </p:cTn>
-                        </p:par>
-                      </p:childTnLst>
-                    </p:cTn>
-                  </p:par>
-                  <p:par>
-                    <p:cTn id="41" fill="hold">
-                      <p:stCondLst>
-                        <p:cond delay="indefinite"/>
-                      </p:stCondLst>
-                      <p:childTnLst>
-                        <p:par>
-                          <p:cTn id="42" fill="hold">
-                            <p:stCondLst>
-                              <p:cond delay="0"/>
-                            </p:stCondLst>
-                            <p:childTnLst>
-                              <p:par>
-                                <p:cTn id="43" presetID="10" presetClass="entr" presetSubtype="0" fill="hold" grpId="0" nodeType="clickEffect">
-                                  <p:stCondLst>
-                                    <p:cond delay="0"/>
-                                  </p:stCondLst>
-                                  <p:childTnLst>
-                                    <p:set>
-                                      <p:cBhvr>
-                                        <p:cTn id="44" dur="1" fill="hold">
-                                          <p:stCondLst>
-                                            <p:cond delay="0"/>
-                                          </p:stCondLst>
-                                        </p:cTn>
-                                        <p:tgtEl>
-                                          <p:spTgt spid="10">
-                                            <p:txEl>
-                                              <p:pRg st="0" end="0"/>
-                                            </p:txEl>
-                                          </p:spTgt>
-                                        </p:tgtEl>
-                                        <p:attrNameLst>
-                                          <p:attrName>style.visibility</p:attrName>
-                                        </p:attrNameLst>
-                                      </p:cBhvr>
-                                      <p:to>
-                                        <p:strVal val="visible"/>
-                                      </p:to>
-                                    </p:set>
-                                    <p:animEffect transition="in" filter="fade">
-                                      <p:cBhvr>
-                                        <p:cTn id="45" dur="500"/>
-                                        <p:tgtEl>
-                                          <p:spTgt spid="10">
-                                            <p:txEl>
-                                              <p:pRg st="0" end="0"/>
-                                            </p:txEl>
-                                          </p:spTgt>
-                                        </p:tgtEl>
-                                      </p:cBhvr>
-                                    </p:animEffect>
-                                  </p:childTnLst>
-                                </p:cTn>
-                              </p:par>
-                              <p:par>
-                                <p:cTn id="46" presetID="10" presetClass="entr" presetSubtype="0" fill="hold" grpId="0" nodeType="withEffect">
-                                  <p:stCondLst>
-                                    <p:cond delay="0"/>
-                                  </p:stCondLst>
-                                  <p:childTnLst>
-                                    <p:set>
-                                      <p:cBhvr>
-                                        <p:cTn id="47" dur="1" fill="hold">
-                                          <p:stCondLst>
-                                            <p:cond delay="0"/>
-                                          </p:stCondLst>
-                                        </p:cTn>
-                                        <p:tgtEl>
-                                          <p:spTgt spid="11">
-                                            <p:txEl>
-                                              <p:pRg st="0" end="0"/>
-                                            </p:txEl>
-                                          </p:spTgt>
-                                        </p:tgtEl>
-                                        <p:attrNameLst>
-                                          <p:attrName>style.visibility</p:attrName>
-                                        </p:attrNameLst>
-                                      </p:cBhvr>
-                                      <p:to>
-                                        <p:strVal val="visible"/>
-                                      </p:to>
-                                    </p:set>
-                                    <p:animEffect transition="in" filter="fade">
-                                      <p:cBhvr>
-                                        <p:cTn id="48" dur="500"/>
-                                        <p:tgtEl>
-                                          <p:spTgt spid="11">
-                                            <p:txEl>
-                                              <p:pRg st="0" end="0"/>
-                                            </p:txEl>
-                                          </p:spTgt>
-                                        </p:tgtEl>
-                                      </p:cBhvr>
-                                    </p:animEffect>
-                                  </p:childTnLst>
-                                </p:cTn>
-                              </p:par>
-                              <p:par>
-                                <p:cTn id="49" presetID="10" presetClass="entr" presetSubtype="0" fill="hold" grpId="0" nodeType="withEffect">
-                                  <p:stCondLst>
-                                    <p:cond delay="0"/>
-                                  </p:stCondLst>
-                                  <p:childTnLst>
-                                    <p:set>
-                                      <p:cBhvr>
-                                        <p:cTn id="50" dur="1" fill="hold">
-                                          <p:stCondLst>
-                                            <p:cond delay="0"/>
-                                          </p:stCondLst>
-                                        </p:cTn>
-                                        <p:tgtEl>
-                                          <p:spTgt spid="11">
-                                            <p:txEl>
-                                              <p:pRg st="1" end="1"/>
-                                            </p:txEl>
-                                          </p:spTgt>
-                                        </p:tgtEl>
-                                        <p:attrNameLst>
-                                          <p:attrName>style.visibility</p:attrName>
-                                        </p:attrNameLst>
-                                      </p:cBhvr>
-                                      <p:to>
-                                        <p:strVal val="visible"/>
-                                      </p:to>
-                                    </p:set>
-                                    <p:animEffect transition="in" filter="fade">
-                                      <p:cBhvr>
-                                        <p:cTn id="51" dur="500"/>
-                                        <p:tgtEl>
-                                          <p:spTgt spid="11">
-                                            <p:txEl>
-                                              <p:pRg st="1" end="1"/>
-                                            </p:txEl>
-                                          </p:spTgt>
-                                        </p:tgtEl>
-                                      </p:cBhvr>
-                                    </p:animEffect>
-                                  </p:childTnLst>
-                                </p:cTn>
-                              </p:par>
-                              <p:par>
-                                <p:cTn id="52" presetID="10" presetClass="entr" presetSubtype="0" fill="hold" grpId="0" nodeType="withEffect">
-                                  <p:stCondLst>
-                                    <p:cond delay="0"/>
-                                  </p:stCondLst>
-                                  <p:childTnLst>
-                                    <p:set>
-                                      <p:cBhvr>
-                                        <p:cTn id="53" dur="1" fill="hold">
-                                          <p:stCondLst>
-                                            <p:cond delay="0"/>
-                                          </p:stCondLst>
-                                        </p:cTn>
-                                        <p:tgtEl>
-                                          <p:spTgt spid="11">
-                                            <p:txEl>
-                                              <p:pRg st="2" end="2"/>
-                                            </p:txEl>
-                                          </p:spTgt>
-                                        </p:tgtEl>
-                                        <p:attrNameLst>
-                                          <p:attrName>style.visibility</p:attrName>
-                                        </p:attrNameLst>
-                                      </p:cBhvr>
-                                      <p:to>
-                                        <p:strVal val="visible"/>
-                                      </p:to>
-                                    </p:set>
-                                    <p:animEffect transition="in" filter="fade">
-                                      <p:cBhvr>
-                                        <p:cTn id="54" dur="500"/>
-                                        <p:tgtEl>
-                                          <p:spTgt spid="11">
-                                            <p:txEl>
-                                              <p:pRg st="2" end="2"/>
-                                            </p:txEl>
-                                          </p:spTgt>
-                                        </p:tgtEl>
-                                      </p:cBhvr>
-                                    </p:animEffect>
-                                  </p:childTnLst>
-                                </p:cTn>
-                              </p:par>
-                            </p:childTnLst>
-                          </p:cTn>
-                        </p:par>
-                      </p:childTnLst>
-                    </p:cTn>
-                  </p:par>
-                </p:childTnLst>
-              </p:cTn>
-              <p:prevCondLst>
-                <p:cond evt="onPrev" delay="0">
-                  <p:tgtEl>
-                    <p:sldTgt/>
-                  </p:tgtEl>
-                </p:cond>
-              </p:prevCondLst>
-              <p:nextCondLst>
-                <p:cond evt="onNext" delay="0">
-                  <p:tgtEl>
-                    <p:sldTgt/>
-                  </p:tgtEl>
-                </p:cond>
-              </p:nextCondLst>
-            </p:seq>
-          </p:childTnLst>
-        </p:cTn>
-      </p:par>
-    </p:tnLst>
-    <p:bldLst>
-      <p:bldP spid="7" grpId="0" build="p"/>
-      <p:bldP spid="8" grpId="0" uiExpand="1" build="p"/>
-      <p:bldP spid="10" grpId="0" build="p"/>
-      <p:bldP spid="11" grpId="0" uiExpand="1" build="p"/>
-      <p:bldP spid="31" grpId="0"/>
-      <p:bldP spid="32" grpId="0"/>
-      <p:bldP spid="40" grpId="0"/>
-      <p:bldP spid="48" grpId="0" animBg="1"/>
-    </p:bldLst>
-  </p:timing>
 </p:sld>
 </file>
 
@@ -35970,15 +33385,6 @@
 </file>
 
 <file path=customXml/item1.xml><?xml version="1.0" encoding="utf-8"?>
-<?mso-contentType ?>
-<FormTemplates xmlns="http://schemas.microsoft.com/sharepoint/v3/contenttype/forms">
-  <Display>DocumentLibraryForm</Display>
-  <Edit>DocumentLibraryForm</Edit>
-  <New>DocumentLibraryForm</New>
-</FormTemplates>
-</file>
-
-<file path=customXml/item2.xml><?xml version="1.0" encoding="utf-8"?>
 <ct:contentTypeSchema xmlns:ct="http://schemas.microsoft.com/office/2006/metadata/contentType" xmlns:ma="http://schemas.microsoft.com/office/2006/metadata/properties/metaAttributes" ct:_="" ma:_="" ma:contentTypeName="Document" ma:contentTypeID="0x01010079F111ED35F8CC479449609E8A0923A6" ma:contentTypeVersion="28" ma:contentTypeDescription="Create a new document." ma:contentTypeScope="" ma:versionID="60f5a4f2d2b0abadcf532d48ebf9cb71">
   <xsd:schema xmlns:xsd="http://www.w3.org/2001/XMLSchema" xmlns:xs="http://www.w3.org/2001/XMLSchema" xmlns:p="http://schemas.microsoft.com/office/2006/metadata/properties" xmlns:ns1="http://schemas.microsoft.com/sharepoint/v3" xmlns:ns2="71af3243-3dd4-4a8d-8c0d-dd76da1f02a5" xmlns:ns3="16c05727-aa75-4e4a-9b5f-8a80a1165891" xmlns:ns4="230e9df3-be65-4c73-a93b-d1236ebd677e" targetNamespace="http://schemas.microsoft.com/office/2006/metadata/properties" ma:root="true" ma:fieldsID="7dd78129e6a1811f84807ad11c651531" ns1:_="" ns2:_="" ns3:_="" ns4:_="">
     <xsd:import namespace="http://schemas.microsoft.com/sharepoint/v3"/>
@@ -36290,6 +33696,15 @@
 </ct:contentTypeSchema>
 </file>
 
+<file path=customXml/item2.xml><?xml version="1.0" encoding="utf-8"?>
+<?mso-contentType ?>
+<FormTemplates xmlns="http://schemas.microsoft.com/sharepoint/v3/contenttype/forms">
+  <Display>DocumentLibraryForm</Display>
+  <Edit>DocumentLibraryForm</Edit>
+  <New>DocumentLibraryForm</New>
+</FormTemplates>
+</file>
+
 <file path=customXml/item3.xml><?xml version="1.0" encoding="utf-8"?>
 <p:properties xmlns:p="http://schemas.microsoft.com/office/2006/metadata/properties" xmlns:xsi="http://www.w3.org/2001/XMLSchema-instance" xmlns:pc="http://schemas.microsoft.com/office/infopath/2007/PartnerControls">
   <documentManagement>
@@ -36311,14 +33726,6 @@
 </file>
 
 <file path=customXml/itemProps1.xml><?xml version="1.0" encoding="utf-8"?>
-<ds:datastoreItem xmlns:ds="http://schemas.openxmlformats.org/officeDocument/2006/customXml" ds:itemID="{D5B334C4-64A2-4673-803C-35178659DDD3}">
-  <ds:schemaRefs>
-    <ds:schemaRef ds:uri="http://schemas.microsoft.com/sharepoint/v3/contenttype/forms"/>
-  </ds:schemaRefs>
-</ds:datastoreItem>
-</file>
-
-<file path=customXml/itemProps2.xml><?xml version="1.0" encoding="utf-8"?>
 <ds:datastoreItem xmlns:ds="http://schemas.openxmlformats.org/officeDocument/2006/customXml" ds:itemID="{981AF751-E016-414F-92E5-F2DC739E07D5}">
   <ds:schemaRefs>
     <ds:schemaRef ds:uri="http://schemas.microsoft.com/office/2006/metadata/contentType"/>
@@ -36335,6 +33742,14 @@
     <ds:schemaRef ds:uri="http://purl.org/dc/elements/1.1/"/>
     <ds:schemaRef ds:uri="http://purl.org/dc/terms/"/>
     <ds:schemaRef ds:uri="http://schemas.microsoft.com/internal/obd"/>
+  </ds:schemaRefs>
+</ds:datastoreItem>
+</file>
+
+<file path=customXml/itemProps2.xml><?xml version="1.0" encoding="utf-8"?>
+<ds:datastoreItem xmlns:ds="http://schemas.openxmlformats.org/officeDocument/2006/customXml" ds:itemID="{D5B334C4-64A2-4673-803C-35178659DDD3}">
+  <ds:schemaRefs>
+    <ds:schemaRef ds:uri="http://schemas.microsoft.com/sharepoint/v3/contenttype/forms"/>
   </ds:schemaRefs>
 </ds:datastoreItem>
 </file>

--- a/PyCrimes_Final/PyCrimes_Presentation.pptx
+++ b/PyCrimes_Final/PyCrimes_Presentation.pptx
@@ -961,7 +961,7 @@
             </a:pPr>
             <a:r>
               <a:rPr lang="en-US" sz="1200" dirty="0"/>
-              <a:t>This is our heatmap of total arrests in the US between 2010 and 2020.  </a:t>
+              <a:t>This is our heatmap of the average total arrests in the US between 2010 and 2020.  </a:t>
             </a:r>
           </a:p>
           <a:p>
@@ -995,6 +995,106 @@
             <a:r>
               <a:rPr lang="en-US" sz="1200" dirty="0"/>
               <a:t> to give a color gauge to our map to illustrate the areas with the greatest concentration of arrets.</a:t>
+            </a:r>
+          </a:p>
+          <a:p>
+            <a:pPr algn="just">
+              <a:lnSpc>
+                <a:spcPct val="100000"/>
+              </a:lnSpc>
+              <a:spcBef>
+                <a:spcPts val="0"/>
+              </a:spcBef>
+            </a:pPr>
+            <a:endParaRPr lang="en-US" sz="1200" dirty="0"/>
+          </a:p>
+          <a:p>
+            <a:pPr algn="just">
+              <a:lnSpc>
+                <a:spcPct val="100000"/>
+              </a:lnSpc>
+              <a:spcBef>
+                <a:spcPts val="0"/>
+              </a:spcBef>
+            </a:pPr>
+            <a:r>
+              <a:rPr lang="en-US" sz="1200" dirty="0"/>
+              <a:t>Red is higher, Green is lower. </a:t>
+            </a:r>
+          </a:p>
+          <a:p>
+            <a:pPr algn="just">
+              <a:lnSpc>
+                <a:spcPct val="100000"/>
+              </a:lnSpc>
+              <a:spcBef>
+                <a:spcPts val="0"/>
+              </a:spcBef>
+            </a:pPr>
+            <a:endParaRPr lang="en-US" sz="1200" dirty="0"/>
+          </a:p>
+          <a:p>
+            <a:pPr algn="just">
+              <a:lnSpc>
+                <a:spcPct val="100000"/>
+              </a:lnSpc>
+              <a:spcBef>
+                <a:spcPts val="0"/>
+              </a:spcBef>
+            </a:pPr>
+            <a:r>
+              <a:rPr lang="en-US" sz="1200" dirty="0"/>
+              <a:t>This is showing us that the greatest concentration of arrests are in the most populated areas.  </a:t>
+            </a:r>
+          </a:p>
+          <a:p>
+            <a:pPr algn="just">
+              <a:lnSpc>
+                <a:spcPct val="100000"/>
+              </a:lnSpc>
+              <a:spcBef>
+                <a:spcPts val="0"/>
+              </a:spcBef>
+            </a:pPr>
+            <a:endParaRPr lang="en-US" sz="1200" dirty="0"/>
+          </a:p>
+          <a:p>
+            <a:pPr algn="just">
+              <a:lnSpc>
+                <a:spcPct val="100000"/>
+              </a:lnSpc>
+              <a:spcBef>
+                <a:spcPts val="0"/>
+              </a:spcBef>
+            </a:pPr>
+            <a:r>
+              <a:rPr lang="en-US" sz="1200" dirty="0"/>
+              <a:t>California, Texas, Florida, and New York</a:t>
+            </a:r>
+          </a:p>
+          <a:p>
+            <a:pPr algn="just">
+              <a:lnSpc>
+                <a:spcPct val="100000"/>
+              </a:lnSpc>
+              <a:spcBef>
+                <a:spcPts val="0"/>
+              </a:spcBef>
+            </a:pPr>
+            <a:endParaRPr lang="en-US" sz="1200" dirty="0"/>
+          </a:p>
+          <a:p>
+            <a:pPr algn="just">
+              <a:lnSpc>
+                <a:spcPct val="100000"/>
+              </a:lnSpc>
+              <a:spcBef>
+                <a:spcPts val="0"/>
+              </a:spcBef>
+            </a:pPr>
+            <a:r>
+              <a:rPr lang="en-US" sz="1200" dirty="0"/>
+              <a:t>However, that is not the whole story.</a:t>
             </a:r>
           </a:p>
           <a:p>
@@ -1103,7 +1203,7 @@
             </a:pPr>
             <a:r>
               <a:rPr lang="en-US" sz="1200" dirty="0"/>
-              <a:t>This map tells a different story.</a:t>
+              <a:t>This map tells us another story….</a:t>
             </a:r>
           </a:p>
           <a:p>
@@ -1115,10 +1215,7 @@
                 <a:spcPts val="0"/>
               </a:spcBef>
             </a:pPr>
-            <a:r>
-              <a:rPr lang="en-US" sz="1200" dirty="0"/>
-              <a:t>We adjusted the arrest numbers per capita, to visualize the Arrest Rate. </a:t>
-            </a:r>
+            <a:endParaRPr lang="en-US" sz="1200" dirty="0"/>
           </a:p>
           <a:p>
             <a:pPr algn="just">
@@ -1131,7 +1228,7 @@
             </a:pPr>
             <a:r>
               <a:rPr lang="en-US" sz="1200" dirty="0"/>
-              <a:t>What we see is arrest rates are more normalized and that the hot spots are no longer just the population centers.</a:t>
+              <a:t>This is what it looks like when we adjust our numbers per capita to show each state’s actual Arrest Rates.</a:t>
             </a:r>
           </a:p>
           <a:p>
@@ -1144,6 +1241,95 @@
               </a:spcBef>
             </a:pPr>
             <a:endParaRPr lang="en-US" sz="1200" dirty="0"/>
+          </a:p>
+          <a:p>
+            <a:pPr algn="just">
+              <a:lnSpc>
+                <a:spcPct val="100000"/>
+              </a:lnSpc>
+              <a:spcBef>
+                <a:spcPts val="0"/>
+              </a:spcBef>
+            </a:pPr>
+            <a:r>
+              <a:rPr lang="en-US" sz="1200" dirty="0"/>
+              <a:t>We see now that arrest rates are more normalized throughout the country and that the hotspots are no longer just the population centers.</a:t>
+            </a:r>
+          </a:p>
+          <a:p>
+            <a:pPr algn="just">
+              <a:lnSpc>
+                <a:spcPct val="100000"/>
+              </a:lnSpc>
+              <a:spcBef>
+                <a:spcPts val="0"/>
+              </a:spcBef>
+            </a:pPr>
+            <a:endParaRPr lang="en-US" sz="1200" dirty="0"/>
+          </a:p>
+          <a:p>
+            <a:pPr algn="just">
+              <a:lnSpc>
+                <a:spcPct val="100000"/>
+              </a:lnSpc>
+              <a:spcBef>
+                <a:spcPts val="0"/>
+              </a:spcBef>
+            </a:pPr>
+            <a:r>
+              <a:rPr lang="en-US" sz="1200" dirty="0"/>
+              <a:t>The outliers we see here are Delaware and Tennessee, but for most of the map, the data is trending towards the average.</a:t>
+            </a:r>
+          </a:p>
+          <a:p>
+            <a:pPr algn="just">
+              <a:lnSpc>
+                <a:spcPct val="100000"/>
+              </a:lnSpc>
+              <a:spcBef>
+                <a:spcPts val="0"/>
+              </a:spcBef>
+            </a:pPr>
+            <a:endParaRPr lang="en-US" sz="1200" dirty="0"/>
+          </a:p>
+          <a:p>
+            <a:pPr algn="just">
+              <a:lnSpc>
+                <a:spcPct val="100000"/>
+              </a:lnSpc>
+              <a:spcBef>
+                <a:spcPts val="0"/>
+              </a:spcBef>
+            </a:pPr>
+            <a:r>
+              <a:rPr lang="en-US" sz="1200" dirty="0"/>
+              <a:t>We didn’t make this adjustment so that the higher population states look better.  The two maps should be taken together to gain a fuller understanding of what our data is trying to tell us.</a:t>
+            </a:r>
+          </a:p>
+          <a:p>
+            <a:pPr algn="just">
+              <a:lnSpc>
+                <a:spcPct val="100000"/>
+              </a:lnSpc>
+              <a:spcBef>
+                <a:spcPts val="0"/>
+              </a:spcBef>
+            </a:pPr>
+            <a:endParaRPr lang="en-US" sz="1200" dirty="0"/>
+          </a:p>
+          <a:p>
+            <a:pPr algn="just">
+              <a:lnSpc>
+                <a:spcPct val="100000"/>
+              </a:lnSpc>
+              <a:spcBef>
+                <a:spcPts val="0"/>
+              </a:spcBef>
+            </a:pPr>
+            <a:r>
+              <a:rPr lang="en-US" sz="1200" dirty="0"/>
+              <a:t>And for even more context, I’m going to kick it over to Michelle </a:t>
+            </a:r>
           </a:p>
           <a:p>
             <a:endParaRPr lang="en-US" dirty="0"/>
@@ -4357,7 +4543,7 @@
           <a:p>
             <a:r>
               <a:rPr lang="en-US" dirty="0"/>
-              <a:t>First, the state with the Highest Rate of Arrest (Per Capita) was…</a:t>
+              <a:t>First, the state with the Highest Rate of Arrest (per capita) was…</a:t>
             </a:r>
           </a:p>
           <a:p>
@@ -4375,12 +4561,6 @@
           <a:p>
             <a:r>
               <a:rPr lang="en-US" dirty="0"/>
-              <a:t>- Tennessee was second with 832</a:t>
-            </a:r>
-          </a:p>
-          <a:p>
-            <a:r>
-              <a:rPr lang="en-US" dirty="0"/>
               <a:t>- Also, in 2012, Delaware had the highest single year arrest rate, nationwide,, with 1214 arrests per capita.</a:t>
             </a:r>
           </a:p>
@@ -4396,7 +4576,7 @@
           <a:p>
             <a:r>
               <a:rPr lang="en-US" dirty="0"/>
-              <a:t>- Sorry, its hared to find an icon for ‘not getting arrested’</a:t>
+              <a:t>- Sorry, its hard to find an icon for ‘not getting arrested’</a:t>
             </a:r>
           </a:p>
           <a:p>
@@ -4409,12 +4589,6 @@
             <a:r>
               <a:rPr lang="en-US" dirty="0"/>
               <a:t>- Averaged 125 arrests per capita</a:t>
-            </a:r>
-          </a:p>
-          <a:p>
-            <a:r>
-              <a:rPr lang="en-US" dirty="0"/>
-              <a:t>- Washington DC was in our data with an average 30 arrests per capita, but they aren’t a state yet.</a:t>
             </a:r>
           </a:p>
           <a:p>
@@ -4545,8 +4719,19 @@
             </a:pPr>
             <a:r>
               <a:rPr lang="en-US" sz="1400" dirty="0"/>
-              <a:t>One of our first findings was a significant and steady downward trend in reported property crime arrests.</a:t>
-            </a:r>
+              <a:t>One of the first findings that we… found… was a significant downward trend in reported property crime arrests for our time period. </a:t>
+            </a:r>
+          </a:p>
+          <a:p>
+            <a:pPr algn="just">
+              <a:lnSpc>
+                <a:spcPct val="100000"/>
+              </a:lnSpc>
+              <a:spcBef>
+                <a:spcPts val="0"/>
+              </a:spcBef>
+            </a:pPr>
+            <a:endParaRPr lang="en-US" sz="1400" dirty="0"/>
           </a:p>
           <a:p>
             <a:pPr marL="0" indent="0" algn="just">
@@ -4560,7 +4745,141 @@
             </a:pPr>
             <a:r>
               <a:rPr lang="en-US" sz="1400" dirty="0"/>
-              <a:t> </a:t>
+              <a:t>The numbers we have here are an aggregate of arrests across all states, for all offenses classified by the FBI as </a:t>
+            </a:r>
+            <a:r>
+              <a:rPr lang="en-US" sz="1400" b="1" i="1" dirty="0"/>
+              <a:t>Property Crimes</a:t>
+            </a:r>
+            <a:r>
+              <a:rPr lang="en-US" sz="1400" dirty="0"/>
+              <a:t>, which are:</a:t>
+            </a:r>
+          </a:p>
+          <a:p>
+            <a:pPr lvl="1" algn="just">
+              <a:lnSpc>
+                <a:spcPct val="100000"/>
+              </a:lnSpc>
+              <a:spcBef>
+                <a:spcPts val="0"/>
+              </a:spcBef>
+            </a:pPr>
+            <a:r>
+              <a:rPr lang="en-US" sz="1400" dirty="0"/>
+              <a:t>Arson</a:t>
+            </a:r>
+          </a:p>
+          <a:p>
+            <a:pPr lvl="1" algn="just">
+              <a:lnSpc>
+                <a:spcPct val="100000"/>
+              </a:lnSpc>
+              <a:spcBef>
+                <a:spcPts val="0"/>
+              </a:spcBef>
+            </a:pPr>
+            <a:r>
+              <a:rPr lang="en-US" sz="1400" dirty="0"/>
+              <a:t>Larceny – Theft</a:t>
+            </a:r>
+          </a:p>
+          <a:p>
+            <a:pPr lvl="1" algn="just">
+              <a:lnSpc>
+                <a:spcPct val="100000"/>
+              </a:lnSpc>
+              <a:spcBef>
+                <a:spcPts val="0"/>
+              </a:spcBef>
+            </a:pPr>
+            <a:r>
+              <a:rPr lang="en-US" sz="1400" dirty="0"/>
+              <a:t>Vehicle Theft</a:t>
+            </a:r>
+          </a:p>
+          <a:p>
+            <a:pPr lvl="1" algn="just">
+              <a:lnSpc>
+                <a:spcPct val="100000"/>
+              </a:lnSpc>
+              <a:spcBef>
+                <a:spcPts val="0"/>
+              </a:spcBef>
+            </a:pPr>
+            <a:r>
+              <a:rPr lang="en-US" sz="1400" dirty="0"/>
+              <a:t>Burglary</a:t>
+            </a:r>
+          </a:p>
+          <a:p>
+            <a:pPr lvl="1" algn="just">
+              <a:lnSpc>
+                <a:spcPct val="100000"/>
+              </a:lnSpc>
+              <a:spcBef>
+                <a:spcPts val="0"/>
+              </a:spcBef>
+            </a:pPr>
+            <a:r>
+              <a:rPr lang="en-US" sz="1400" dirty="0"/>
+              <a:t>Embezzlement</a:t>
+            </a:r>
+          </a:p>
+          <a:p>
+            <a:pPr lvl="1" algn="just">
+              <a:lnSpc>
+                <a:spcPct val="100000"/>
+              </a:lnSpc>
+              <a:spcBef>
+                <a:spcPts val="0"/>
+              </a:spcBef>
+            </a:pPr>
+            <a:r>
+              <a:rPr lang="en-US" sz="1400" dirty="0"/>
+              <a:t>Forgery &amp; Counterfeiting</a:t>
+            </a:r>
+          </a:p>
+          <a:p>
+            <a:pPr lvl="1" algn="just">
+              <a:lnSpc>
+                <a:spcPct val="100000"/>
+              </a:lnSpc>
+              <a:spcBef>
+                <a:spcPts val="0"/>
+              </a:spcBef>
+            </a:pPr>
+            <a:r>
+              <a:rPr lang="en-US" sz="1400" dirty="0"/>
+              <a:t>Fraud</a:t>
+            </a:r>
+          </a:p>
+          <a:p>
+            <a:pPr lvl="1" algn="just">
+              <a:lnSpc>
+                <a:spcPct val="100000"/>
+              </a:lnSpc>
+              <a:spcBef>
+                <a:spcPts val="0"/>
+              </a:spcBef>
+            </a:pPr>
+            <a:r>
+              <a:rPr lang="en-US" sz="1400" dirty="0"/>
+              <a:t>Vandalism</a:t>
+            </a:r>
+          </a:p>
+          <a:p>
+            <a:pPr lvl="1" algn="just">
+              <a:lnSpc>
+                <a:spcPct val="100000"/>
+              </a:lnSpc>
+              <a:spcBef>
+                <a:spcPts val="0"/>
+              </a:spcBef>
+            </a:pPr>
+            <a:r>
+              <a:rPr lang="en-US" sz="1400" dirty="0"/>
+              <a:t>Dealing in Stolen Property</a:t>
             </a:r>
           </a:p>
           <a:p>
@@ -4572,144 +4891,7 @@
                 <a:spcPts val="0"/>
               </a:spcBef>
             </a:pPr>
-            <a:r>
-              <a:rPr lang="en-US" sz="1400" dirty="0"/>
-              <a:t>The numbers shown here are an aggregate of arrests across all states, for all offenses classified by the FBI as </a:t>
-            </a:r>
-            <a:r>
-              <a:rPr lang="en-US" sz="1400" b="1" i="1" dirty="0"/>
-              <a:t>Property Crimes</a:t>
-            </a:r>
-            <a:r>
-              <a:rPr lang="en-US" sz="1400" dirty="0"/>
-              <a:t>, which are:</a:t>
-            </a:r>
-          </a:p>
-          <a:p>
-            <a:pPr lvl="1" algn="just">
-              <a:lnSpc>
-                <a:spcPct val="100000"/>
-              </a:lnSpc>
-              <a:spcBef>
-                <a:spcPts val="0"/>
-              </a:spcBef>
-            </a:pPr>
-            <a:r>
-              <a:rPr lang="en-US" sz="1400" dirty="0"/>
-              <a:t>Arson</a:t>
-            </a:r>
-          </a:p>
-          <a:p>
-            <a:pPr lvl="1" algn="just">
-              <a:lnSpc>
-                <a:spcPct val="100000"/>
-              </a:lnSpc>
-              <a:spcBef>
-                <a:spcPts val="0"/>
-              </a:spcBef>
-            </a:pPr>
-            <a:r>
-              <a:rPr lang="en-US" sz="1400" dirty="0"/>
-              <a:t>Larceny – Theft</a:t>
-            </a:r>
-          </a:p>
-          <a:p>
-            <a:pPr lvl="1" algn="just">
-              <a:lnSpc>
-                <a:spcPct val="100000"/>
-              </a:lnSpc>
-              <a:spcBef>
-                <a:spcPts val="0"/>
-              </a:spcBef>
-            </a:pPr>
-            <a:r>
-              <a:rPr lang="en-US" sz="1400" dirty="0"/>
-              <a:t>Vehicle Theft</a:t>
-            </a:r>
-          </a:p>
-          <a:p>
-            <a:pPr lvl="1" algn="just">
-              <a:lnSpc>
-                <a:spcPct val="100000"/>
-              </a:lnSpc>
-              <a:spcBef>
-                <a:spcPts val="0"/>
-              </a:spcBef>
-            </a:pPr>
-            <a:r>
-              <a:rPr lang="en-US" sz="1400" dirty="0"/>
-              <a:t>Burglary</a:t>
-            </a:r>
-          </a:p>
-          <a:p>
-            <a:pPr lvl="1" algn="just">
-              <a:lnSpc>
-                <a:spcPct val="100000"/>
-              </a:lnSpc>
-              <a:spcBef>
-                <a:spcPts val="0"/>
-              </a:spcBef>
-            </a:pPr>
-            <a:r>
-              <a:rPr lang="en-US" sz="1400" dirty="0"/>
-              <a:t>Embezzlement</a:t>
-            </a:r>
-          </a:p>
-          <a:p>
-            <a:pPr lvl="1" algn="just">
-              <a:lnSpc>
-                <a:spcPct val="100000"/>
-              </a:lnSpc>
-              <a:spcBef>
-                <a:spcPts val="0"/>
-              </a:spcBef>
-            </a:pPr>
-            <a:r>
-              <a:rPr lang="en-US" sz="1400" dirty="0"/>
-              <a:t>Forgery &amp; Counterfeiting</a:t>
-            </a:r>
-          </a:p>
-          <a:p>
-            <a:pPr lvl="1" algn="just">
-              <a:lnSpc>
-                <a:spcPct val="100000"/>
-              </a:lnSpc>
-              <a:spcBef>
-                <a:spcPts val="0"/>
-              </a:spcBef>
-            </a:pPr>
-            <a:r>
-              <a:rPr lang="en-US" sz="1400" dirty="0"/>
-              <a:t>Fraud</a:t>
-            </a:r>
-          </a:p>
-          <a:p>
-            <a:pPr lvl="1" algn="just">
-              <a:lnSpc>
-                <a:spcPct val="100000"/>
-              </a:lnSpc>
-              <a:spcBef>
-                <a:spcPts val="0"/>
-              </a:spcBef>
-            </a:pPr>
-            <a:r>
-              <a:rPr lang="en-US" sz="1400" dirty="0"/>
-              <a:t>Vandalism</a:t>
-            </a:r>
-          </a:p>
-          <a:p>
-            <a:pPr lvl="1" algn="just">
-              <a:lnSpc>
-                <a:spcPct val="100000"/>
-              </a:lnSpc>
-              <a:spcBef>
-                <a:spcPts val="0"/>
-              </a:spcBef>
-            </a:pPr>
-            <a:r>
-              <a:rPr lang="en-US" sz="1400" dirty="0"/>
-              <a:t>Dealing in Stolen Property</a:t>
-            </a:r>
+            <a:endParaRPr lang="en-US" sz="1400" dirty="0"/>
           </a:p>
           <a:p>
             <a:pPr algn="just">
@@ -4720,7 +4902,10 @@
                 <a:spcPts val="0"/>
               </a:spcBef>
             </a:pPr>
-            <a:endParaRPr lang="en-US" sz="1400" dirty="0"/>
+            <a:r>
+              <a:rPr lang="en-US" sz="1400" dirty="0"/>
+              <a:t>We see that we start here in 2010 with over 1 Million, 800 thousand arrests… To  just under a million in 2020.</a:t>
+            </a:r>
           </a:p>
           <a:p>
             <a:pPr algn="just">
@@ -4742,7 +4927,18 @@
                 <a:spcPts val="0"/>
               </a:spcBef>
             </a:pPr>
-            <a:endParaRPr lang="en-US" sz="1400" dirty="0"/>
+            <a:r>
+              <a:rPr lang="en-US" sz="1400" dirty="0"/>
+              <a:t>Michelle has some charts that might provide some explanations for some of these later numbers, but we wanted to see if we could </a:t>
+            </a:r>
+            <a:r>
+              <a:rPr lang="en-US" sz="1400"/>
+              <a:t>find some answers </a:t>
+            </a:r>
+            <a:r>
+              <a:rPr lang="en-US" sz="1400" dirty="0"/>
+              <a:t>in our data sources first…</a:t>
+            </a:r>
           </a:p>
           <a:p>
             <a:endParaRPr lang="en-US" dirty="0"/>
@@ -4829,44 +5025,82 @@
           <a:bodyPr/>
           <a:lstStyle/>
           <a:p>
-            <a:pPr marL="285750" indent="-285750">
+            <a:pPr marL="0" indent="0">
               <a:buFont typeface="Arial" panose="020B0604020202020204" pitchFamily="34" charset="0"/>
-              <a:buChar char="•"/>
+              <a:buNone/>
             </a:pPr>
             <a:r>
               <a:rPr lang="en-US" dirty="0"/>
-              <a:t>These charts show that the number of agencies reporting to the Crime Data Explorer and the number of law enforcement personnel remained relatively stable throughout the subject period.</a:t>
-            </a:r>
-          </a:p>
-          <a:p>
-            <a:pPr marL="285750" indent="-285750">
+              <a:t>So, here’s how we checked those sources….</a:t>
+            </a:r>
+          </a:p>
+          <a:p>
+            <a:pPr marL="0" indent="0">
               <a:buFont typeface="Arial" panose="020B0604020202020204" pitchFamily="34" charset="0"/>
-              <a:buChar char="•"/>
+              <a:buNone/>
             </a:pPr>
             <a:endParaRPr lang="en-US" dirty="0"/>
           </a:p>
           <a:p>
-            <a:pPr marL="285750" indent="-285750">
+            <a:pPr marL="0" indent="0">
               <a:buFont typeface="Arial" panose="020B0604020202020204" pitchFamily="34" charset="0"/>
-              <a:buChar char="•"/>
+              <a:buNone/>
             </a:pPr>
             <a:r>
               <a:rPr lang="en-US" dirty="0"/>
-              <a:t>This provides added context to our overall arrest data, which shows a steady downward trend.  </a:t>
-            </a:r>
-          </a:p>
-          <a:p>
-            <a:pPr marL="285750" indent="-285750">
+              <a:t>We have two charts here. The one on the left shows the number of Agencies reporting to the FBI’s Crime Data Explorer.  The chart on the left shows the number of law enforcement employees who were on the books during our timeframe.  </a:t>
+            </a:r>
+          </a:p>
+          <a:p>
+            <a:pPr marL="0" indent="0">
               <a:buFont typeface="Arial" panose="020B0604020202020204" pitchFamily="34" charset="0"/>
-              <a:buChar char="•"/>
+              <a:buNone/>
             </a:pPr>
+            <a:endParaRPr lang="en-US" dirty="0"/>
+          </a:p>
+          <a:p>
+            <a:pPr marL="0" indent="0">
+              <a:buFont typeface="Arial" panose="020B0604020202020204" pitchFamily="34" charset="0"/>
+              <a:buNone/>
+            </a:pPr>
             <a:r>
               <a:rPr lang="en-US" dirty="0"/>
-              <a:t>If these charts showed drops in reporting agencies or in law enforcement officers, those could be possible outside factors that influenced the drop in reported arrests, but that does not appear to be the case.</a:t>
-            </a:r>
-          </a:p>
-          <a:p>
+              <a:t>This provides added context to our overall arrest data which showed a steady downward trend.</a:t>
+            </a:r>
+          </a:p>
+          <a:p>
+            <a:pPr marL="0" indent="0">
+              <a:buFont typeface="Arial" panose="020B0604020202020204" pitchFamily="34" charset="0"/>
+              <a:buNone/>
+            </a:pPr>
             <a:endParaRPr lang="en-US" dirty="0"/>
+          </a:p>
+          <a:p>
+            <a:pPr marL="0" indent="0">
+              <a:buFont typeface="Arial" panose="020B0604020202020204" pitchFamily="34" charset="0"/>
+              <a:buNone/>
+            </a:pPr>
+            <a:r>
+              <a:rPr lang="en-US" dirty="0"/>
+              <a:t>If these charts showed a drop in Reporting Agencies or in the number of law enforcement officials, then then those could be possible outside factors that might influence a drop in reported arrests.  </a:t>
+            </a:r>
+          </a:p>
+          <a:p>
+            <a:pPr marL="0" indent="0">
+              <a:buFont typeface="Arial" panose="020B0604020202020204" pitchFamily="34" charset="0"/>
+              <a:buNone/>
+            </a:pPr>
+            <a:endParaRPr lang="en-US" dirty="0"/>
+          </a:p>
+          <a:p>
+            <a:pPr marL="0" indent="0">
+              <a:buFont typeface="Arial" panose="020B0604020202020204" pitchFamily="34" charset="0"/>
+              <a:buNone/>
+            </a:pPr>
+            <a:r>
+              <a:rPr lang="en-US" dirty="0"/>
+              <a:t>But that does not appear to be the case, we see that the dataset gained reporting agencies overtime and the number of law enforcement officers remained relatively stable and ended higher than it began.</a:t>
+            </a:r>
           </a:p>
         </p:txBody>
       </p:sp>
@@ -30744,22 +30978,15 @@
           <a:p>
             <a:pPr algn="ctr"/>
             <a:r>
-              <a:rPr lang="en-US" sz="1200" dirty="0"/>
+              <a:rPr lang="en-US" dirty="0"/>
               <a:t>Averaged 1031 arrests per capita.</a:t>
             </a:r>
           </a:p>
           <a:p>
             <a:pPr algn="ctr"/>
             <a:r>
-              <a:rPr lang="en-US" sz="1200" dirty="0"/>
+              <a:rPr lang="en-US" dirty="0"/>
               <a:t>Delaware also had the single year highest arrest per capita with 1214 in 2012. </a:t>
-            </a:r>
-          </a:p>
-          <a:p>
-            <a:pPr algn="ctr"/>
-            <a:r>
-              <a:rPr lang="en-US" sz="1200" dirty="0"/>
-              <a:t>Tennessee was second with 832.</a:t>
             </a:r>
           </a:p>
         </p:txBody>
@@ -30826,27 +31053,20 @@
         </p:spPr>
         <p:txBody>
           <a:bodyPr>
-            <a:normAutofit lnSpcReduction="10000"/>
+            <a:normAutofit/>
           </a:bodyPr>
           <a:lstStyle/>
           <a:p>
             <a:pPr algn="ctr"/>
             <a:r>
-              <a:rPr lang="en-US" sz="1200" dirty="0"/>
+              <a:rPr lang="en-US" dirty="0"/>
               <a:t>Averaged 125 arrests per capita.</a:t>
             </a:r>
           </a:p>
           <a:p>
             <a:pPr algn="ctr"/>
             <a:r>
-              <a:rPr lang="en-US" sz="1200" dirty="0"/>
-              <a:t>Washington DC was in our data with with an average of 30 per capita, but they aren’t a state yet.</a:t>
-            </a:r>
-          </a:p>
-          <a:p>
-            <a:pPr algn="ctr"/>
-            <a:r>
-              <a:rPr lang="en-US" sz="1200" dirty="0"/>
+              <a:rPr lang="en-US" dirty="0"/>
               <a:t>Single lowest year was Pennsylvania with 3.5 arrests per capita in 2020.</a:t>
             </a:r>
           </a:p>
@@ -33385,6 +33605,15 @@
 </file>
 
 <file path=customXml/item1.xml><?xml version="1.0" encoding="utf-8"?>
+<?mso-contentType ?>
+<FormTemplates xmlns="http://schemas.microsoft.com/sharepoint/v3/contenttype/forms">
+  <Display>DocumentLibraryForm</Display>
+  <Edit>DocumentLibraryForm</Edit>
+  <New>DocumentLibraryForm</New>
+</FormTemplates>
+</file>
+
+<file path=customXml/item2.xml><?xml version="1.0" encoding="utf-8"?>
 <ct:contentTypeSchema xmlns:ct="http://schemas.microsoft.com/office/2006/metadata/contentType" xmlns:ma="http://schemas.microsoft.com/office/2006/metadata/properties/metaAttributes" ct:_="" ma:_="" ma:contentTypeName="Document" ma:contentTypeID="0x01010079F111ED35F8CC479449609E8A0923A6" ma:contentTypeVersion="28" ma:contentTypeDescription="Create a new document." ma:contentTypeScope="" ma:versionID="60f5a4f2d2b0abadcf532d48ebf9cb71">
   <xsd:schema xmlns:xsd="http://www.w3.org/2001/XMLSchema" xmlns:xs="http://www.w3.org/2001/XMLSchema" xmlns:p="http://schemas.microsoft.com/office/2006/metadata/properties" xmlns:ns1="http://schemas.microsoft.com/sharepoint/v3" xmlns:ns2="71af3243-3dd4-4a8d-8c0d-dd76da1f02a5" xmlns:ns3="16c05727-aa75-4e4a-9b5f-8a80a1165891" xmlns:ns4="230e9df3-be65-4c73-a93b-d1236ebd677e" targetNamespace="http://schemas.microsoft.com/office/2006/metadata/properties" ma:root="true" ma:fieldsID="7dd78129e6a1811f84807ad11c651531" ns1:_="" ns2:_="" ns3:_="" ns4:_="">
     <xsd:import namespace="http://schemas.microsoft.com/sharepoint/v3"/>
@@ -33696,15 +33925,6 @@
 </ct:contentTypeSchema>
 </file>
 
-<file path=customXml/item2.xml><?xml version="1.0" encoding="utf-8"?>
-<?mso-contentType ?>
-<FormTemplates xmlns="http://schemas.microsoft.com/sharepoint/v3/contenttype/forms">
-  <Display>DocumentLibraryForm</Display>
-  <Edit>DocumentLibraryForm</Edit>
-  <New>DocumentLibraryForm</New>
-</FormTemplates>
-</file>
-
 <file path=customXml/item3.xml><?xml version="1.0" encoding="utf-8"?>
 <p:properties xmlns:p="http://schemas.microsoft.com/office/2006/metadata/properties" xmlns:xsi="http://www.w3.org/2001/XMLSchema-instance" xmlns:pc="http://schemas.microsoft.com/office/infopath/2007/PartnerControls">
   <documentManagement>
@@ -33726,6 +33946,14 @@
 </file>
 
 <file path=customXml/itemProps1.xml><?xml version="1.0" encoding="utf-8"?>
+<ds:datastoreItem xmlns:ds="http://schemas.openxmlformats.org/officeDocument/2006/customXml" ds:itemID="{D5B334C4-64A2-4673-803C-35178659DDD3}">
+  <ds:schemaRefs>
+    <ds:schemaRef ds:uri="http://schemas.microsoft.com/sharepoint/v3/contenttype/forms"/>
+  </ds:schemaRefs>
+</ds:datastoreItem>
+</file>
+
+<file path=customXml/itemProps2.xml><?xml version="1.0" encoding="utf-8"?>
 <ds:datastoreItem xmlns:ds="http://schemas.openxmlformats.org/officeDocument/2006/customXml" ds:itemID="{981AF751-E016-414F-92E5-F2DC739E07D5}">
   <ds:schemaRefs>
     <ds:schemaRef ds:uri="http://schemas.microsoft.com/office/2006/metadata/contentType"/>
@@ -33742,14 +33970,6 @@
     <ds:schemaRef ds:uri="http://purl.org/dc/elements/1.1/"/>
     <ds:schemaRef ds:uri="http://purl.org/dc/terms/"/>
     <ds:schemaRef ds:uri="http://schemas.microsoft.com/internal/obd"/>
-  </ds:schemaRefs>
-</ds:datastoreItem>
-</file>
-
-<file path=customXml/itemProps2.xml><?xml version="1.0" encoding="utf-8"?>
-<ds:datastoreItem xmlns:ds="http://schemas.openxmlformats.org/officeDocument/2006/customXml" ds:itemID="{D5B334C4-64A2-4673-803C-35178659DDD3}">
-  <ds:schemaRefs>
-    <ds:schemaRef ds:uri="http://schemas.microsoft.com/sharepoint/v3/contenttype/forms"/>
   </ds:schemaRefs>
 </ds:datastoreItem>
 </file>

--- a/PyCrimes_Final/PyCrimes_Presentation.pptx
+++ b/PyCrimes_Final/PyCrimes_Presentation.pptx
@@ -2523,6 +2523,20 @@
           <a:p>
             <a:r>
               <a:rPr lang="en-US" dirty="0"/>
+              <a:t>And don’t </a:t>
+            </a:r>
+            <a:r>
+              <a:rPr lang="en-US"/>
+              <a:t>do crime.</a:t>
+            </a:r>
+            <a:endParaRPr lang="en-US" dirty="0"/>
+          </a:p>
+          <a:p>
+            <a:endParaRPr lang="en-US" dirty="0"/>
+          </a:p>
+          <a:p>
+            <a:r>
+              <a:rPr lang="en-US" dirty="0"/>
               <a:t>We have been PyCrimes and Misdemeanors</a:t>
             </a:r>
           </a:p>
@@ -4929,15 +4943,7 @@
             </a:pPr>
             <a:r>
               <a:rPr lang="en-US" sz="1400" dirty="0"/>
-              <a:t>Michelle has some charts that might provide some explanations for some of these later numbers, but we wanted to see if we could </a:t>
-            </a:r>
-            <a:r>
-              <a:rPr lang="en-US" sz="1400"/>
-              <a:t>find some answers </a:t>
-            </a:r>
-            <a:r>
-              <a:rPr lang="en-US" sz="1400" dirty="0"/>
-              <a:t>in our data sources first…</a:t>
+              <a:t>Michelle has some charts that might provide some explanations for some of these later numbers, but we wanted to see if we could find some answers in our data sources first…</a:t>
             </a:r>
           </a:p>
           <a:p>
@@ -33605,15 +33611,6 @@
 </file>
 
 <file path=customXml/item1.xml><?xml version="1.0" encoding="utf-8"?>
-<?mso-contentType ?>
-<FormTemplates xmlns="http://schemas.microsoft.com/sharepoint/v3/contenttype/forms">
-  <Display>DocumentLibraryForm</Display>
-  <Edit>DocumentLibraryForm</Edit>
-  <New>DocumentLibraryForm</New>
-</FormTemplates>
-</file>
-
-<file path=customXml/item2.xml><?xml version="1.0" encoding="utf-8"?>
 <ct:contentTypeSchema xmlns:ct="http://schemas.microsoft.com/office/2006/metadata/contentType" xmlns:ma="http://schemas.microsoft.com/office/2006/metadata/properties/metaAttributes" ct:_="" ma:_="" ma:contentTypeName="Document" ma:contentTypeID="0x01010079F111ED35F8CC479449609E8A0923A6" ma:contentTypeVersion="28" ma:contentTypeDescription="Create a new document." ma:contentTypeScope="" ma:versionID="60f5a4f2d2b0abadcf532d48ebf9cb71">
   <xsd:schema xmlns:xsd="http://www.w3.org/2001/XMLSchema" xmlns:xs="http://www.w3.org/2001/XMLSchema" xmlns:p="http://schemas.microsoft.com/office/2006/metadata/properties" xmlns:ns1="http://schemas.microsoft.com/sharepoint/v3" xmlns:ns2="71af3243-3dd4-4a8d-8c0d-dd76da1f02a5" xmlns:ns3="16c05727-aa75-4e4a-9b5f-8a80a1165891" xmlns:ns4="230e9df3-be65-4c73-a93b-d1236ebd677e" targetNamespace="http://schemas.microsoft.com/office/2006/metadata/properties" ma:root="true" ma:fieldsID="7dd78129e6a1811f84807ad11c651531" ns1:_="" ns2:_="" ns3:_="" ns4:_="">
     <xsd:import namespace="http://schemas.microsoft.com/sharepoint/v3"/>
@@ -33925,6 +33922,15 @@
 </ct:contentTypeSchema>
 </file>
 
+<file path=customXml/item2.xml><?xml version="1.0" encoding="utf-8"?>
+<?mso-contentType ?>
+<FormTemplates xmlns="http://schemas.microsoft.com/sharepoint/v3/contenttype/forms">
+  <Display>DocumentLibraryForm</Display>
+  <Edit>DocumentLibraryForm</Edit>
+  <New>DocumentLibraryForm</New>
+</FormTemplates>
+</file>
+
 <file path=customXml/item3.xml><?xml version="1.0" encoding="utf-8"?>
 <p:properties xmlns:p="http://schemas.microsoft.com/office/2006/metadata/properties" xmlns:xsi="http://www.w3.org/2001/XMLSchema-instance" xmlns:pc="http://schemas.microsoft.com/office/infopath/2007/PartnerControls">
   <documentManagement>
@@ -33946,14 +33952,6 @@
 </file>
 
 <file path=customXml/itemProps1.xml><?xml version="1.0" encoding="utf-8"?>
-<ds:datastoreItem xmlns:ds="http://schemas.openxmlformats.org/officeDocument/2006/customXml" ds:itemID="{D5B334C4-64A2-4673-803C-35178659DDD3}">
-  <ds:schemaRefs>
-    <ds:schemaRef ds:uri="http://schemas.microsoft.com/sharepoint/v3/contenttype/forms"/>
-  </ds:schemaRefs>
-</ds:datastoreItem>
-</file>
-
-<file path=customXml/itemProps2.xml><?xml version="1.0" encoding="utf-8"?>
 <ds:datastoreItem xmlns:ds="http://schemas.openxmlformats.org/officeDocument/2006/customXml" ds:itemID="{981AF751-E016-414F-92E5-F2DC739E07D5}">
   <ds:schemaRefs>
     <ds:schemaRef ds:uri="http://schemas.microsoft.com/office/2006/metadata/contentType"/>
@@ -33970,6 +33968,14 @@
     <ds:schemaRef ds:uri="http://purl.org/dc/elements/1.1/"/>
     <ds:schemaRef ds:uri="http://purl.org/dc/terms/"/>
     <ds:schemaRef ds:uri="http://schemas.microsoft.com/internal/obd"/>
+  </ds:schemaRefs>
+</ds:datastoreItem>
+</file>
+
+<file path=customXml/itemProps2.xml><?xml version="1.0" encoding="utf-8"?>
+<ds:datastoreItem xmlns:ds="http://schemas.openxmlformats.org/officeDocument/2006/customXml" ds:itemID="{D5B334C4-64A2-4673-803C-35178659DDD3}">
+  <ds:schemaRefs>
+    <ds:schemaRef ds:uri="http://schemas.microsoft.com/sharepoint/v3/contenttype/forms"/>
   </ds:schemaRefs>
 </ds:datastoreItem>
 </file>
